--- a/JS-SB-LetnIskola2020.pptx
+++ b/JS-SB-LetnIskola2020.pptx
@@ -15,8 +15,8 @@
     <p:sldId id="296" r:id="rId6"/>
     <p:sldId id="258" r:id="rId7"/>
     <p:sldId id="259" r:id="rId8"/>
-    <p:sldId id="260" r:id="rId9"/>
-    <p:sldId id="261" r:id="rId10"/>
+    <p:sldId id="261" r:id="rId9"/>
+    <p:sldId id="312" r:id="rId10"/>
     <p:sldId id="299" r:id="rId11"/>
     <p:sldId id="300" r:id="rId12"/>
     <p:sldId id="301" r:id="rId13"/>
@@ -68,37 +68,37 @@
   <p:notesSz cx="6858000" cy="9144000"/>
   <p:embeddedFontLst>
     <p:embeddedFont>
-      <p:font typeface="Open Sans" panose="020B0604020202020204" charset="0"/>
+      <p:font typeface="Crimson Text" panose="020B0604020202020204" charset="0"/>
       <p:regular r:id="rId58"/>
       <p:bold r:id="rId59"/>
       <p:italic r:id="rId60"/>
       <p:boldItalic r:id="rId61"/>
     </p:embeddedFont>
     <p:embeddedFont>
-      <p:font typeface="Calibri" panose="020F0502020204030204" pitchFamily="34" charset="0"/>
+      <p:font typeface="Amatic SC" panose="020B0604020202020204" charset="-79"/>
       <p:regular r:id="rId62"/>
       <p:bold r:id="rId63"/>
-      <p:italic r:id="rId64"/>
-      <p:boldItalic r:id="rId65"/>
+    </p:embeddedFont>
+    <p:embeddedFont>
+      <p:font typeface="Open Sans" panose="020B0604020202020204" charset="0"/>
+      <p:regular r:id="rId64"/>
+      <p:bold r:id="rId65"/>
+      <p:italic r:id="rId66"/>
+      <p:boldItalic r:id="rId67"/>
+    </p:embeddedFont>
+    <p:embeddedFont>
+      <p:font typeface="Calibri" panose="020F0502020204030204" pitchFamily="34" charset="0"/>
+      <p:regular r:id="rId68"/>
+      <p:bold r:id="rId69"/>
+      <p:italic r:id="rId70"/>
+      <p:boldItalic r:id="rId71"/>
     </p:embeddedFont>
     <p:embeddedFont>
       <p:font typeface="Consolas" panose="020B0609020204030204" pitchFamily="49" charset="0"/>
-      <p:regular r:id="rId66"/>
-      <p:bold r:id="rId67"/>
-      <p:italic r:id="rId68"/>
-      <p:boldItalic r:id="rId69"/>
-    </p:embeddedFont>
-    <p:embeddedFont>
-      <p:font typeface="Crimson Text" panose="020B0604020202020204" charset="0"/>
-      <p:regular r:id="rId70"/>
-      <p:bold r:id="rId71"/>
-      <p:italic r:id="rId72"/>
-      <p:boldItalic r:id="rId73"/>
-    </p:embeddedFont>
-    <p:embeddedFont>
-      <p:font typeface="Amatic SC" panose="020B0604020202020204" charset="-79"/>
-      <p:regular r:id="rId74"/>
-      <p:bold r:id="rId75"/>
+      <p:regular r:id="rId72"/>
+      <p:bold r:id="rId73"/>
+      <p:italic r:id="rId74"/>
+      <p:boldItalic r:id="rId75"/>
     </p:embeddedFont>
   </p:embeddedFontLst>
   <p:defaultTextStyle>
@@ -1408,6 +1408,110 @@
   <p:cSld>
     <p:spTree>
       <p:nvGrpSpPr>
+        <p:cNvPr id="1" name="Shape 85"/>
+        <p:cNvGrpSpPr/>
+        <p:nvPr/>
+      </p:nvGrpSpPr>
+      <p:grpSpPr>
+        <a:xfrm>
+          <a:off x="0" y="0"/>
+          <a:ext cx="0" cy="0"/>
+          <a:chOff x="0" y="0"/>
+          <a:chExt cx="0" cy="0"/>
+        </a:xfrm>
+      </p:grpSpPr>
+      <p:sp>
+        <p:nvSpPr>
+          <p:cNvPr id="86" name="Google Shape;86;g34ae9cfa90_0_252:notes"/>
+          <p:cNvSpPr>
+            <a:spLocks noGrp="1" noRot="1" noChangeAspect="1"/>
+          </p:cNvSpPr>
+          <p:nvPr>
+            <p:ph type="sldImg" idx="2"/>
+          </p:nvPr>
+        </p:nvSpPr>
+        <p:spPr>
+          <a:xfrm>
+            <a:off x="381000" y="685800"/>
+            <a:ext cx="6096000" cy="3429000"/>
+          </a:xfrm>
+          <a:custGeom>
+            <a:avLst/>
+            <a:gdLst/>
+            <a:ahLst/>
+            <a:cxnLst/>
+            <a:rect l="l" t="t" r="r" b="b"/>
+            <a:pathLst>
+              <a:path w="120000" h="120000" extrusionOk="0">
+                <a:moveTo>
+                  <a:pt x="0" y="0"/>
+                </a:moveTo>
+                <a:lnTo>
+                  <a:pt x="120000" y="0"/>
+                </a:lnTo>
+                <a:lnTo>
+                  <a:pt x="120000" y="120000"/>
+                </a:lnTo>
+                <a:lnTo>
+                  <a:pt x="0" y="120000"/>
+                </a:lnTo>
+                <a:close/>
+              </a:path>
+            </a:pathLst>
+          </a:custGeom>
+        </p:spPr>
+      </p:sp>
+      <p:sp>
+        <p:nvSpPr>
+          <p:cNvPr id="87" name="Google Shape;87;g34ae9cfa90_0_252:notes"/>
+          <p:cNvSpPr txBox="1">
+            <a:spLocks noGrp="1"/>
+          </p:cNvSpPr>
+          <p:nvPr>
+            <p:ph type="body" idx="1"/>
+          </p:nvPr>
+        </p:nvSpPr>
+        <p:spPr>
+          <a:xfrm>
+            <a:off x="685800" y="4343400"/>
+            <a:ext cx="5486400" cy="4114800"/>
+          </a:xfrm>
+          <a:prstGeom prst="rect">
+            <a:avLst/>
+          </a:prstGeom>
+        </p:spPr>
+        <p:txBody>
+          <a:bodyPr spcFirstLastPara="1" wrap="square" lIns="91425" tIns="91425" rIns="91425" bIns="91425" anchor="t" anchorCtr="0">
+            <a:noAutofit/>
+          </a:bodyPr>
+          <a:lstStyle/>
+          <a:p>
+            <a:pPr marL="0" lvl="0" indent="0" algn="l" rtl="0">
+              <a:spcBef>
+                <a:spcPts val="0"/>
+              </a:spcBef>
+              <a:spcAft>
+                <a:spcPts val="0"/>
+              </a:spcAft>
+              <a:buNone/>
+            </a:pPr>
+            <a:endParaRPr/>
+          </a:p>
+        </p:txBody>
+      </p:sp>
+    </p:spTree>
+  </p:cSld>
+  <p:clrMapOvr>
+    <a:masterClrMapping/>
+  </p:clrMapOvr>
+</p:notes>
+</file>
+
+<file path=ppt/notesSlides/notesSlide16.xml><?xml version="1.0" encoding="utf-8"?>
+<p:notes xmlns:a="http://schemas.openxmlformats.org/drawingml/2006/main" xmlns:r="http://schemas.openxmlformats.org/officeDocument/2006/relationships" xmlns:p="http://schemas.openxmlformats.org/presentationml/2006/main" showMasterSp="0" showMasterPhAnim="0">
+  <p:cSld>
+    <p:spTree>
+      <p:nvGrpSpPr>
         <p:cNvPr id="1" name="Shape 161"/>
         <p:cNvGrpSpPr/>
         <p:nvPr/>
@@ -1464,110 +1568,6 @@
       <p:sp>
         <p:nvSpPr>
           <p:cNvPr id="163" name="Google Shape;163;g34c9b53280_0_89:notes"/>
-          <p:cNvSpPr txBox="1">
-            <a:spLocks noGrp="1"/>
-          </p:cNvSpPr>
-          <p:nvPr>
-            <p:ph type="body" idx="1"/>
-          </p:nvPr>
-        </p:nvSpPr>
-        <p:spPr>
-          <a:xfrm>
-            <a:off x="685800" y="4343400"/>
-            <a:ext cx="5486400" cy="4114800"/>
-          </a:xfrm>
-          <a:prstGeom prst="rect">
-            <a:avLst/>
-          </a:prstGeom>
-        </p:spPr>
-        <p:txBody>
-          <a:bodyPr spcFirstLastPara="1" wrap="square" lIns="91425" tIns="91425" rIns="91425" bIns="91425" anchor="t" anchorCtr="0">
-            <a:noAutofit/>
-          </a:bodyPr>
-          <a:lstStyle/>
-          <a:p>
-            <a:pPr marL="0" lvl="0" indent="0" algn="l" rtl="0">
-              <a:spcBef>
-                <a:spcPts val="0"/>
-              </a:spcBef>
-              <a:spcAft>
-                <a:spcPts val="0"/>
-              </a:spcAft>
-              <a:buNone/>
-            </a:pPr>
-            <a:endParaRPr/>
-          </a:p>
-        </p:txBody>
-      </p:sp>
-    </p:spTree>
-  </p:cSld>
-  <p:clrMapOvr>
-    <a:masterClrMapping/>
-  </p:clrMapOvr>
-</p:notes>
-</file>
-
-<file path=ppt/notesSlides/notesSlide16.xml><?xml version="1.0" encoding="utf-8"?>
-<p:notes xmlns:a="http://schemas.openxmlformats.org/drawingml/2006/main" xmlns:r="http://schemas.openxmlformats.org/officeDocument/2006/relationships" xmlns:p="http://schemas.openxmlformats.org/presentationml/2006/main" showMasterSp="0" showMasterPhAnim="0">
-  <p:cSld>
-    <p:spTree>
-      <p:nvGrpSpPr>
-        <p:cNvPr id="1" name="Shape 85"/>
-        <p:cNvGrpSpPr/>
-        <p:nvPr/>
-      </p:nvGrpSpPr>
-      <p:grpSpPr>
-        <a:xfrm>
-          <a:off x="0" y="0"/>
-          <a:ext cx="0" cy="0"/>
-          <a:chOff x="0" y="0"/>
-          <a:chExt cx="0" cy="0"/>
-        </a:xfrm>
-      </p:grpSpPr>
-      <p:sp>
-        <p:nvSpPr>
-          <p:cNvPr id="86" name="Google Shape;86;g34ae9cfa90_0_252:notes"/>
-          <p:cNvSpPr>
-            <a:spLocks noGrp="1" noRot="1" noChangeAspect="1"/>
-          </p:cNvSpPr>
-          <p:nvPr>
-            <p:ph type="sldImg" idx="2"/>
-          </p:nvPr>
-        </p:nvSpPr>
-        <p:spPr>
-          <a:xfrm>
-            <a:off x="381000" y="685800"/>
-            <a:ext cx="6096000" cy="3429000"/>
-          </a:xfrm>
-          <a:custGeom>
-            <a:avLst/>
-            <a:gdLst/>
-            <a:ahLst/>
-            <a:cxnLst/>
-            <a:rect l="l" t="t" r="r" b="b"/>
-            <a:pathLst>
-              <a:path w="120000" h="120000" extrusionOk="0">
-                <a:moveTo>
-                  <a:pt x="0" y="0"/>
-                </a:moveTo>
-                <a:lnTo>
-                  <a:pt x="120000" y="0"/>
-                </a:lnTo>
-                <a:lnTo>
-                  <a:pt x="120000" y="120000"/>
-                </a:lnTo>
-                <a:lnTo>
-                  <a:pt x="0" y="120000"/>
-                </a:lnTo>
-                <a:close/>
-              </a:path>
-            </a:pathLst>
-          </a:custGeom>
-        </p:spPr>
-      </p:sp>
-      <p:sp>
-        <p:nvSpPr>
-          <p:cNvPr id="87" name="Google Shape;87;g34ae9cfa90_0_252:notes"/>
           <p:cNvSpPr txBox="1">
             <a:spLocks noGrp="1"/>
           </p:cNvSpPr>
@@ -1824,7 +1824,7 @@
   <p:cSld>
     <p:spTree>
       <p:nvGrpSpPr>
-        <p:cNvPr id="1" name="Shape 161"/>
+        <p:cNvPr id="1" name="Shape 85"/>
         <p:cNvGrpSpPr/>
         <p:nvPr/>
       </p:nvGrpSpPr>
@@ -1838,7 +1838,7 @@
       </p:grpSpPr>
       <p:sp>
         <p:nvSpPr>
-          <p:cNvPr id="162" name="Google Shape;162;g34c9b53280_0_89:notes"/>
+          <p:cNvPr id="86" name="Google Shape;86;g34ae9cfa90_0_252:notes"/>
           <p:cNvSpPr>
             <a:spLocks noGrp="1" noRot="1" noChangeAspect="1"/>
           </p:cNvSpPr>
@@ -1879,7 +1879,7 @@
       </p:sp>
       <p:sp>
         <p:nvSpPr>
-          <p:cNvPr id="163" name="Google Shape;163;g34c9b53280_0_89:notes"/>
+          <p:cNvPr id="87" name="Google Shape;87;g34ae9cfa90_0_252:notes"/>
           <p:cNvSpPr txBox="1">
             <a:spLocks noGrp="1"/>
           </p:cNvSpPr>
@@ -2032,110 +2032,6 @@
   <p:cSld>
     <p:spTree>
       <p:nvGrpSpPr>
-        <p:cNvPr id="1" name="Shape 85"/>
-        <p:cNvGrpSpPr/>
-        <p:nvPr/>
-      </p:nvGrpSpPr>
-      <p:grpSpPr>
-        <a:xfrm>
-          <a:off x="0" y="0"/>
-          <a:ext cx="0" cy="0"/>
-          <a:chOff x="0" y="0"/>
-          <a:chExt cx="0" cy="0"/>
-        </a:xfrm>
-      </p:grpSpPr>
-      <p:sp>
-        <p:nvSpPr>
-          <p:cNvPr id="86" name="Google Shape;86;g34ae9cfa90_0_252:notes"/>
-          <p:cNvSpPr>
-            <a:spLocks noGrp="1" noRot="1" noChangeAspect="1"/>
-          </p:cNvSpPr>
-          <p:nvPr>
-            <p:ph type="sldImg" idx="2"/>
-          </p:nvPr>
-        </p:nvSpPr>
-        <p:spPr>
-          <a:xfrm>
-            <a:off x="381000" y="685800"/>
-            <a:ext cx="6096000" cy="3429000"/>
-          </a:xfrm>
-          <a:custGeom>
-            <a:avLst/>
-            <a:gdLst/>
-            <a:ahLst/>
-            <a:cxnLst/>
-            <a:rect l="l" t="t" r="r" b="b"/>
-            <a:pathLst>
-              <a:path w="120000" h="120000" extrusionOk="0">
-                <a:moveTo>
-                  <a:pt x="0" y="0"/>
-                </a:moveTo>
-                <a:lnTo>
-                  <a:pt x="120000" y="0"/>
-                </a:lnTo>
-                <a:lnTo>
-                  <a:pt x="120000" y="120000"/>
-                </a:lnTo>
-                <a:lnTo>
-                  <a:pt x="0" y="120000"/>
-                </a:lnTo>
-                <a:close/>
-              </a:path>
-            </a:pathLst>
-          </a:custGeom>
-        </p:spPr>
-      </p:sp>
-      <p:sp>
-        <p:nvSpPr>
-          <p:cNvPr id="87" name="Google Shape;87;g34ae9cfa90_0_252:notes"/>
-          <p:cNvSpPr txBox="1">
-            <a:spLocks noGrp="1"/>
-          </p:cNvSpPr>
-          <p:nvPr>
-            <p:ph type="body" idx="1"/>
-          </p:nvPr>
-        </p:nvSpPr>
-        <p:spPr>
-          <a:xfrm>
-            <a:off x="685800" y="4343400"/>
-            <a:ext cx="5486400" cy="4114800"/>
-          </a:xfrm>
-          <a:prstGeom prst="rect">
-            <a:avLst/>
-          </a:prstGeom>
-        </p:spPr>
-        <p:txBody>
-          <a:bodyPr spcFirstLastPara="1" wrap="square" lIns="91425" tIns="91425" rIns="91425" bIns="91425" anchor="t" anchorCtr="0">
-            <a:noAutofit/>
-          </a:bodyPr>
-          <a:lstStyle/>
-          <a:p>
-            <a:pPr marL="0" lvl="0" indent="0" algn="l" rtl="0">
-              <a:spcBef>
-                <a:spcPts val="0"/>
-              </a:spcBef>
-              <a:spcAft>
-                <a:spcPts val="0"/>
-              </a:spcAft>
-              <a:buNone/>
-            </a:pPr>
-            <a:endParaRPr/>
-          </a:p>
-        </p:txBody>
-      </p:sp>
-    </p:spTree>
-  </p:cSld>
-  <p:clrMapOvr>
-    <a:masterClrMapping/>
-  </p:clrMapOvr>
-</p:notes>
-</file>
-
-<file path=ppt/notesSlides/notesSlide21.xml><?xml version="1.0" encoding="utf-8"?>
-<p:notes xmlns:a="http://schemas.openxmlformats.org/drawingml/2006/main" xmlns:r="http://schemas.openxmlformats.org/officeDocument/2006/relationships" xmlns:p="http://schemas.openxmlformats.org/presentationml/2006/main" showMasterSp="0" showMasterPhAnim="0">
-  <p:cSld>
-    <p:spTree>
-      <p:nvGrpSpPr>
         <p:cNvPr id="1" name="Shape 90"/>
         <p:cNvGrpSpPr/>
         <p:nvPr/>
@@ -2235,7 +2131,7 @@
 </p:notes>
 </file>
 
-<file path=ppt/notesSlides/notesSlide22.xml><?xml version="1.0" encoding="utf-8"?>
+<file path=ppt/notesSlides/notesSlide21.xml><?xml version="1.0" encoding="utf-8"?>
 <p:notes xmlns:a="http://schemas.openxmlformats.org/drawingml/2006/main" xmlns:r="http://schemas.openxmlformats.org/officeDocument/2006/relationships" xmlns:p="http://schemas.openxmlformats.org/presentationml/2006/main" showMasterSp="0" showMasterPhAnim="0">
   <p:cSld>
     <p:spTree>
@@ -2339,7 +2235,7 @@
 </p:notes>
 </file>
 
-<file path=ppt/notesSlides/notesSlide23.xml><?xml version="1.0" encoding="utf-8"?>
+<file path=ppt/notesSlides/notesSlide22.xml><?xml version="1.0" encoding="utf-8"?>
 <p:notes xmlns:a="http://schemas.openxmlformats.org/drawingml/2006/main" xmlns:r="http://schemas.openxmlformats.org/officeDocument/2006/relationships" xmlns:p="http://schemas.openxmlformats.org/presentationml/2006/main" showMasterSp="0" showMasterPhAnim="0">
   <p:cSld>
     <p:spTree>
@@ -2443,7 +2339,7 @@
 </p:notes>
 </file>
 
-<file path=ppt/notesSlides/notesSlide24.xml><?xml version="1.0" encoding="utf-8"?>
+<file path=ppt/notesSlides/notesSlide23.xml><?xml version="1.0" encoding="utf-8"?>
 <p:notes xmlns:a="http://schemas.openxmlformats.org/drawingml/2006/main" xmlns:r="http://schemas.openxmlformats.org/officeDocument/2006/relationships" xmlns:p="http://schemas.openxmlformats.org/presentationml/2006/main" showMasterSp="0" showMasterPhAnim="0">
   <p:cSld>
     <p:spTree>
@@ -2547,7 +2443,7 @@
 </p:notes>
 </file>
 
-<file path=ppt/notesSlides/notesSlide25.xml><?xml version="1.0" encoding="utf-8"?>
+<file path=ppt/notesSlides/notesSlide24.xml><?xml version="1.0" encoding="utf-8"?>
 <p:notes xmlns:a="http://schemas.openxmlformats.org/drawingml/2006/main" xmlns:r="http://schemas.openxmlformats.org/officeDocument/2006/relationships" xmlns:p="http://schemas.openxmlformats.org/presentationml/2006/main" showMasterSp="0" showMasterPhAnim="0">
   <p:cSld>
     <p:spTree>
@@ -2651,7 +2547,7 @@
 </p:notes>
 </file>
 
-<file path=ppt/notesSlides/notesSlide26.xml><?xml version="1.0" encoding="utf-8"?>
+<file path=ppt/notesSlides/notesSlide25.xml><?xml version="1.0" encoding="utf-8"?>
 <p:notes xmlns:a="http://schemas.openxmlformats.org/drawingml/2006/main" xmlns:r="http://schemas.openxmlformats.org/officeDocument/2006/relationships" xmlns:p="http://schemas.openxmlformats.org/presentationml/2006/main" showMasterSp="0" showMasterPhAnim="0">
   <p:cSld>
     <p:spTree>
@@ -2755,7 +2651,7 @@
 </p:notes>
 </file>
 
-<file path=ppt/notesSlides/notesSlide27.xml><?xml version="1.0" encoding="utf-8"?>
+<file path=ppt/notesSlides/notesSlide26.xml><?xml version="1.0" encoding="utf-8"?>
 <p:notes xmlns:a="http://schemas.openxmlformats.org/drawingml/2006/main" xmlns:r="http://schemas.openxmlformats.org/officeDocument/2006/relationships" xmlns:p="http://schemas.openxmlformats.org/presentationml/2006/main" showMasterSp="0" showMasterPhAnim="0">
   <p:cSld>
     <p:spTree>
@@ -2859,7 +2755,7 @@
 </p:notes>
 </file>
 
-<file path=ppt/notesSlides/notesSlide28.xml><?xml version="1.0" encoding="utf-8"?>
+<file path=ppt/notesSlides/notesSlide27.xml><?xml version="1.0" encoding="utf-8"?>
 <p:notes xmlns:a="http://schemas.openxmlformats.org/drawingml/2006/main" xmlns:r="http://schemas.openxmlformats.org/officeDocument/2006/relationships" xmlns:p="http://schemas.openxmlformats.org/presentationml/2006/main" showMasterSp="0" showMasterPhAnim="0">
   <p:cSld>
     <p:spTree>
@@ -2963,7 +2859,7 @@
 </p:notes>
 </file>
 
-<file path=ppt/notesSlides/notesSlide29.xml><?xml version="1.0" encoding="utf-8"?>
+<file path=ppt/notesSlides/notesSlide28.xml><?xml version="1.0" encoding="utf-8"?>
 <p:notes xmlns:a="http://schemas.openxmlformats.org/drawingml/2006/main" xmlns:r="http://schemas.openxmlformats.org/officeDocument/2006/relationships" xmlns:p="http://schemas.openxmlformats.org/presentationml/2006/main" showMasterSp="0" showMasterPhAnim="0">
   <p:cSld>
     <p:spTree>
@@ -3024,6 +2920,110 @@
       <p:sp>
         <p:nvSpPr>
           <p:cNvPr id="157" name="Google Shape;157;g34c9b53280_0_16:notes"/>
+          <p:cNvSpPr txBox="1">
+            <a:spLocks noGrp="1"/>
+          </p:cNvSpPr>
+          <p:nvPr>
+            <p:ph type="body" idx="1"/>
+          </p:nvPr>
+        </p:nvSpPr>
+        <p:spPr>
+          <a:xfrm>
+            <a:off x="685800" y="4343400"/>
+            <a:ext cx="5486400" cy="4114800"/>
+          </a:xfrm>
+          <a:prstGeom prst="rect">
+            <a:avLst/>
+          </a:prstGeom>
+        </p:spPr>
+        <p:txBody>
+          <a:bodyPr spcFirstLastPara="1" wrap="square" lIns="91425" tIns="91425" rIns="91425" bIns="91425" anchor="t" anchorCtr="0">
+            <a:noAutofit/>
+          </a:bodyPr>
+          <a:lstStyle/>
+          <a:p>
+            <a:pPr marL="0" lvl="0" indent="0" algn="l" rtl="0">
+              <a:spcBef>
+                <a:spcPts val="0"/>
+              </a:spcBef>
+              <a:spcAft>
+                <a:spcPts val="0"/>
+              </a:spcAft>
+              <a:buNone/>
+            </a:pPr>
+            <a:endParaRPr/>
+          </a:p>
+        </p:txBody>
+      </p:sp>
+    </p:spTree>
+  </p:cSld>
+  <p:clrMapOvr>
+    <a:masterClrMapping/>
+  </p:clrMapOvr>
+</p:notes>
+</file>
+
+<file path=ppt/notesSlides/notesSlide29.xml><?xml version="1.0" encoding="utf-8"?>
+<p:notes xmlns:a="http://schemas.openxmlformats.org/drawingml/2006/main" xmlns:r="http://schemas.openxmlformats.org/officeDocument/2006/relationships" xmlns:p="http://schemas.openxmlformats.org/presentationml/2006/main" showMasterSp="0" showMasterPhAnim="0">
+  <p:cSld>
+    <p:spTree>
+      <p:nvGrpSpPr>
+        <p:cNvPr id="1" name="Shape 161"/>
+        <p:cNvGrpSpPr/>
+        <p:nvPr/>
+      </p:nvGrpSpPr>
+      <p:grpSpPr>
+        <a:xfrm>
+          <a:off x="0" y="0"/>
+          <a:ext cx="0" cy="0"/>
+          <a:chOff x="0" y="0"/>
+          <a:chExt cx="0" cy="0"/>
+        </a:xfrm>
+      </p:grpSpPr>
+      <p:sp>
+        <p:nvSpPr>
+          <p:cNvPr id="162" name="Google Shape;162;g34c9b53280_0_89:notes"/>
+          <p:cNvSpPr>
+            <a:spLocks noGrp="1" noRot="1" noChangeAspect="1"/>
+          </p:cNvSpPr>
+          <p:nvPr>
+            <p:ph type="sldImg" idx="2"/>
+          </p:nvPr>
+        </p:nvSpPr>
+        <p:spPr>
+          <a:xfrm>
+            <a:off x="381000" y="685800"/>
+            <a:ext cx="6096000" cy="3429000"/>
+          </a:xfrm>
+          <a:custGeom>
+            <a:avLst/>
+            <a:gdLst/>
+            <a:ahLst/>
+            <a:cxnLst/>
+            <a:rect l="l" t="t" r="r" b="b"/>
+            <a:pathLst>
+              <a:path w="120000" h="120000" extrusionOk="0">
+                <a:moveTo>
+                  <a:pt x="0" y="0"/>
+                </a:moveTo>
+                <a:lnTo>
+                  <a:pt x="120000" y="0"/>
+                </a:lnTo>
+                <a:lnTo>
+                  <a:pt x="120000" y="120000"/>
+                </a:lnTo>
+                <a:lnTo>
+                  <a:pt x="0" y="120000"/>
+                </a:lnTo>
+                <a:close/>
+              </a:path>
+            </a:pathLst>
+          </a:custGeom>
+        </p:spPr>
+      </p:sp>
+      <p:sp>
+        <p:nvSpPr>
+          <p:cNvPr id="163" name="Google Shape;163;g34c9b53280_0_89:notes"/>
           <p:cNvSpPr txBox="1">
             <a:spLocks noGrp="1"/>
           </p:cNvSpPr>
@@ -3176,110 +3176,6 @@
   <p:cSld>
     <p:spTree>
       <p:nvGrpSpPr>
-        <p:cNvPr id="1" name="Shape 161"/>
-        <p:cNvGrpSpPr/>
-        <p:nvPr/>
-      </p:nvGrpSpPr>
-      <p:grpSpPr>
-        <a:xfrm>
-          <a:off x="0" y="0"/>
-          <a:ext cx="0" cy="0"/>
-          <a:chOff x="0" y="0"/>
-          <a:chExt cx="0" cy="0"/>
-        </a:xfrm>
-      </p:grpSpPr>
-      <p:sp>
-        <p:nvSpPr>
-          <p:cNvPr id="162" name="Google Shape;162;g34c9b53280_0_89:notes"/>
-          <p:cNvSpPr>
-            <a:spLocks noGrp="1" noRot="1" noChangeAspect="1"/>
-          </p:cNvSpPr>
-          <p:nvPr>
-            <p:ph type="sldImg" idx="2"/>
-          </p:nvPr>
-        </p:nvSpPr>
-        <p:spPr>
-          <a:xfrm>
-            <a:off x="381000" y="685800"/>
-            <a:ext cx="6096000" cy="3429000"/>
-          </a:xfrm>
-          <a:custGeom>
-            <a:avLst/>
-            <a:gdLst/>
-            <a:ahLst/>
-            <a:cxnLst/>
-            <a:rect l="l" t="t" r="r" b="b"/>
-            <a:pathLst>
-              <a:path w="120000" h="120000" extrusionOk="0">
-                <a:moveTo>
-                  <a:pt x="0" y="0"/>
-                </a:moveTo>
-                <a:lnTo>
-                  <a:pt x="120000" y="0"/>
-                </a:lnTo>
-                <a:lnTo>
-                  <a:pt x="120000" y="120000"/>
-                </a:lnTo>
-                <a:lnTo>
-                  <a:pt x="0" y="120000"/>
-                </a:lnTo>
-                <a:close/>
-              </a:path>
-            </a:pathLst>
-          </a:custGeom>
-        </p:spPr>
-      </p:sp>
-      <p:sp>
-        <p:nvSpPr>
-          <p:cNvPr id="163" name="Google Shape;163;g34c9b53280_0_89:notes"/>
-          <p:cNvSpPr txBox="1">
-            <a:spLocks noGrp="1"/>
-          </p:cNvSpPr>
-          <p:nvPr>
-            <p:ph type="body" idx="1"/>
-          </p:nvPr>
-        </p:nvSpPr>
-        <p:spPr>
-          <a:xfrm>
-            <a:off x="685800" y="4343400"/>
-            <a:ext cx="5486400" cy="4114800"/>
-          </a:xfrm>
-          <a:prstGeom prst="rect">
-            <a:avLst/>
-          </a:prstGeom>
-        </p:spPr>
-        <p:txBody>
-          <a:bodyPr spcFirstLastPara="1" wrap="square" lIns="91425" tIns="91425" rIns="91425" bIns="91425" anchor="t" anchorCtr="0">
-            <a:noAutofit/>
-          </a:bodyPr>
-          <a:lstStyle/>
-          <a:p>
-            <a:pPr marL="0" lvl="0" indent="0" algn="l" rtl="0">
-              <a:spcBef>
-                <a:spcPts val="0"/>
-              </a:spcBef>
-              <a:spcAft>
-                <a:spcPts val="0"/>
-              </a:spcAft>
-              <a:buNone/>
-            </a:pPr>
-            <a:endParaRPr/>
-          </a:p>
-        </p:txBody>
-      </p:sp>
-    </p:spTree>
-  </p:cSld>
-  <p:clrMapOvr>
-    <a:masterClrMapping/>
-  </p:clrMapOvr>
-</p:notes>
-</file>
-
-<file path=ppt/notesSlides/notesSlide31.xml><?xml version="1.0" encoding="utf-8"?>
-<p:notes xmlns:a="http://schemas.openxmlformats.org/drawingml/2006/main" xmlns:r="http://schemas.openxmlformats.org/officeDocument/2006/relationships" xmlns:p="http://schemas.openxmlformats.org/presentationml/2006/main" showMasterSp="0" showMasterPhAnim="0">
-  <p:cSld>
-    <p:spTree>
-      <p:nvGrpSpPr>
         <p:cNvPr id="1" name="Shape 174"/>
         <p:cNvGrpSpPr/>
         <p:nvPr/>
@@ -3379,7 +3275,7 @@
 </p:notes>
 </file>
 
-<file path=ppt/notesSlides/notesSlide32.xml><?xml version="1.0" encoding="utf-8"?>
+<file path=ppt/notesSlides/notesSlide31.xml><?xml version="1.0" encoding="utf-8"?>
 <p:notes xmlns:a="http://schemas.openxmlformats.org/drawingml/2006/main" xmlns:r="http://schemas.openxmlformats.org/officeDocument/2006/relationships" xmlns:p="http://schemas.openxmlformats.org/presentationml/2006/main" showMasterSp="0" showMasterPhAnim="0">
   <p:cSld>
     <p:spTree>
@@ -3483,7 +3379,7 @@
 </p:notes>
 </file>
 
-<file path=ppt/notesSlides/notesSlide33.xml><?xml version="1.0" encoding="utf-8"?>
+<file path=ppt/notesSlides/notesSlide32.xml><?xml version="1.0" encoding="utf-8"?>
 <p:notes xmlns:a="http://schemas.openxmlformats.org/drawingml/2006/main" xmlns:r="http://schemas.openxmlformats.org/officeDocument/2006/relationships" xmlns:p="http://schemas.openxmlformats.org/presentationml/2006/main" showMasterSp="0" showMasterPhAnim="0">
   <p:cSld>
     <p:spTree>
@@ -3587,7 +3483,7 @@
 </p:notes>
 </file>
 
-<file path=ppt/notesSlides/notesSlide34.xml><?xml version="1.0" encoding="utf-8"?>
+<file path=ppt/notesSlides/notesSlide33.xml><?xml version="1.0" encoding="utf-8"?>
 <p:notes xmlns:a="http://schemas.openxmlformats.org/drawingml/2006/main" xmlns:r="http://schemas.openxmlformats.org/officeDocument/2006/relationships" xmlns:p="http://schemas.openxmlformats.org/presentationml/2006/main" showMasterSp="0" showMasterPhAnim="0">
   <p:cSld>
     <p:spTree>
@@ -3691,7 +3587,7 @@
 </p:notes>
 </file>
 
-<file path=ppt/notesSlides/notesSlide35.xml><?xml version="1.0" encoding="utf-8"?>
+<file path=ppt/notesSlides/notesSlide34.xml><?xml version="1.0" encoding="utf-8"?>
 <p:notes xmlns:a="http://schemas.openxmlformats.org/drawingml/2006/main" xmlns:r="http://schemas.openxmlformats.org/officeDocument/2006/relationships" xmlns:p="http://schemas.openxmlformats.org/presentationml/2006/main" showMasterSp="0" showMasterPhAnim="0">
   <p:cSld>
     <p:spTree>
@@ -3795,7 +3691,7 @@
 </p:notes>
 </file>
 
-<file path=ppt/notesSlides/notesSlide36.xml><?xml version="1.0" encoding="utf-8"?>
+<file path=ppt/notesSlides/notesSlide35.xml><?xml version="1.0" encoding="utf-8"?>
 <p:notes xmlns:a="http://schemas.openxmlformats.org/drawingml/2006/main" xmlns:r="http://schemas.openxmlformats.org/officeDocument/2006/relationships" xmlns:p="http://schemas.openxmlformats.org/presentationml/2006/main" showMasterSp="0" showMasterPhAnim="0">
   <p:cSld>
     <p:spTree>
@@ -3899,7 +3795,7 @@
 </p:notes>
 </file>
 
-<file path=ppt/notesSlides/notesSlide37.xml><?xml version="1.0" encoding="utf-8"?>
+<file path=ppt/notesSlides/notesSlide36.xml><?xml version="1.0" encoding="utf-8"?>
 <p:notes xmlns:a="http://schemas.openxmlformats.org/drawingml/2006/main" xmlns:r="http://schemas.openxmlformats.org/officeDocument/2006/relationships" xmlns:p="http://schemas.openxmlformats.org/presentationml/2006/main" showMasterSp="0" showMasterPhAnim="0">
   <p:cSld>
     <p:spTree>
@@ -4003,7 +3899,7 @@
 </p:notes>
 </file>
 
-<file path=ppt/notesSlides/notesSlide38.xml><?xml version="1.0" encoding="utf-8"?>
+<file path=ppt/notesSlides/notesSlide37.xml><?xml version="1.0" encoding="utf-8"?>
 <p:notes xmlns:a="http://schemas.openxmlformats.org/drawingml/2006/main" xmlns:r="http://schemas.openxmlformats.org/officeDocument/2006/relationships" xmlns:p="http://schemas.openxmlformats.org/presentationml/2006/main" showMasterSp="0" showMasterPhAnim="0">
   <p:cSld>
     <p:spTree>
@@ -4107,7 +4003,7 @@
 </p:notes>
 </file>
 
-<file path=ppt/notesSlides/notesSlide39.xml><?xml version="1.0" encoding="utf-8"?>
+<file path=ppt/notesSlides/notesSlide38.xml><?xml version="1.0" encoding="utf-8"?>
 <p:notes xmlns:a="http://schemas.openxmlformats.org/drawingml/2006/main" xmlns:r="http://schemas.openxmlformats.org/officeDocument/2006/relationships" xmlns:p="http://schemas.openxmlformats.org/presentationml/2006/main" showMasterSp="0" showMasterPhAnim="0">
   <p:cSld>
     <p:spTree>
@@ -4168,6 +4064,110 @@
       <p:sp>
         <p:nvSpPr>
           <p:cNvPr id="246" name="Google Shape;246;g34c9b53280_0_69:notes"/>
+          <p:cNvSpPr txBox="1">
+            <a:spLocks noGrp="1"/>
+          </p:cNvSpPr>
+          <p:nvPr>
+            <p:ph type="body" idx="1"/>
+          </p:nvPr>
+        </p:nvSpPr>
+        <p:spPr>
+          <a:xfrm>
+            <a:off x="685800" y="4343400"/>
+            <a:ext cx="5486400" cy="4114800"/>
+          </a:xfrm>
+          <a:prstGeom prst="rect">
+            <a:avLst/>
+          </a:prstGeom>
+        </p:spPr>
+        <p:txBody>
+          <a:bodyPr spcFirstLastPara="1" wrap="square" lIns="91425" tIns="91425" rIns="91425" bIns="91425" anchor="t" anchorCtr="0">
+            <a:noAutofit/>
+          </a:bodyPr>
+          <a:lstStyle/>
+          <a:p>
+            <a:pPr marL="0" lvl="0" indent="0" algn="l" rtl="0">
+              <a:spcBef>
+                <a:spcPts val="0"/>
+              </a:spcBef>
+              <a:spcAft>
+                <a:spcPts val="0"/>
+              </a:spcAft>
+              <a:buNone/>
+            </a:pPr>
+            <a:endParaRPr/>
+          </a:p>
+        </p:txBody>
+      </p:sp>
+    </p:spTree>
+  </p:cSld>
+  <p:clrMapOvr>
+    <a:masterClrMapping/>
+  </p:clrMapOvr>
+</p:notes>
+</file>
+
+<file path=ppt/notesSlides/notesSlide39.xml><?xml version="1.0" encoding="utf-8"?>
+<p:notes xmlns:a="http://schemas.openxmlformats.org/drawingml/2006/main" xmlns:r="http://schemas.openxmlformats.org/officeDocument/2006/relationships" xmlns:p="http://schemas.openxmlformats.org/presentationml/2006/main" showMasterSp="0" showMasterPhAnim="0">
+  <p:cSld>
+    <p:spTree>
+      <p:nvGrpSpPr>
+        <p:cNvPr id="1" name="Shape 254"/>
+        <p:cNvGrpSpPr/>
+        <p:nvPr/>
+      </p:nvGrpSpPr>
+      <p:grpSpPr>
+        <a:xfrm>
+          <a:off x="0" y="0"/>
+          <a:ext cx="0" cy="0"/>
+          <a:chOff x="0" y="0"/>
+          <a:chExt cx="0" cy="0"/>
+        </a:xfrm>
+      </p:grpSpPr>
+      <p:sp>
+        <p:nvSpPr>
+          <p:cNvPr id="255" name="Google Shape;255;g34c9b53280_0_78:notes"/>
+          <p:cNvSpPr>
+            <a:spLocks noGrp="1" noRot="1" noChangeAspect="1"/>
+          </p:cNvSpPr>
+          <p:nvPr>
+            <p:ph type="sldImg" idx="2"/>
+          </p:nvPr>
+        </p:nvSpPr>
+        <p:spPr>
+          <a:xfrm>
+            <a:off x="381000" y="685800"/>
+            <a:ext cx="6096000" cy="3429000"/>
+          </a:xfrm>
+          <a:custGeom>
+            <a:avLst/>
+            <a:gdLst/>
+            <a:ahLst/>
+            <a:cxnLst/>
+            <a:rect l="l" t="t" r="r" b="b"/>
+            <a:pathLst>
+              <a:path w="120000" h="120000" extrusionOk="0">
+                <a:moveTo>
+                  <a:pt x="0" y="0"/>
+                </a:moveTo>
+                <a:lnTo>
+                  <a:pt x="120000" y="0"/>
+                </a:lnTo>
+                <a:lnTo>
+                  <a:pt x="120000" y="120000"/>
+                </a:lnTo>
+                <a:lnTo>
+                  <a:pt x="0" y="120000"/>
+                </a:lnTo>
+                <a:close/>
+              </a:path>
+            </a:pathLst>
+          </a:custGeom>
+        </p:spPr>
+      </p:sp>
+      <p:sp>
+        <p:nvSpPr>
+          <p:cNvPr id="256" name="Google Shape;256;g34c9b53280_0_78:notes"/>
           <p:cNvSpPr txBox="1">
             <a:spLocks noGrp="1"/>
           </p:cNvSpPr>
@@ -4320,110 +4320,6 @@
   <p:cSld>
     <p:spTree>
       <p:nvGrpSpPr>
-        <p:cNvPr id="1" name="Shape 254"/>
-        <p:cNvGrpSpPr/>
-        <p:nvPr/>
-      </p:nvGrpSpPr>
-      <p:grpSpPr>
-        <a:xfrm>
-          <a:off x="0" y="0"/>
-          <a:ext cx="0" cy="0"/>
-          <a:chOff x="0" y="0"/>
-          <a:chExt cx="0" cy="0"/>
-        </a:xfrm>
-      </p:grpSpPr>
-      <p:sp>
-        <p:nvSpPr>
-          <p:cNvPr id="255" name="Google Shape;255;g34c9b53280_0_78:notes"/>
-          <p:cNvSpPr>
-            <a:spLocks noGrp="1" noRot="1" noChangeAspect="1"/>
-          </p:cNvSpPr>
-          <p:nvPr>
-            <p:ph type="sldImg" idx="2"/>
-          </p:nvPr>
-        </p:nvSpPr>
-        <p:spPr>
-          <a:xfrm>
-            <a:off x="381000" y="685800"/>
-            <a:ext cx="6096000" cy="3429000"/>
-          </a:xfrm>
-          <a:custGeom>
-            <a:avLst/>
-            <a:gdLst/>
-            <a:ahLst/>
-            <a:cxnLst/>
-            <a:rect l="l" t="t" r="r" b="b"/>
-            <a:pathLst>
-              <a:path w="120000" h="120000" extrusionOk="0">
-                <a:moveTo>
-                  <a:pt x="0" y="0"/>
-                </a:moveTo>
-                <a:lnTo>
-                  <a:pt x="120000" y="0"/>
-                </a:lnTo>
-                <a:lnTo>
-                  <a:pt x="120000" y="120000"/>
-                </a:lnTo>
-                <a:lnTo>
-                  <a:pt x="0" y="120000"/>
-                </a:lnTo>
-                <a:close/>
-              </a:path>
-            </a:pathLst>
-          </a:custGeom>
-        </p:spPr>
-      </p:sp>
-      <p:sp>
-        <p:nvSpPr>
-          <p:cNvPr id="256" name="Google Shape;256;g34c9b53280_0_78:notes"/>
-          <p:cNvSpPr txBox="1">
-            <a:spLocks noGrp="1"/>
-          </p:cNvSpPr>
-          <p:nvPr>
-            <p:ph type="body" idx="1"/>
-          </p:nvPr>
-        </p:nvSpPr>
-        <p:spPr>
-          <a:xfrm>
-            <a:off x="685800" y="4343400"/>
-            <a:ext cx="5486400" cy="4114800"/>
-          </a:xfrm>
-          <a:prstGeom prst="rect">
-            <a:avLst/>
-          </a:prstGeom>
-        </p:spPr>
-        <p:txBody>
-          <a:bodyPr spcFirstLastPara="1" wrap="square" lIns="91425" tIns="91425" rIns="91425" bIns="91425" anchor="t" anchorCtr="0">
-            <a:noAutofit/>
-          </a:bodyPr>
-          <a:lstStyle/>
-          <a:p>
-            <a:pPr marL="0" lvl="0" indent="0" algn="l" rtl="0">
-              <a:spcBef>
-                <a:spcPts val="0"/>
-              </a:spcBef>
-              <a:spcAft>
-                <a:spcPts val="0"/>
-              </a:spcAft>
-              <a:buNone/>
-            </a:pPr>
-            <a:endParaRPr/>
-          </a:p>
-        </p:txBody>
-      </p:sp>
-    </p:spTree>
-  </p:cSld>
-  <p:clrMapOvr>
-    <a:masterClrMapping/>
-  </p:clrMapOvr>
-</p:notes>
-</file>
-
-<file path=ppt/notesSlides/notesSlide41.xml><?xml version="1.0" encoding="utf-8"?>
-<p:notes xmlns:a="http://schemas.openxmlformats.org/drawingml/2006/main" xmlns:r="http://schemas.openxmlformats.org/officeDocument/2006/relationships" xmlns:p="http://schemas.openxmlformats.org/presentationml/2006/main" showMasterSp="0" showMasterPhAnim="0">
-  <p:cSld>
-    <p:spTree>
-      <p:nvGrpSpPr>
         <p:cNvPr id="1" name="Shape 263"/>
         <p:cNvGrpSpPr/>
         <p:nvPr/>
@@ -4523,7 +4419,7 @@
 </p:notes>
 </file>
 
-<file path=ppt/notesSlides/notesSlide42.xml><?xml version="1.0" encoding="utf-8"?>
+<file path=ppt/notesSlides/notesSlide41.xml><?xml version="1.0" encoding="utf-8"?>
 <p:notes xmlns:a="http://schemas.openxmlformats.org/drawingml/2006/main" xmlns:r="http://schemas.openxmlformats.org/officeDocument/2006/relationships" xmlns:p="http://schemas.openxmlformats.org/presentationml/2006/main" showMasterSp="0" showMasterPhAnim="0">
   <p:cSld>
     <p:spTree>
@@ -4627,7 +4523,7 @@
 </p:notes>
 </file>
 
-<file path=ppt/notesSlides/notesSlide43.xml><?xml version="1.0" encoding="utf-8"?>
+<file path=ppt/notesSlides/notesSlide42.xml><?xml version="1.0" encoding="utf-8"?>
 <p:notes xmlns:a="http://schemas.openxmlformats.org/drawingml/2006/main" xmlns:r="http://schemas.openxmlformats.org/officeDocument/2006/relationships" xmlns:p="http://schemas.openxmlformats.org/presentationml/2006/main" showMasterSp="0" showMasterPhAnim="0">
   <p:cSld>
     <p:spTree>
@@ -4731,7 +4627,7 @@
 </p:notes>
 </file>
 
-<file path=ppt/notesSlides/notesSlide44.xml><?xml version="1.0" encoding="utf-8"?>
+<file path=ppt/notesSlides/notesSlide43.xml><?xml version="1.0" encoding="utf-8"?>
 <p:notes xmlns:a="http://schemas.openxmlformats.org/drawingml/2006/main" xmlns:r="http://schemas.openxmlformats.org/officeDocument/2006/relationships" xmlns:p="http://schemas.openxmlformats.org/presentationml/2006/main" showMasterSp="0" showMasterPhAnim="0">
   <p:cSld>
     <p:spTree>
@@ -4835,7 +4731,7 @@
 </p:notes>
 </file>
 
-<file path=ppt/notesSlides/notesSlide45.xml><?xml version="1.0" encoding="utf-8"?>
+<file path=ppt/notesSlides/notesSlide44.xml><?xml version="1.0" encoding="utf-8"?>
 <p:notes xmlns:a="http://schemas.openxmlformats.org/drawingml/2006/main" xmlns:r="http://schemas.openxmlformats.org/officeDocument/2006/relationships" xmlns:p="http://schemas.openxmlformats.org/presentationml/2006/main" showMasterSp="0" showMasterPhAnim="0">
   <p:cSld>
     <p:spTree>
@@ -4939,7 +4835,7 @@
 </p:notes>
 </file>
 
-<file path=ppt/notesSlides/notesSlide46.xml><?xml version="1.0" encoding="utf-8"?>
+<file path=ppt/notesSlides/notesSlide45.xml><?xml version="1.0" encoding="utf-8"?>
 <p:notes xmlns:a="http://schemas.openxmlformats.org/drawingml/2006/main" xmlns:r="http://schemas.openxmlformats.org/officeDocument/2006/relationships" xmlns:p="http://schemas.openxmlformats.org/presentationml/2006/main" showMasterSp="0" showMasterPhAnim="0">
   <p:cSld>
     <p:spTree>
@@ -5043,7 +4939,7 @@
 </p:notes>
 </file>
 
-<file path=ppt/notesSlides/notesSlide47.xml><?xml version="1.0" encoding="utf-8"?>
+<file path=ppt/notesSlides/notesSlide46.xml><?xml version="1.0" encoding="utf-8"?>
 <p:notes xmlns:a="http://schemas.openxmlformats.org/drawingml/2006/main" xmlns:r="http://schemas.openxmlformats.org/officeDocument/2006/relationships" xmlns:p="http://schemas.openxmlformats.org/presentationml/2006/main" showMasterSp="0" showMasterPhAnim="0">
   <p:cSld>
     <p:spTree>
@@ -5147,7 +5043,7 @@
 </p:notes>
 </file>
 
-<file path=ppt/notesSlides/notesSlide48.xml><?xml version="1.0" encoding="utf-8"?>
+<file path=ppt/notesSlides/notesSlide47.xml><?xml version="1.0" encoding="utf-8"?>
 <p:notes xmlns:a="http://schemas.openxmlformats.org/drawingml/2006/main" xmlns:r="http://schemas.openxmlformats.org/officeDocument/2006/relationships" xmlns:p="http://schemas.openxmlformats.org/presentationml/2006/main" showMasterSp="0" showMasterPhAnim="0">
   <p:cSld>
     <p:spTree>
@@ -5251,7 +5147,7 @@
 </p:notes>
 </file>
 
-<file path=ppt/notesSlides/notesSlide49.xml><?xml version="1.0" encoding="utf-8"?>
+<file path=ppt/notesSlides/notesSlide48.xml><?xml version="1.0" encoding="utf-8"?>
 <p:notes xmlns:a="http://schemas.openxmlformats.org/drawingml/2006/main" xmlns:r="http://schemas.openxmlformats.org/officeDocument/2006/relationships" xmlns:p="http://schemas.openxmlformats.org/presentationml/2006/main" showMasterSp="0" showMasterPhAnim="0">
   <p:cSld>
     <p:spTree>
@@ -5312,6 +5208,110 @@
       <p:sp>
         <p:nvSpPr>
           <p:cNvPr id="322" name="Google Shape;322;g3504989105_0_139:notes"/>
+          <p:cNvSpPr txBox="1">
+            <a:spLocks noGrp="1"/>
+          </p:cNvSpPr>
+          <p:nvPr>
+            <p:ph type="body" idx="1"/>
+          </p:nvPr>
+        </p:nvSpPr>
+        <p:spPr>
+          <a:xfrm>
+            <a:off x="685800" y="4343400"/>
+            <a:ext cx="5486400" cy="4114800"/>
+          </a:xfrm>
+          <a:prstGeom prst="rect">
+            <a:avLst/>
+          </a:prstGeom>
+        </p:spPr>
+        <p:txBody>
+          <a:bodyPr spcFirstLastPara="1" wrap="square" lIns="91425" tIns="91425" rIns="91425" bIns="91425" anchor="t" anchorCtr="0">
+            <a:noAutofit/>
+          </a:bodyPr>
+          <a:lstStyle/>
+          <a:p>
+            <a:pPr marL="0" lvl="0" indent="0" algn="l" rtl="0">
+              <a:spcBef>
+                <a:spcPts val="0"/>
+              </a:spcBef>
+              <a:spcAft>
+                <a:spcPts val="0"/>
+              </a:spcAft>
+              <a:buNone/>
+            </a:pPr>
+            <a:endParaRPr/>
+          </a:p>
+        </p:txBody>
+      </p:sp>
+    </p:spTree>
+  </p:cSld>
+  <p:clrMapOvr>
+    <a:masterClrMapping/>
+  </p:clrMapOvr>
+</p:notes>
+</file>
+
+<file path=ppt/notesSlides/notesSlide49.xml><?xml version="1.0" encoding="utf-8"?>
+<p:notes xmlns:a="http://schemas.openxmlformats.org/drawingml/2006/main" xmlns:r="http://schemas.openxmlformats.org/officeDocument/2006/relationships" xmlns:p="http://schemas.openxmlformats.org/presentationml/2006/main" showMasterSp="0" showMasterPhAnim="0">
+  <p:cSld>
+    <p:spTree>
+      <p:nvGrpSpPr>
+        <p:cNvPr id="1" name="Shape 326"/>
+        <p:cNvGrpSpPr/>
+        <p:nvPr/>
+      </p:nvGrpSpPr>
+      <p:grpSpPr>
+        <a:xfrm>
+          <a:off x="0" y="0"/>
+          <a:ext cx="0" cy="0"/>
+          <a:chOff x="0" y="0"/>
+          <a:chExt cx="0" cy="0"/>
+        </a:xfrm>
+      </p:grpSpPr>
+      <p:sp>
+        <p:nvSpPr>
+          <p:cNvPr id="327" name="Google Shape;327;g5f0b767f7a_0_65:notes"/>
+          <p:cNvSpPr>
+            <a:spLocks noGrp="1" noRot="1" noChangeAspect="1"/>
+          </p:cNvSpPr>
+          <p:nvPr>
+            <p:ph type="sldImg" idx="2"/>
+          </p:nvPr>
+        </p:nvSpPr>
+        <p:spPr>
+          <a:xfrm>
+            <a:off x="381000" y="685800"/>
+            <a:ext cx="6096000" cy="3429000"/>
+          </a:xfrm>
+          <a:custGeom>
+            <a:avLst/>
+            <a:gdLst/>
+            <a:ahLst/>
+            <a:cxnLst/>
+            <a:rect l="l" t="t" r="r" b="b"/>
+            <a:pathLst>
+              <a:path w="120000" h="120000" extrusionOk="0">
+                <a:moveTo>
+                  <a:pt x="0" y="0"/>
+                </a:moveTo>
+                <a:lnTo>
+                  <a:pt x="120000" y="0"/>
+                </a:lnTo>
+                <a:lnTo>
+                  <a:pt x="120000" y="120000"/>
+                </a:lnTo>
+                <a:lnTo>
+                  <a:pt x="0" y="120000"/>
+                </a:lnTo>
+                <a:close/>
+              </a:path>
+            </a:pathLst>
+          </a:custGeom>
+        </p:spPr>
+      </p:sp>
+      <p:sp>
+        <p:nvSpPr>
+          <p:cNvPr id="328" name="Google Shape;328;g5f0b767f7a_0_65:notes"/>
           <p:cNvSpPr txBox="1">
             <a:spLocks noGrp="1"/>
           </p:cNvSpPr>
@@ -5464,110 +5464,6 @@
   <p:cSld>
     <p:spTree>
       <p:nvGrpSpPr>
-        <p:cNvPr id="1" name="Shape 326"/>
-        <p:cNvGrpSpPr/>
-        <p:nvPr/>
-      </p:nvGrpSpPr>
-      <p:grpSpPr>
-        <a:xfrm>
-          <a:off x="0" y="0"/>
-          <a:ext cx="0" cy="0"/>
-          <a:chOff x="0" y="0"/>
-          <a:chExt cx="0" cy="0"/>
-        </a:xfrm>
-      </p:grpSpPr>
-      <p:sp>
-        <p:nvSpPr>
-          <p:cNvPr id="327" name="Google Shape;327;g5f0b767f7a_0_65:notes"/>
-          <p:cNvSpPr>
-            <a:spLocks noGrp="1" noRot="1" noChangeAspect="1"/>
-          </p:cNvSpPr>
-          <p:nvPr>
-            <p:ph type="sldImg" idx="2"/>
-          </p:nvPr>
-        </p:nvSpPr>
-        <p:spPr>
-          <a:xfrm>
-            <a:off x="381000" y="685800"/>
-            <a:ext cx="6096000" cy="3429000"/>
-          </a:xfrm>
-          <a:custGeom>
-            <a:avLst/>
-            <a:gdLst/>
-            <a:ahLst/>
-            <a:cxnLst/>
-            <a:rect l="l" t="t" r="r" b="b"/>
-            <a:pathLst>
-              <a:path w="120000" h="120000" extrusionOk="0">
-                <a:moveTo>
-                  <a:pt x="0" y="0"/>
-                </a:moveTo>
-                <a:lnTo>
-                  <a:pt x="120000" y="0"/>
-                </a:lnTo>
-                <a:lnTo>
-                  <a:pt x="120000" y="120000"/>
-                </a:lnTo>
-                <a:lnTo>
-                  <a:pt x="0" y="120000"/>
-                </a:lnTo>
-                <a:close/>
-              </a:path>
-            </a:pathLst>
-          </a:custGeom>
-        </p:spPr>
-      </p:sp>
-      <p:sp>
-        <p:nvSpPr>
-          <p:cNvPr id="328" name="Google Shape;328;g5f0b767f7a_0_65:notes"/>
-          <p:cNvSpPr txBox="1">
-            <a:spLocks noGrp="1"/>
-          </p:cNvSpPr>
-          <p:nvPr>
-            <p:ph type="body" idx="1"/>
-          </p:nvPr>
-        </p:nvSpPr>
-        <p:spPr>
-          <a:xfrm>
-            <a:off x="685800" y="4343400"/>
-            <a:ext cx="5486400" cy="4114800"/>
-          </a:xfrm>
-          <a:prstGeom prst="rect">
-            <a:avLst/>
-          </a:prstGeom>
-        </p:spPr>
-        <p:txBody>
-          <a:bodyPr spcFirstLastPara="1" wrap="square" lIns="91425" tIns="91425" rIns="91425" bIns="91425" anchor="t" anchorCtr="0">
-            <a:noAutofit/>
-          </a:bodyPr>
-          <a:lstStyle/>
-          <a:p>
-            <a:pPr marL="0" lvl="0" indent="0" algn="l" rtl="0">
-              <a:spcBef>
-                <a:spcPts val="0"/>
-              </a:spcBef>
-              <a:spcAft>
-                <a:spcPts val="0"/>
-              </a:spcAft>
-              <a:buNone/>
-            </a:pPr>
-            <a:endParaRPr/>
-          </a:p>
-        </p:txBody>
-      </p:sp>
-    </p:spTree>
-  </p:cSld>
-  <p:clrMapOvr>
-    <a:masterClrMapping/>
-  </p:clrMapOvr>
-</p:notes>
-</file>
-
-<file path=ppt/notesSlides/notesSlide51.xml><?xml version="1.0" encoding="utf-8"?>
-<p:notes xmlns:a="http://schemas.openxmlformats.org/drawingml/2006/main" xmlns:r="http://schemas.openxmlformats.org/officeDocument/2006/relationships" xmlns:p="http://schemas.openxmlformats.org/presentationml/2006/main" showMasterSp="0" showMasterPhAnim="0">
-  <p:cSld>
-    <p:spTree>
-      <p:nvGrpSpPr>
         <p:cNvPr id="1" name="Shape 331"/>
         <p:cNvGrpSpPr/>
         <p:nvPr/>
@@ -5667,7 +5563,7 @@
 </p:notes>
 </file>
 
-<file path=ppt/notesSlides/notesSlide52.xml><?xml version="1.0" encoding="utf-8"?>
+<file path=ppt/notesSlides/notesSlide51.xml><?xml version="1.0" encoding="utf-8"?>
 <p:notes xmlns:a="http://schemas.openxmlformats.org/drawingml/2006/main" xmlns:r="http://schemas.openxmlformats.org/officeDocument/2006/relationships" xmlns:p="http://schemas.openxmlformats.org/presentationml/2006/main" showMasterSp="0" showMasterPhAnim="0">
   <p:cSld>
     <p:spTree>
@@ -5771,7 +5667,7 @@
 </p:notes>
 </file>
 
-<file path=ppt/notesSlides/notesSlide53.xml><?xml version="1.0" encoding="utf-8"?>
+<file path=ppt/notesSlides/notesSlide52.xml><?xml version="1.0" encoding="utf-8"?>
 <p:notes xmlns:a="http://schemas.openxmlformats.org/drawingml/2006/main" xmlns:r="http://schemas.openxmlformats.org/officeDocument/2006/relationships" xmlns:p="http://schemas.openxmlformats.org/presentationml/2006/main" showMasterSp="0" showMasterPhAnim="0">
   <p:cSld>
     <p:spTree>
@@ -6104,110 +6000,6 @@
   <p:cSld>
     <p:spTree>
       <p:nvGrpSpPr>
-        <p:cNvPr id="1" name="Shape 72"/>
-        <p:cNvGrpSpPr/>
-        <p:nvPr/>
-      </p:nvGrpSpPr>
-      <p:grpSpPr>
-        <a:xfrm>
-          <a:off x="0" y="0"/>
-          <a:ext cx="0" cy="0"/>
-          <a:chOff x="0" y="0"/>
-          <a:chExt cx="0" cy="0"/>
-        </a:xfrm>
-      </p:grpSpPr>
-      <p:sp>
-        <p:nvSpPr>
-          <p:cNvPr id="73" name="Google Shape;73;g8e685fdc67_1_0:notes"/>
-          <p:cNvSpPr>
-            <a:spLocks noGrp="1" noRot="1" noChangeAspect="1"/>
-          </p:cNvSpPr>
-          <p:nvPr>
-            <p:ph type="sldImg" idx="2"/>
-          </p:nvPr>
-        </p:nvSpPr>
-        <p:spPr>
-          <a:xfrm>
-            <a:off x="381000" y="685800"/>
-            <a:ext cx="6096000" cy="3429000"/>
-          </a:xfrm>
-          <a:custGeom>
-            <a:avLst/>
-            <a:gdLst/>
-            <a:ahLst/>
-            <a:cxnLst/>
-            <a:rect l="l" t="t" r="r" b="b"/>
-            <a:pathLst>
-              <a:path w="120000" h="120000" extrusionOk="0">
-                <a:moveTo>
-                  <a:pt x="0" y="0"/>
-                </a:moveTo>
-                <a:lnTo>
-                  <a:pt x="120000" y="0"/>
-                </a:lnTo>
-                <a:lnTo>
-                  <a:pt x="120000" y="120000"/>
-                </a:lnTo>
-                <a:lnTo>
-                  <a:pt x="0" y="120000"/>
-                </a:lnTo>
-                <a:close/>
-              </a:path>
-            </a:pathLst>
-          </a:custGeom>
-        </p:spPr>
-      </p:sp>
-      <p:sp>
-        <p:nvSpPr>
-          <p:cNvPr id="74" name="Google Shape;74;g8e685fdc67_1_0:notes"/>
-          <p:cNvSpPr txBox="1">
-            <a:spLocks noGrp="1"/>
-          </p:cNvSpPr>
-          <p:nvPr>
-            <p:ph type="body" idx="1"/>
-          </p:nvPr>
-        </p:nvSpPr>
-        <p:spPr>
-          <a:xfrm>
-            <a:off x="685800" y="4343400"/>
-            <a:ext cx="5486400" cy="4114800"/>
-          </a:xfrm>
-          <a:prstGeom prst="rect">
-            <a:avLst/>
-          </a:prstGeom>
-        </p:spPr>
-        <p:txBody>
-          <a:bodyPr spcFirstLastPara="1" wrap="square" lIns="91425" tIns="91425" rIns="91425" bIns="91425" anchor="t" anchorCtr="0">
-            <a:noAutofit/>
-          </a:bodyPr>
-          <a:lstStyle/>
-          <a:p>
-            <a:pPr marL="0" lvl="0" indent="0" algn="l" rtl="0">
-              <a:spcBef>
-                <a:spcPts val="0"/>
-              </a:spcBef>
-              <a:spcAft>
-                <a:spcPts val="0"/>
-              </a:spcAft>
-              <a:buNone/>
-            </a:pPr>
-            <a:endParaRPr/>
-          </a:p>
-        </p:txBody>
-      </p:sp>
-    </p:spTree>
-  </p:cSld>
-  <p:clrMapOvr>
-    <a:masterClrMapping/>
-  </p:clrMapOvr>
-</p:notes>
-</file>
-
-<file path=ppt/notesSlides/notesSlide9.xml><?xml version="1.0" encoding="utf-8"?>
-<p:notes xmlns:a="http://schemas.openxmlformats.org/drawingml/2006/main" xmlns:r="http://schemas.openxmlformats.org/officeDocument/2006/relationships" xmlns:p="http://schemas.openxmlformats.org/presentationml/2006/main" showMasterSp="0" showMasterPhAnim="0">
-  <p:cSld>
-    <p:spTree>
-      <p:nvGrpSpPr>
         <p:cNvPr id="1" name="Shape 79"/>
         <p:cNvGrpSpPr/>
         <p:nvPr/>
@@ -6527,11 +6319,7 @@
             </a:r>
             <a:r>
               <a:rPr lang="cs-CZ" baseline="0" dirty="0" smtClean="0"/>
-              <a:t> projektu script.js </a:t>
-            </a:r>
-            <a:r>
-              <a:rPr lang="cs-CZ" baseline="0" dirty="0" smtClean="0"/>
-              <a:t>soubor s (</a:t>
+              <a:t> projektu script.js soubor s (</a:t>
             </a:r>
             <a:r>
               <a:rPr lang="cs-CZ" baseline="0" dirty="0" err="1" smtClean="0"/>
@@ -6550,6 +6338,110 @@
               <a:t>)</a:t>
             </a:r>
             <a:endParaRPr dirty="0"/>
+          </a:p>
+        </p:txBody>
+      </p:sp>
+    </p:spTree>
+  </p:cSld>
+  <p:clrMapOvr>
+    <a:masterClrMapping/>
+  </p:clrMapOvr>
+</p:notes>
+</file>
+
+<file path=ppt/notesSlides/notesSlide9.xml><?xml version="1.0" encoding="utf-8"?>
+<p:notes xmlns:a="http://schemas.openxmlformats.org/drawingml/2006/main" xmlns:r="http://schemas.openxmlformats.org/officeDocument/2006/relationships" xmlns:p="http://schemas.openxmlformats.org/presentationml/2006/main" showMasterSp="0" showMasterPhAnim="0">
+  <p:cSld>
+    <p:spTree>
+      <p:nvGrpSpPr>
+        <p:cNvPr id="1" name="Shape 161"/>
+        <p:cNvGrpSpPr/>
+        <p:nvPr/>
+      </p:nvGrpSpPr>
+      <p:grpSpPr>
+        <a:xfrm>
+          <a:off x="0" y="0"/>
+          <a:ext cx="0" cy="0"/>
+          <a:chOff x="0" y="0"/>
+          <a:chExt cx="0" cy="0"/>
+        </a:xfrm>
+      </p:grpSpPr>
+      <p:sp>
+        <p:nvSpPr>
+          <p:cNvPr id="162" name="Google Shape;162;g34c9b53280_0_89:notes"/>
+          <p:cNvSpPr>
+            <a:spLocks noGrp="1" noRot="1" noChangeAspect="1"/>
+          </p:cNvSpPr>
+          <p:nvPr>
+            <p:ph type="sldImg" idx="2"/>
+          </p:nvPr>
+        </p:nvSpPr>
+        <p:spPr>
+          <a:xfrm>
+            <a:off x="381000" y="685800"/>
+            <a:ext cx="6096000" cy="3429000"/>
+          </a:xfrm>
+          <a:custGeom>
+            <a:avLst/>
+            <a:gdLst/>
+            <a:ahLst/>
+            <a:cxnLst/>
+            <a:rect l="l" t="t" r="r" b="b"/>
+            <a:pathLst>
+              <a:path w="120000" h="120000" extrusionOk="0">
+                <a:moveTo>
+                  <a:pt x="0" y="0"/>
+                </a:moveTo>
+                <a:lnTo>
+                  <a:pt x="120000" y="0"/>
+                </a:lnTo>
+                <a:lnTo>
+                  <a:pt x="120000" y="120000"/>
+                </a:lnTo>
+                <a:lnTo>
+                  <a:pt x="0" y="120000"/>
+                </a:lnTo>
+                <a:close/>
+              </a:path>
+            </a:pathLst>
+          </a:custGeom>
+        </p:spPr>
+      </p:sp>
+      <p:sp>
+        <p:nvSpPr>
+          <p:cNvPr id="163" name="Google Shape;163;g34c9b53280_0_89:notes"/>
+          <p:cNvSpPr txBox="1">
+            <a:spLocks noGrp="1"/>
+          </p:cNvSpPr>
+          <p:nvPr>
+            <p:ph type="body" idx="1"/>
+          </p:nvPr>
+        </p:nvSpPr>
+        <p:spPr>
+          <a:xfrm>
+            <a:off x="685800" y="4343400"/>
+            <a:ext cx="5486400" cy="4114800"/>
+          </a:xfrm>
+          <a:prstGeom prst="rect">
+            <a:avLst/>
+          </a:prstGeom>
+        </p:spPr>
+        <p:txBody>
+          <a:bodyPr spcFirstLastPara="1" wrap="square" lIns="91425" tIns="91425" rIns="91425" bIns="91425" anchor="t" anchorCtr="0">
+            <a:noAutofit/>
+          </a:bodyPr>
+          <a:lstStyle/>
+          <a:p>
+            <a:pPr marL="0" lvl="0" indent="0" algn="l" rtl="0">
+              <a:spcBef>
+                <a:spcPts val="0"/>
+              </a:spcBef>
+              <a:spcAft>
+                <a:spcPts val="0"/>
+              </a:spcAft>
+              <a:buNone/>
+            </a:pPr>
+            <a:endParaRPr/>
           </a:p>
         </p:txBody>
       </p:sp>
@@ -13436,6 +13328,13 @@
   <p:clrMapOvr>
     <a:masterClrMapping/>
   </p:clrMapOvr>
+  <p:timing>
+    <p:tnLst>
+      <p:par>
+        <p:cTn id="1" dur="indefinite" restart="never" nodeType="tmRoot"/>
+      </p:par>
+    </p:tnLst>
+  </p:timing>
 </p:sld>
 </file>
 
@@ -14816,6 +14715,13 @@
   <p:clrMapOvr>
     <a:masterClrMapping/>
   </p:clrMapOvr>
+  <p:timing>
+    <p:tnLst>
+      <p:par>
+        <p:cTn id="1" dur="indefinite" restart="never" nodeType="tmRoot"/>
+      </p:par>
+    </p:tnLst>
+  </p:timing>
 </p:sld>
 </file>
 
@@ -15892,6 +15798,13 @@
   <p:clrMapOvr>
     <a:masterClrMapping/>
   </p:clrMapOvr>
+  <p:timing>
+    <p:tnLst>
+      <p:par>
+        <p:cTn id="1" dur="indefinite" restart="never" nodeType="tmRoot"/>
+      </p:par>
+    </p:tnLst>
+  </p:timing>
 </p:sld>
 </file>
 
@@ -16090,19 +16003,7 @@
                 <a:cs typeface="Consolas"/>
                 <a:sym typeface="Consolas"/>
               </a:rPr>
-              <a:t>Z</a:t>
-            </a:r>
-            <a:r>
-              <a:rPr lang="cs-CZ" sz="3000" b="1" dirty="0" smtClean="0">
-                <a:solidFill>
-                  <a:srgbClr val="6AA84F"/>
-                </a:solidFill>
-                <a:latin typeface="Consolas"/>
-                <a:ea typeface="Consolas"/>
-                <a:cs typeface="Consolas"/>
-                <a:sym typeface="Consolas"/>
-              </a:rPr>
-              <a:t>adej první číslo</a:t>
+              <a:t>Zadej první číslo</a:t>
             </a:r>
             <a:r>
               <a:rPr lang="en-US" sz="3000" b="1" dirty="0" smtClean="0">
@@ -16741,11 +16642,6 @@
               </a:rPr>
               <a:t>…vyzkoušejte si to sami</a:t>
             </a:r>
-            <a:endParaRPr lang="cs-CZ" dirty="0" smtClean="0">
-              <a:solidFill>
-                <a:schemeClr val="tx1"/>
-              </a:solidFill>
-            </a:endParaRPr>
           </a:p>
         </p:txBody>
       </p:sp>
@@ -16759,6 +16655,13 @@
   <p:clrMapOvr>
     <a:masterClrMapping/>
   </p:clrMapOvr>
+  <p:timing>
+    <p:tnLst>
+      <p:par>
+        <p:cTn id="1" dur="indefinite" restart="never" nodeType="tmRoot"/>
+      </p:par>
+    </p:tnLst>
+  </p:timing>
 </p:sld>
 </file>
 
@@ -16981,19 +16884,7 @@
                 <a:cs typeface="Consolas"/>
                 <a:sym typeface="Consolas"/>
               </a:rPr>
-              <a:t>Z</a:t>
-            </a:r>
-            <a:r>
-              <a:rPr lang="cs-CZ" sz="3000" b="1" dirty="0" smtClean="0">
-                <a:solidFill>
-                  <a:srgbClr val="6AA84F"/>
-                </a:solidFill>
-                <a:latin typeface="Consolas"/>
-                <a:ea typeface="Consolas"/>
-                <a:cs typeface="Consolas"/>
-                <a:sym typeface="Consolas"/>
-              </a:rPr>
-              <a:t>adej první číslo</a:t>
+              <a:t>Zadej první číslo</a:t>
             </a:r>
             <a:r>
               <a:rPr lang="en-US" sz="3000" b="1" dirty="0" smtClean="0">
@@ -17690,6 +17581,13 @@
   <p:clrMapOvr>
     <a:masterClrMapping/>
   </p:clrMapOvr>
+  <p:timing>
+    <p:tnLst>
+      <p:par>
+        <p:cTn id="1" dur="indefinite" restart="never" nodeType="tmRoot"/>
+      </p:par>
+    </p:tnLst>
+  </p:timing>
 </p:sld>
 </file>
 
@@ -18222,6 +18120,13 @@
   <p:clrMapOvr>
     <a:masterClrMapping/>
   </p:clrMapOvr>
+  <p:timing>
+    <p:tnLst>
+      <p:par>
+        <p:cTn id="1" dur="indefinite" restart="never" nodeType="tmRoot"/>
+      </p:par>
+    </p:tnLst>
+  </p:timing>
 </p:sld>
 </file>
 
@@ -18275,6 +18180,13 @@
   <p:clrMapOvr>
     <a:masterClrMapping/>
   </p:clrMapOvr>
+  <p:timing>
+    <p:tnLst>
+      <p:par>
+        <p:cTn id="1" dur="indefinite" restart="never" nodeType="tmRoot"/>
+      </p:par>
+    </p:tnLst>
+  </p:timing>
 </p:sld>
 </file>
 
@@ -18485,17 +18397,6 @@
               </a:rPr>
               <a:t> user</a:t>
             </a:r>
-            <a:endParaRPr lang="cs-CZ" sz="3000" b="1" dirty="0" smtClean="0">
-              <a:solidFill>
-                <a:schemeClr val="bg1">
-                  <a:lumMod val="50000"/>
-                </a:schemeClr>
-              </a:solidFill>
-              <a:latin typeface="Consolas"/>
-              <a:ea typeface="Consolas"/>
-              <a:cs typeface="Consolas"/>
-              <a:sym typeface="Consolas"/>
-            </a:endParaRPr>
           </a:p>
           <a:p>
             <a:pPr>
@@ -19095,6 +18996,13 @@
   <p:clrMapOvr>
     <a:masterClrMapping/>
   </p:clrMapOvr>
+  <p:timing>
+    <p:tnLst>
+      <p:par>
+        <p:cTn id="1" dur="indefinite" restart="never" nodeType="tmRoot"/>
+      </p:par>
+    </p:tnLst>
+  </p:timing>
 </p:sld>
 </file>
 
@@ -19432,6 +19340,13 @@
   <p:clrMapOvr>
     <a:masterClrMapping/>
   </p:clrMapOvr>
+  <p:timing>
+    <p:tnLst>
+      <p:par>
+        <p:cTn id="1" dur="indefinite" restart="never" nodeType="tmRoot"/>
+      </p:par>
+    </p:tnLst>
+  </p:timing>
 </p:sld>
 </file>
 
@@ -19946,7 +19861,7 @@
                 <a:cs typeface="Consolas"/>
                 <a:sym typeface="Consolas"/>
               </a:rPr>
-              <a:t>result</a:t>
+              <a:t>rollResult</a:t>
             </a:r>
             <a:r>
               <a:rPr lang="cs-CZ" sz="3000" b="1" dirty="0" smtClean="0">
@@ -19958,7 +19873,19 @@
                 <a:cs typeface="Consolas"/>
                 <a:sym typeface="Consolas"/>
               </a:rPr>
-              <a:t> === </a:t>
+              <a:t> </a:t>
+            </a:r>
+            <a:r>
+              <a:rPr lang="cs-CZ" sz="3000" b="1" dirty="0" smtClean="0">
+                <a:solidFill>
+                  <a:srgbClr val="283891"/>
+                </a:solidFill>
+                <a:latin typeface="Consolas"/>
+                <a:ea typeface="Consolas"/>
+                <a:cs typeface="Consolas"/>
+                <a:sym typeface="Consolas"/>
+              </a:rPr>
+              <a:t>=== </a:t>
             </a:r>
             <a:r>
               <a:rPr lang="en-US" sz="3000" b="1" dirty="0" smtClean="0">
@@ -19982,7 +19909,7 @@
                 <a:cs typeface="Consolas"/>
                 <a:sym typeface="Consolas"/>
               </a:rPr>
-              <a:t>1</a:t>
+              <a:t>6</a:t>
             </a:r>
             <a:r>
               <a:rPr lang="en-US" sz="3000" b="1" dirty="0" smtClean="0">
@@ -20085,7 +20012,7 @@
                 <a:cs typeface="Consolas"/>
                 <a:sym typeface="Consolas"/>
               </a:rPr>
-              <a:t>Vstupní data jsou v pořádku</a:t>
+              <a:t>Házej kostkou znova!</a:t>
             </a:r>
             <a:r>
               <a:rPr lang="en-US" sz="3000" b="1" dirty="0" smtClean="0">
@@ -20207,8 +20134,116 @@
               <a:t>alert</a:t>
             </a:r>
             <a:r>
+              <a:rPr lang="cs-CZ" sz="3000" b="1" dirty="0" smtClean="0">
+                <a:solidFill>
+                  <a:schemeClr val="accent1"/>
+                </a:solidFill>
+                <a:latin typeface="Consolas"/>
+                <a:ea typeface="Consolas"/>
+                <a:cs typeface="Consolas"/>
+                <a:sym typeface="Consolas"/>
+              </a:rPr>
+              <a:t>(</a:t>
+            </a:r>
+            <a:r>
+              <a:rPr lang="en-US" sz="3000" b="1" dirty="0" smtClean="0">
+                <a:solidFill>
+                  <a:srgbClr val="6AA84F"/>
+                </a:solidFill>
+                <a:latin typeface="Consolas"/>
+                <a:ea typeface="Consolas"/>
+                <a:cs typeface="Consolas"/>
+                <a:sym typeface="Consolas"/>
+              </a:rPr>
+              <a:t>"</a:t>
+            </a:r>
+            <a:r>
+              <a:rPr lang="cs-CZ" sz="3000" b="1" dirty="0" smtClean="0">
+                <a:solidFill>
+                  <a:srgbClr val="6AA84F"/>
+                </a:solidFill>
+                <a:latin typeface="Consolas"/>
+                <a:ea typeface="Consolas"/>
+                <a:cs typeface="Consolas"/>
+                <a:sym typeface="Consolas"/>
+              </a:rPr>
+              <a:t>Váš hod je roven: </a:t>
+            </a:r>
+            <a:r>
+              <a:rPr lang="en-US" sz="3000" b="1" dirty="0" smtClean="0">
+                <a:solidFill>
+                  <a:srgbClr val="6AA84F"/>
+                </a:solidFill>
+                <a:latin typeface="Consolas"/>
+                <a:ea typeface="Consolas"/>
+                <a:cs typeface="Consolas"/>
+                <a:sym typeface="Consolas"/>
+              </a:rPr>
+              <a:t>"</a:t>
+            </a:r>
+            <a:r>
+              <a:rPr lang="cs-CZ" sz="3000" b="1" dirty="0" smtClean="0">
+                <a:solidFill>
+                  <a:srgbClr val="6AA84F"/>
+                </a:solidFill>
+                <a:latin typeface="Consolas"/>
+                <a:ea typeface="Consolas"/>
+                <a:cs typeface="Consolas"/>
+                <a:sym typeface="Consolas"/>
+              </a:rPr>
+              <a:t> </a:t>
+            </a:r>
+            <a:r>
               <a:rPr lang="cs-CZ" sz="3000" b="1" dirty="0">
                 <a:solidFill>
+                  <a:srgbClr val="283891"/>
+                </a:solidFill>
+                <a:latin typeface="Consolas"/>
+                <a:ea typeface="Consolas"/>
+                <a:cs typeface="Consolas"/>
+                <a:sym typeface="Consolas"/>
+              </a:rPr>
+              <a:t>+</a:t>
+            </a:r>
+            <a:r>
+              <a:rPr lang="cs-CZ" sz="3000" b="1" dirty="0" smtClean="0">
+                <a:solidFill>
+                  <a:srgbClr val="6AA84F"/>
+                </a:solidFill>
+                <a:latin typeface="Consolas"/>
+                <a:ea typeface="Consolas"/>
+                <a:cs typeface="Consolas"/>
+                <a:sym typeface="Consolas"/>
+              </a:rPr>
+              <a:t> </a:t>
+            </a:r>
+            <a:r>
+              <a:rPr lang="cs-CZ" sz="3000" b="1" dirty="0" err="1">
+                <a:solidFill>
+                  <a:srgbClr val="283891"/>
+                </a:solidFill>
+                <a:latin typeface="Consolas"/>
+                <a:ea typeface="Consolas"/>
+                <a:cs typeface="Consolas"/>
+                <a:sym typeface="Consolas"/>
+              </a:rPr>
+              <a:t>rollResult</a:t>
+            </a:r>
+            <a:r>
+              <a:rPr lang="cs-CZ" sz="3000" b="1" dirty="0">
+                <a:solidFill>
+                  <a:srgbClr val="283891"/>
+                </a:solidFill>
+                <a:latin typeface="Consolas"/>
+                <a:ea typeface="Consolas"/>
+                <a:cs typeface="Consolas"/>
+                <a:sym typeface="Consolas"/>
+              </a:rPr>
+              <a:t> </a:t>
+            </a:r>
+            <a:r>
+              <a:rPr lang="cs-CZ" sz="3000" b="1" dirty="0" smtClean="0">
+                <a:solidFill>
                   <a:schemeClr val="accent1"/>
                 </a:solidFill>
                 <a:latin typeface="Consolas"/>
@@ -20216,80 +20251,17 @@
                 <a:cs typeface="Consolas"/>
                 <a:sym typeface="Consolas"/>
               </a:rPr>
-              <a:t>(</a:t>
-            </a:r>
-            <a:r>
-              <a:rPr lang="en-US" sz="3000" b="1" dirty="0">
-                <a:solidFill>
-                  <a:srgbClr val="6AA84F"/>
-                </a:solidFill>
-                <a:latin typeface="Consolas"/>
-                <a:ea typeface="Consolas"/>
-                <a:cs typeface="Consolas"/>
-                <a:sym typeface="Consolas"/>
-              </a:rPr>
-              <a:t>"</a:t>
-            </a:r>
-            <a:r>
-              <a:rPr lang="cs-CZ" sz="3000" b="1" dirty="0">
-                <a:solidFill>
-                  <a:srgbClr val="6AA84F"/>
-                </a:solidFill>
-                <a:latin typeface="Consolas"/>
-                <a:ea typeface="Consolas"/>
-                <a:cs typeface="Consolas"/>
-                <a:sym typeface="Consolas"/>
-              </a:rPr>
-              <a:t>Vstupní data </a:t>
-            </a:r>
-            <a:r>
-              <a:rPr lang="cs-CZ" sz="3000" b="1" dirty="0" smtClean="0">
-                <a:solidFill>
-                  <a:srgbClr val="6AA84F"/>
-                </a:solidFill>
-                <a:latin typeface="Consolas"/>
-                <a:ea typeface="Consolas"/>
-                <a:cs typeface="Consolas"/>
-                <a:sym typeface="Consolas"/>
-              </a:rPr>
-              <a:t>nejsou v </a:t>
-            </a:r>
-            <a:r>
-              <a:rPr lang="cs-CZ" sz="3000" b="1" dirty="0">
-                <a:solidFill>
-                  <a:srgbClr val="6AA84F"/>
-                </a:solidFill>
-                <a:latin typeface="Consolas"/>
-                <a:ea typeface="Consolas"/>
-                <a:cs typeface="Consolas"/>
-                <a:sym typeface="Consolas"/>
-              </a:rPr>
-              <a:t>pořádku</a:t>
-            </a:r>
-            <a:r>
-              <a:rPr lang="en-US" sz="3000" b="1" dirty="0">
-                <a:solidFill>
-                  <a:srgbClr val="6AA84F"/>
-                </a:solidFill>
-                <a:latin typeface="Consolas"/>
-                <a:ea typeface="Consolas"/>
-                <a:cs typeface="Consolas"/>
-                <a:sym typeface="Consolas"/>
-              </a:rPr>
-              <a:t>"</a:t>
-            </a:r>
-            <a:r>
-              <a:rPr lang="cs-CZ" sz="3000" b="1" dirty="0" smtClean="0">
-                <a:solidFill>
-                  <a:schemeClr val="accent1"/>
-                </a:solidFill>
-                <a:latin typeface="Consolas"/>
-                <a:ea typeface="Consolas"/>
-                <a:cs typeface="Consolas"/>
-                <a:sym typeface="Consolas"/>
-              </a:rPr>
               <a:t>)</a:t>
             </a:r>
+            <a:endParaRPr lang="cs-CZ" sz="3000" b="1" dirty="0" smtClean="0">
+              <a:solidFill>
+                <a:schemeClr val="accent1"/>
+              </a:solidFill>
+              <a:latin typeface="Consolas"/>
+              <a:ea typeface="Consolas"/>
+              <a:cs typeface="Consolas"/>
+              <a:sym typeface="Consolas"/>
+            </a:endParaRPr>
           </a:p>
           <a:p>
             <a:pPr lvl="0">
@@ -20347,6 +20319,13 @@
   <p:clrMapOvr>
     <a:masterClrMapping/>
   </p:clrMapOvr>
+  <p:timing>
+    <p:tnLst>
+      <p:par>
+        <p:cTn id="1" dur="indefinite" restart="never" nodeType="tmRoot"/>
+      </p:par>
+    </p:tnLst>
+  </p:timing>
 </p:sld>
 </file>
 
@@ -21356,7 +21335,7 @@
               <a:t>"</a:t>
             </a:r>
             <a:r>
-              <a:rPr lang="cs-CZ" sz="3000" b="1" dirty="0" err="1" smtClean="0">
+              <a:rPr lang="cs-CZ" sz="3000" b="1" dirty="0" smtClean="0">
                 <a:solidFill>
                   <a:srgbClr val="6AA84F"/>
                 </a:solidFill>
@@ -21365,7 +21344,19 @@
                 <a:cs typeface="Consolas"/>
                 <a:sym typeface="Consolas"/>
               </a:rPr>
-              <a:t>Né</a:t>
+              <a:t>Něco je </a:t>
+            </a:r>
+            <a:r>
+              <a:rPr lang="cs-CZ" sz="3000" b="1" smtClean="0">
+                <a:solidFill>
+                  <a:srgbClr val="6AA84F"/>
+                </a:solidFill>
+                <a:latin typeface="Consolas"/>
+                <a:ea typeface="Consolas"/>
+                <a:cs typeface="Consolas"/>
+                <a:sym typeface="Consolas"/>
+              </a:rPr>
+              <a:t>velice špatně </a:t>
             </a:r>
             <a:r>
               <a:rPr lang="cs-CZ" sz="3000" b="1" dirty="0" smtClean="0">
@@ -21377,7 +21368,7 @@
                 <a:cs typeface="Consolas"/>
                 <a:sym typeface="Consolas"/>
               </a:rPr>
-              <a:t>!!!</a:t>
+              <a:t>:-( </a:t>
             </a:r>
             <a:r>
               <a:rPr lang="en-US" sz="3000" b="1" dirty="0" smtClean="0">
@@ -21465,6 +21456,13 @@
   <p:clrMapOvr>
     <a:masterClrMapping/>
   </p:clrMapOvr>
+  <p:timing>
+    <p:tnLst>
+      <p:par>
+        <p:cTn id="1" dur="indefinite" restart="never" nodeType="tmRoot"/>
+      </p:par>
+    </p:tnLst>
+  </p:timing>
 </p:sld>
 </file>
 
@@ -27782,7 +27780,7 @@
       </p:sp>
       <p:pic>
         <p:nvPicPr>
-          <p:cNvPr id="2055" name="Picture 7"/>
+          <p:cNvPr id="1026" name="Picture 2"/>
           <p:cNvPicPr>
             <a:picLocks noChangeAspect="1" noChangeArrowheads="1"/>
           </p:cNvPicPr>
@@ -27803,170 +27801,8 @@
         </p:blipFill>
         <p:spPr bwMode="auto">
           <a:xfrm>
-            <a:off x="1919535" y="4199676"/>
-            <a:ext cx="6348413" cy="2603500"/>
-          </a:xfrm>
-          <a:prstGeom prst="rect">
-            <a:avLst/>
-          </a:prstGeom>
-          <a:noFill/>
-          <a:ln>
-            <a:noFill/>
-          </a:ln>
-          <a:extLst>
-            <a:ext uri="{909E8E84-426E-40DD-AFC4-6F175D3DCCD1}">
-              <a14:hiddenFill xmlns:a14="http://schemas.microsoft.com/office/drawing/2010/main">
-                <a:solidFill>
-                  <a:schemeClr val="accent1"/>
-                </a:solidFill>
-              </a14:hiddenFill>
-            </a:ext>
-            <a:ext uri="{91240B29-F687-4F45-9708-019B960494DF}">
-              <a14:hiddenLine xmlns:a14="http://schemas.microsoft.com/office/drawing/2010/main" w="9525">
-                <a:solidFill>
-                  <a:schemeClr val="tx1"/>
-                </a:solidFill>
-                <a:miter lim="800000"/>
-                <a:headEnd/>
-                <a:tailEnd/>
-              </a14:hiddenLine>
-            </a:ext>
-          </a:extLst>
-        </p:spPr>
-      </p:pic>
-      <p:pic>
-        <p:nvPicPr>
-          <p:cNvPr id="2054" name="Picture 6"/>
-          <p:cNvPicPr>
-            <a:picLocks noChangeAspect="1" noChangeArrowheads="1"/>
-          </p:cNvPicPr>
-          <p:nvPr/>
-        </p:nvPicPr>
-        <p:blipFill>
-          <a:blip r:embed="rId4">
-            <a:extLst>
-              <a:ext uri="{28A0092B-C50C-407E-A947-70E740481C1C}">
-                <a14:useLocalDpi xmlns:a14="http://schemas.microsoft.com/office/drawing/2010/main" val="0"/>
-              </a:ext>
-            </a:extLst>
-          </a:blip>
-          <a:srcRect/>
-          <a:stretch>
-            <a:fillRect/>
-          </a:stretch>
-        </p:blipFill>
-        <p:spPr bwMode="auto">
-          <a:xfrm>
-            <a:off x="2725234" y="3734852"/>
-            <a:ext cx="621928" cy="637476"/>
-          </a:xfrm>
-          <a:prstGeom prst="rect">
-            <a:avLst/>
-          </a:prstGeom>
-          <a:noFill/>
-          <a:ln>
-            <a:noFill/>
-          </a:ln>
-          <a:extLst>
-            <a:ext uri="{909E8E84-426E-40DD-AFC4-6F175D3DCCD1}">
-              <a14:hiddenFill xmlns:a14="http://schemas.microsoft.com/office/drawing/2010/main">
-                <a:solidFill>
-                  <a:schemeClr val="accent1"/>
-                </a:solidFill>
-              </a14:hiddenFill>
-            </a:ext>
-            <a:ext uri="{91240B29-F687-4F45-9708-019B960494DF}">
-              <a14:hiddenLine xmlns:a14="http://schemas.microsoft.com/office/drawing/2010/main" w="9525">
-                <a:solidFill>
-                  <a:schemeClr val="tx1"/>
-                </a:solidFill>
-                <a:miter lim="800000"/>
-                <a:headEnd/>
-                <a:tailEnd/>
-              </a14:hiddenLine>
-            </a:ext>
-          </a:extLst>
-        </p:spPr>
-      </p:pic>
-      <p:pic>
-        <p:nvPicPr>
-          <p:cNvPr id="2056" name="Picture 8"/>
-          <p:cNvPicPr>
-            <a:picLocks noChangeAspect="1" noChangeArrowheads="1"/>
-          </p:cNvPicPr>
-          <p:nvPr/>
-        </p:nvPicPr>
-        <p:blipFill>
-          <a:blip r:embed="rId5">
-            <a:extLst>
-              <a:ext uri="{28A0092B-C50C-407E-A947-70E740481C1C}">
-                <a14:useLocalDpi xmlns:a14="http://schemas.microsoft.com/office/drawing/2010/main" val="0"/>
-              </a:ext>
-            </a:extLst>
-          </a:blip>
-          <a:srcRect/>
-          <a:stretch>
-            <a:fillRect/>
-          </a:stretch>
-        </p:blipFill>
-        <p:spPr bwMode="auto">
-          <a:xfrm>
-            <a:off x="4871864" y="3690669"/>
-            <a:ext cx="1112912" cy="681659"/>
-          </a:xfrm>
-          <a:prstGeom prst="rect">
-            <a:avLst/>
-          </a:prstGeom>
-          <a:noFill/>
-          <a:ln>
-            <a:noFill/>
-          </a:ln>
-          <a:extLst>
-            <a:ext uri="{909E8E84-426E-40DD-AFC4-6F175D3DCCD1}">
-              <a14:hiddenFill xmlns:a14="http://schemas.microsoft.com/office/drawing/2010/main">
-                <a:solidFill>
-                  <a:schemeClr val="accent1"/>
-                </a:solidFill>
-              </a14:hiddenFill>
-            </a:ext>
-            <a:ext uri="{91240B29-F687-4F45-9708-019B960494DF}">
-              <a14:hiddenLine xmlns:a14="http://schemas.microsoft.com/office/drawing/2010/main" w="9525">
-                <a:solidFill>
-                  <a:schemeClr val="tx1"/>
-                </a:solidFill>
-                <a:miter lim="800000"/>
-                <a:headEnd/>
-                <a:tailEnd/>
-              </a14:hiddenLine>
-            </a:ext>
-          </a:extLst>
-        </p:spPr>
-      </p:pic>
-      <p:pic>
-        <p:nvPicPr>
-          <p:cNvPr id="2057" name="Picture 9"/>
-          <p:cNvPicPr>
-            <a:picLocks noChangeAspect="1" noChangeArrowheads="1"/>
-          </p:cNvPicPr>
-          <p:nvPr/>
-        </p:nvPicPr>
-        <p:blipFill>
-          <a:blip r:embed="rId6">
-            <a:extLst>
-              <a:ext uri="{28A0092B-C50C-407E-A947-70E740481C1C}">
-                <a14:useLocalDpi xmlns:a14="http://schemas.microsoft.com/office/drawing/2010/main" val="0"/>
-              </a:ext>
-            </a:extLst>
-          </a:blip>
-          <a:srcRect/>
-          <a:stretch>
-            <a:fillRect/>
-          </a:stretch>
-        </p:blipFill>
-        <p:spPr bwMode="auto">
-          <a:xfrm>
-            <a:off x="6528048" y="3653566"/>
-            <a:ext cx="1814141" cy="800047"/>
+            <a:off x="1991542" y="3747616"/>
+            <a:ext cx="8278837" cy="3004567"/>
           </a:xfrm>
           <a:prstGeom prst="rect">
             <a:avLst/>
@@ -34236,34 +34072,6 @@
           <a:chExt cx="0" cy="0"/>
         </a:xfrm>
       </p:grpSpPr>
-      <p:pic>
-        <p:nvPicPr>
-          <p:cNvPr id="69" name="Google Shape;69;p18"/>
-          <p:cNvPicPr preferRelativeResize="0"/>
-          <p:nvPr/>
-        </p:nvPicPr>
-        <p:blipFill>
-          <a:blip r:embed="rId3">
-            <a:alphaModFix/>
-          </a:blip>
-          <a:stretch>
-            <a:fillRect/>
-          </a:stretch>
-        </p:blipFill>
-        <p:spPr>
-          <a:xfrm>
-            <a:off x="4479225" y="1397524"/>
-            <a:ext cx="2754400" cy="4020400"/>
-          </a:xfrm>
-          <a:prstGeom prst="rect">
-            <a:avLst/>
-          </a:prstGeom>
-          <a:noFill/>
-          <a:ln>
-            <a:noFill/>
-          </a:ln>
-        </p:spPr>
-      </p:pic>
       <p:sp>
         <p:nvSpPr>
           <p:cNvPr id="70" name="Google Shape;70;p18"/>
@@ -34299,69 +34107,211 @@
               <a:buNone/>
             </a:pPr>
             <a:r>
-              <a:rPr lang="en-US"/>
-              <a:t>Proč je JavaScript na webu?</a:t>
-            </a:r>
-            <a:endParaRPr/>
+              <a:rPr lang="cs-CZ" dirty="0" smtClean="0"/>
+              <a:t>Příkladu </a:t>
+            </a:r>
+            <a:r>
+              <a:rPr lang="en-US" dirty="0" smtClean="0"/>
+              <a:t>JavaScript</a:t>
+            </a:r>
+            <a:r>
+              <a:rPr lang="cs-CZ" dirty="0" err="1" smtClean="0"/>
+              <a:t>ových</a:t>
+            </a:r>
+            <a:r>
+              <a:rPr lang="cs-CZ" dirty="0" smtClean="0"/>
+              <a:t> aplikací</a:t>
+            </a:r>
+            <a:endParaRPr dirty="0"/>
           </a:p>
         </p:txBody>
       </p:sp>
       <p:sp>
         <p:nvSpPr>
-          <p:cNvPr id="71" name="Google Shape;71;p18"/>
-          <p:cNvSpPr txBox="1"/>
-          <p:nvPr/>
+          <p:cNvPr id="5" name="Google Shape;58;p16"/>
+          <p:cNvSpPr txBox="1">
+            <a:spLocks noGrp="1"/>
+          </p:cNvSpPr>
+          <p:nvPr>
+            <p:ph type="body" idx="4294967295"/>
+          </p:nvPr>
         </p:nvSpPr>
         <p:spPr>
           <a:xfrm>
-            <a:off x="125" y="5646525"/>
-            <a:ext cx="12192000" cy="892200"/>
+            <a:off x="964650" y="1378148"/>
+            <a:ext cx="10134600" cy="4992900"/>
           </a:xfrm>
           <a:prstGeom prst="rect">
             <a:avLst/>
           </a:prstGeom>
-          <a:noFill/>
-          <a:ln>
-            <a:noFill/>
-          </a:ln>
+          <a:effectLst>
+            <a:reflection dist="38100" dir="5400000" fadeDir="5400012" sy="-100000" algn="bl" rotWithShape="0"/>
+          </a:effectLst>
         </p:spPr>
         <p:txBody>
-          <a:bodyPr spcFirstLastPara="1" wrap="square" lIns="91425" tIns="91425" rIns="91425" bIns="91425" anchor="ctr" anchorCtr="0">
+          <a:bodyPr spcFirstLastPara="1" wrap="square" lIns="91425" tIns="91425" rIns="91425" bIns="91425" anchor="t" anchorCtr="0">
             <a:noAutofit/>
           </a:bodyPr>
           <a:lstStyle/>
           <a:p>
-            <a:pPr marL="0" lvl="0" indent="0" algn="ctr" rtl="0">
-              <a:spcBef>
-                <a:spcPts val="0"/>
-              </a:spcBef>
-              <a:spcAft>
-                <a:spcPts val="0"/>
-              </a:spcAft>
-              <a:buNone/>
-            </a:pPr>
-            <a:r>
-              <a:rPr lang="en-US" sz="3000" u="sng">
-                <a:solidFill>
-                  <a:schemeClr val="hlink"/>
-                </a:solidFill>
+            <a:pPr fontAlgn="base"/>
+            <a:r>
+              <a:rPr lang="en-US" dirty="0" err="1" smtClean="0"/>
+              <a:t>Kalkulačka</a:t>
+            </a:r>
+            <a:r>
+              <a:rPr lang="en-US" dirty="0"/>
+              <a:t>: </a:t>
+            </a:r>
+            <a:endParaRPr lang="cs-CZ" dirty="0" smtClean="0"/>
+          </a:p>
+          <a:p>
+            <a:pPr lvl="1" fontAlgn="base"/>
+            <a:r>
+              <a:rPr lang="en-US" u="sng" dirty="0" smtClean="0">
+                <a:hlinkClick r:id="rId3"/>
+              </a:rPr>
+              <a:t>https</a:t>
+            </a:r>
+            <a:r>
+              <a:rPr lang="en-US" u="sng" dirty="0">
+                <a:hlinkClick r:id="rId3"/>
+              </a:rPr>
+              <a:t>://codepen.io/SimonB87/full/BvxaEq</a:t>
+            </a:r>
+            <a:endParaRPr lang="en-US" dirty="0"/>
+          </a:p>
+          <a:p>
+            <a:pPr fontAlgn="base"/>
+            <a:r>
+              <a:rPr lang="cs-CZ" dirty="0" smtClean="0"/>
+              <a:t>Simulátor bubínků</a:t>
+            </a:r>
+            <a:r>
+              <a:rPr lang="en-US" dirty="0" smtClean="0"/>
+              <a:t>:</a:t>
+            </a:r>
+            <a:endParaRPr lang="cs-CZ" dirty="0" smtClean="0"/>
+          </a:p>
+          <a:p>
+            <a:pPr lvl="1" fontAlgn="base"/>
+            <a:r>
+              <a:rPr lang="en-US" u="sng" dirty="0" smtClean="0">
                 <a:hlinkClick r:id="rId4"/>
               </a:rPr>
-              <a:t>https://www.calculator.net/scientific-calculator.html</a:t>
-            </a:r>
-            <a:endParaRPr sz="3000"/>
-          </a:p>
-          <a:p>
-            <a:pPr marL="0" lvl="0" indent="0" algn="ctr" rtl="0">
-              <a:spcBef>
-                <a:spcPts val="0"/>
-              </a:spcBef>
-              <a:spcAft>
-                <a:spcPts val="0"/>
-              </a:spcAft>
-              <a:buNone/>
-            </a:pPr>
-            <a:endParaRPr sz="3000"/>
+              <a:t>http</a:t>
+            </a:r>
+            <a:r>
+              <a:rPr lang="en-US" u="sng" dirty="0">
+                <a:hlinkClick r:id="rId4"/>
+              </a:rPr>
+              <a:t>://simonburyan.cz/portitem/drummachine/</a:t>
+            </a:r>
+            <a:endParaRPr lang="en-US" dirty="0"/>
+          </a:p>
+          <a:p>
+            <a:pPr fontAlgn="base"/>
+            <a:r>
+              <a:rPr lang="cs-CZ" dirty="0" smtClean="0"/>
+              <a:t>Obrázková galerie</a:t>
+            </a:r>
+            <a:r>
+              <a:rPr lang="en-US" dirty="0" smtClean="0"/>
+              <a:t>:</a:t>
+            </a:r>
+            <a:endParaRPr lang="cs-CZ" dirty="0" smtClean="0"/>
+          </a:p>
+          <a:p>
+            <a:pPr lvl="1" fontAlgn="base"/>
+            <a:r>
+              <a:rPr lang="en-US" u="sng" dirty="0" smtClean="0">
+                <a:hlinkClick r:id="rId5"/>
+              </a:rPr>
+              <a:t>https</a:t>
+            </a:r>
+            <a:r>
+              <a:rPr lang="en-US" u="sng" dirty="0">
+                <a:hlinkClick r:id="rId5"/>
+              </a:rPr>
+              <a:t>://</a:t>
+            </a:r>
+            <a:r>
+              <a:rPr lang="en-US" u="sng" dirty="0" smtClean="0">
+                <a:hlinkClick r:id="rId5"/>
+              </a:rPr>
+              <a:t>codepen.io/altsyset/pen/QxLqgV</a:t>
+            </a:r>
+            <a:endParaRPr lang="cs-CZ" u="sng" dirty="0" smtClean="0"/>
+          </a:p>
+          <a:p>
+            <a:pPr fontAlgn="base"/>
+            <a:r>
+              <a:rPr lang="en-US" dirty="0" smtClean="0"/>
+              <a:t>Billiard</a:t>
+            </a:r>
+            <a:r>
+              <a:rPr lang="en-US" dirty="0"/>
+              <a:t>: </a:t>
+            </a:r>
+            <a:endParaRPr lang="cs-CZ" dirty="0" smtClean="0"/>
+          </a:p>
+          <a:p>
+            <a:pPr lvl="1" fontAlgn="base"/>
+            <a:r>
+              <a:rPr lang="en-US" u="sng" dirty="0" smtClean="0">
+                <a:hlinkClick r:id="rId6"/>
+              </a:rPr>
+              <a:t>https</a:t>
+            </a:r>
+            <a:r>
+              <a:rPr lang="en-US" u="sng" dirty="0">
+                <a:hlinkClick r:id="rId6"/>
+              </a:rPr>
+              <a:t>://</a:t>
+            </a:r>
+            <a:r>
+              <a:rPr lang="en-US" u="sng" dirty="0" smtClean="0">
+                <a:hlinkClick r:id="rId6"/>
+              </a:rPr>
+              <a:t>codepen.io/Blindman67/pen/rNxEjoj</a:t>
+            </a:r>
+            <a:endParaRPr lang="cs-CZ" dirty="0"/>
+          </a:p>
+          <a:p>
+            <a:pPr fontAlgn="base"/>
+            <a:r>
+              <a:rPr lang="en-US" dirty="0" err="1" smtClean="0"/>
+              <a:t>Příklad</a:t>
+            </a:r>
+            <a:r>
+              <a:rPr lang="en-US" dirty="0" smtClean="0"/>
+              <a:t> </a:t>
+            </a:r>
+            <a:r>
+              <a:rPr lang="en-US" dirty="0"/>
+              <a:t>s local </a:t>
+            </a:r>
+            <a:r>
+              <a:rPr lang="en-US" dirty="0" smtClean="0"/>
+              <a:t>storage:</a:t>
+            </a:r>
+            <a:endParaRPr lang="cs-CZ" dirty="0"/>
+          </a:p>
+          <a:p>
+            <a:pPr lvl="1" fontAlgn="base"/>
+            <a:r>
+              <a:rPr lang="en-US" u="sng" dirty="0" smtClean="0">
+                <a:hlinkClick r:id="rId7"/>
+              </a:rPr>
+              <a:t>http</a:t>
+            </a:r>
+            <a:r>
+              <a:rPr lang="en-US" u="sng" dirty="0">
+                <a:hlinkClick r:id="rId7"/>
+              </a:rPr>
+              <a:t>://simonburyan.cz/portitem/runanalyzer/index.html</a:t>
+            </a:r>
+            <a:endParaRPr dirty="0"/>
           </a:p>
         </p:txBody>
       </p:sp>
@@ -34370,203 +34320,17 @@
   <p:clrMapOvr>
     <a:masterClrMapping/>
   </p:clrMapOvr>
+  <p:timing>
+    <p:tnLst>
+      <p:par>
+        <p:cTn id="1" dur="indefinite" restart="never" nodeType="tmRoot"/>
+      </p:par>
+    </p:tnLst>
+  </p:timing>
 </p:sld>
 </file>
 
 <file path=ppt/slides/slide8.xml><?xml version="1.0" encoding="utf-8"?>
-<p:sld xmlns:a="http://schemas.openxmlformats.org/drawingml/2006/main" xmlns:r="http://schemas.openxmlformats.org/officeDocument/2006/relationships" xmlns:p="http://schemas.openxmlformats.org/presentationml/2006/main">
-  <p:cSld>
-    <p:spTree>
-      <p:nvGrpSpPr>
-        <p:cNvPr id="1" name="Shape 75"/>
-        <p:cNvGrpSpPr/>
-        <p:nvPr/>
-      </p:nvGrpSpPr>
-      <p:grpSpPr>
-        <a:xfrm>
-          <a:off x="0" y="0"/>
-          <a:ext cx="0" cy="0"/>
-          <a:chOff x="0" y="0"/>
-          <a:chExt cx="0" cy="0"/>
-        </a:xfrm>
-      </p:grpSpPr>
-      <p:pic>
-        <p:nvPicPr>
-          <p:cNvPr id="76" name="Google Shape;76;p19"/>
-          <p:cNvPicPr preferRelativeResize="0"/>
-          <p:nvPr/>
-        </p:nvPicPr>
-        <p:blipFill rotWithShape="1">
-          <a:blip r:embed="rId3">
-            <a:alphaModFix/>
-          </a:blip>
-          <a:srcRect t="1904" b="1904"/>
-          <a:stretch/>
-        </p:blipFill>
-        <p:spPr>
-          <a:xfrm>
-            <a:off x="2398725" y="1550125"/>
-            <a:ext cx="7394551" cy="2830774"/>
-          </a:xfrm>
-          <a:prstGeom prst="rect">
-            <a:avLst/>
-          </a:prstGeom>
-          <a:noFill/>
-          <a:ln>
-            <a:noFill/>
-          </a:ln>
-        </p:spPr>
-      </p:pic>
-      <p:sp>
-        <p:nvSpPr>
-          <p:cNvPr id="77" name="Google Shape;77;p19"/>
-          <p:cNvSpPr txBox="1">
-            <a:spLocks noGrp="1"/>
-          </p:cNvSpPr>
-          <p:nvPr>
-            <p:ph type="title"/>
-          </p:nvPr>
-        </p:nvSpPr>
-        <p:spPr>
-          <a:xfrm>
-            <a:off x="964660" y="528469"/>
-            <a:ext cx="8325300" cy="821700"/>
-          </a:xfrm>
-          <a:prstGeom prst="rect">
-            <a:avLst/>
-          </a:prstGeom>
-        </p:spPr>
-        <p:txBody>
-          <a:bodyPr spcFirstLastPara="1" wrap="square" lIns="91425" tIns="91425" rIns="91425" bIns="91425" anchor="ctr" anchorCtr="0">
-            <a:noAutofit/>
-          </a:bodyPr>
-          <a:lstStyle/>
-          <a:p>
-            <a:pPr marL="0" lvl="0" indent="0" algn="l" rtl="0">
-              <a:spcBef>
-                <a:spcPts val="0"/>
-              </a:spcBef>
-              <a:spcAft>
-                <a:spcPts val="0"/>
-              </a:spcAft>
-              <a:buNone/>
-            </a:pPr>
-            <a:r>
-              <a:rPr lang="en-US"/>
-              <a:t>Proč je JavaScript na webu?</a:t>
-            </a:r>
-            <a:endParaRPr/>
-          </a:p>
-        </p:txBody>
-      </p:sp>
-      <p:sp>
-        <p:nvSpPr>
-          <p:cNvPr id="78" name="Google Shape;78;p19"/>
-          <p:cNvSpPr txBox="1"/>
-          <p:nvPr/>
-        </p:nvSpPr>
-        <p:spPr>
-          <a:xfrm>
-            <a:off x="457200" y="4642625"/>
-            <a:ext cx="11394600" cy="2013300"/>
-          </a:xfrm>
-          <a:prstGeom prst="rect">
-            <a:avLst/>
-          </a:prstGeom>
-          <a:noFill/>
-          <a:ln>
-            <a:noFill/>
-          </a:ln>
-        </p:spPr>
-        <p:txBody>
-          <a:bodyPr spcFirstLastPara="1" wrap="square" lIns="91425" tIns="91425" rIns="91425" bIns="91425" anchor="t" anchorCtr="0">
-            <a:noAutofit/>
-          </a:bodyPr>
-          <a:lstStyle/>
-          <a:p>
-            <a:pPr marL="0" lvl="0" indent="0" algn="l" rtl="0">
-              <a:spcBef>
-                <a:spcPts val="0"/>
-              </a:spcBef>
-              <a:spcAft>
-                <a:spcPts val="0"/>
-              </a:spcAft>
-              <a:buNone/>
-            </a:pPr>
-            <a:r>
-              <a:rPr lang="en-US" sz="3000" u="sng">
-                <a:solidFill>
-                  <a:schemeClr val="hlink"/>
-                </a:solidFill>
-                <a:hlinkClick r:id="rId4"/>
-              </a:rPr>
-              <a:t>https://20-demo-formular-html-a-javascript--shinekamil.repl.co/</a:t>
-            </a:r>
-            <a:endParaRPr sz="3000"/>
-          </a:p>
-          <a:p>
-            <a:pPr marL="0" lvl="0" indent="0" algn="l" rtl="0">
-              <a:spcBef>
-                <a:spcPts val="0"/>
-              </a:spcBef>
-              <a:spcAft>
-                <a:spcPts val="0"/>
-              </a:spcAft>
-              <a:buNone/>
-            </a:pPr>
-            <a:endParaRPr sz="3000"/>
-          </a:p>
-          <a:p>
-            <a:pPr marL="0" lvl="0" indent="0" algn="l" rtl="0">
-              <a:spcBef>
-                <a:spcPts val="0"/>
-              </a:spcBef>
-              <a:spcAft>
-                <a:spcPts val="0"/>
-              </a:spcAft>
-              <a:buNone/>
-            </a:pPr>
-            <a:r>
-              <a:rPr lang="en-US" sz="3000">
-                <a:solidFill>
-                  <a:schemeClr val="lt2"/>
-                </a:solidFill>
-              </a:rPr>
-              <a:t>Zdrojový repl:</a:t>
-            </a:r>
-            <a:br>
-              <a:rPr lang="en-US" sz="3000">
-                <a:solidFill>
-                  <a:schemeClr val="lt2"/>
-                </a:solidFill>
-              </a:rPr>
-            </a:br>
-            <a:r>
-              <a:rPr lang="en-US" sz="3000" u="sng">
-                <a:solidFill>
-                  <a:schemeClr val="lt2"/>
-                </a:solidFill>
-                <a:hlinkClick r:id="rId5"/>
-              </a:rPr>
-              <a:t>https://repl.it/@shinekamil/20-Demo-formular-HTML-a-JavaScript</a:t>
-            </a:r>
-            <a:endParaRPr sz="3000">
-              <a:solidFill>
-                <a:schemeClr val="lt2"/>
-              </a:solidFill>
-            </a:endParaRPr>
-          </a:p>
-        </p:txBody>
-      </p:sp>
-    </p:spTree>
-  </p:cSld>
-  <p:clrMapOvr>
-    <a:masterClrMapping/>
-  </p:clrMapOvr>
-</p:sld>
-</file>
-
-<file path=ppt/slides/slide9.xml><?xml version="1.0" encoding="utf-8"?>
 <p:sld xmlns:a="http://schemas.openxmlformats.org/drawingml/2006/main" xmlns:r="http://schemas.openxmlformats.org/officeDocument/2006/relationships" xmlns:p="http://schemas.openxmlformats.org/presentationml/2006/main">
   <p:cSld>
     <p:spTree>
@@ -34670,9 +34434,6 @@
               <a:lnSpc>
                 <a:spcPct val="100000"/>
               </a:lnSpc>
-              <a:spcBef>
-                <a:spcPts val="0"/>
-              </a:spcBef>
               <a:spcAft>
                 <a:spcPts val="0"/>
               </a:spcAft>
@@ -34680,12 +34441,24 @@
             </a:pPr>
             <a:r>
               <a:rPr lang="en-US" sz="2400" dirty="0">
+                <a:solidFill>
+                  <a:schemeClr val="bg2"/>
+                </a:solidFill>
                 <a:latin typeface="Consolas"/>
                 <a:ea typeface="Consolas"/>
                 <a:cs typeface="Consolas"/>
                 <a:sym typeface="Consolas"/>
               </a:rPr>
               <a:t>&lt;html&gt;</a:t>
+            </a:r>
+            <a:r>
+              <a:rPr lang="en-US" sz="2400" dirty="0">
+                <a:latin typeface="Consolas"/>
+                <a:ea typeface="Consolas"/>
+                <a:cs typeface="Consolas"/>
+                <a:sym typeface="Consolas"/>
+              </a:rPr>
+              <a:t/>
             </a:r>
             <a:br>
               <a:rPr lang="en-US" sz="2400" dirty="0">
@@ -34697,12 +34470,147 @@
             </a:br>
             <a:r>
               <a:rPr lang="en-US" sz="2400" dirty="0">
-                <a:latin typeface="Consolas"/>
-                <a:ea typeface="Consolas"/>
-                <a:cs typeface="Consolas"/>
-                <a:sym typeface="Consolas"/>
-              </a:rPr>
-              <a:t>   &lt;head&gt;</a:t>
+                <a:solidFill>
+                  <a:schemeClr val="bg2"/>
+                </a:solidFill>
+                <a:latin typeface="Consolas"/>
+                <a:ea typeface="Consolas"/>
+                <a:cs typeface="Consolas"/>
+                <a:sym typeface="Consolas"/>
+              </a:rPr>
+              <a:t>   &lt;head</a:t>
+            </a:r>
+            <a:r>
+              <a:rPr lang="en-US" sz="2400" dirty="0" smtClean="0">
+                <a:solidFill>
+                  <a:schemeClr val="bg2"/>
+                </a:solidFill>
+                <a:latin typeface="Consolas"/>
+                <a:ea typeface="Consolas"/>
+                <a:cs typeface="Consolas"/>
+                <a:sym typeface="Consolas"/>
+              </a:rPr>
+              <a:t>&gt;</a:t>
+            </a:r>
+            <a:endParaRPr lang="cs-CZ" sz="2400" dirty="0" smtClean="0">
+              <a:solidFill>
+                <a:schemeClr val="bg2"/>
+              </a:solidFill>
+              <a:latin typeface="Consolas"/>
+              <a:ea typeface="Consolas"/>
+              <a:cs typeface="Consolas"/>
+              <a:sym typeface="Consolas"/>
+            </a:endParaRPr>
+          </a:p>
+          <a:p>
+            <a:pPr lvl="0"/>
+            <a:r>
+              <a:rPr lang="cs-CZ" sz="2400" dirty="0">
+                <a:solidFill>
+                  <a:srgbClr val="595959"/>
+                </a:solidFill>
+                <a:latin typeface="Consolas"/>
+                <a:ea typeface="Consolas"/>
+                <a:cs typeface="Consolas"/>
+                <a:sym typeface="Consolas"/>
+              </a:rPr>
+              <a:t>	</a:t>
+            </a:r>
+            <a:r>
+              <a:rPr lang="en-US" sz="2400" dirty="0" smtClean="0">
+                <a:solidFill>
+                  <a:schemeClr val="dk1"/>
+                </a:solidFill>
+                <a:latin typeface="Consolas"/>
+                <a:ea typeface="Consolas"/>
+                <a:cs typeface="Consolas"/>
+                <a:sym typeface="Consolas"/>
+              </a:rPr>
+              <a:t>&lt;</a:t>
+            </a:r>
+            <a:r>
+              <a:rPr lang="en-US" sz="2400" dirty="0">
+                <a:solidFill>
+                  <a:schemeClr val="dk1"/>
+                </a:solidFill>
+                <a:latin typeface="Consolas"/>
+                <a:ea typeface="Consolas"/>
+                <a:cs typeface="Consolas"/>
+                <a:sym typeface="Consolas"/>
+              </a:rPr>
+              <a:t>link </a:t>
+            </a:r>
+            <a:r>
+              <a:rPr lang="en-US" sz="2400" dirty="0" err="1">
+                <a:solidFill>
+                  <a:schemeClr val="dk1"/>
+                </a:solidFill>
+                <a:latin typeface="Consolas"/>
+                <a:ea typeface="Consolas"/>
+                <a:cs typeface="Consolas"/>
+                <a:sym typeface="Consolas"/>
+              </a:rPr>
+              <a:t>rel</a:t>
+            </a:r>
+            <a:r>
+              <a:rPr lang="en-US" sz="2400" dirty="0">
+                <a:solidFill>
+                  <a:schemeClr val="dk1"/>
+                </a:solidFill>
+                <a:latin typeface="Consolas"/>
+                <a:ea typeface="Consolas"/>
+                <a:cs typeface="Consolas"/>
+                <a:sym typeface="Consolas"/>
+              </a:rPr>
+              <a:t>="stylesheet" </a:t>
+            </a:r>
+            <a:r>
+              <a:rPr lang="en-US" sz="2400" dirty="0" err="1">
+                <a:solidFill>
+                  <a:schemeClr val="dk1"/>
+                </a:solidFill>
+                <a:latin typeface="Consolas"/>
+                <a:ea typeface="Consolas"/>
+                <a:cs typeface="Consolas"/>
+                <a:sym typeface="Consolas"/>
+              </a:rPr>
+              <a:t>href</a:t>
+            </a:r>
+            <a:r>
+              <a:rPr lang="en-US" sz="2400" dirty="0">
+                <a:solidFill>
+                  <a:schemeClr val="dk1"/>
+                </a:solidFill>
+                <a:latin typeface="Consolas"/>
+                <a:ea typeface="Consolas"/>
+                <a:cs typeface="Consolas"/>
+                <a:sym typeface="Consolas"/>
+              </a:rPr>
+              <a:t>="</a:t>
+            </a:r>
+            <a:r>
+              <a:rPr lang="en-US" sz="2400" dirty="0" err="1">
+                <a:solidFill>
+                  <a:schemeClr val="dk1"/>
+                </a:solidFill>
+                <a:latin typeface="Consolas"/>
+                <a:ea typeface="Consolas"/>
+                <a:cs typeface="Consolas"/>
+                <a:sym typeface="Consolas"/>
+              </a:rPr>
+              <a:t>css</a:t>
+            </a:r>
+            <a:r>
+              <a:rPr lang="en-US" sz="2400" dirty="0">
+                <a:solidFill>
+                  <a:schemeClr val="dk1"/>
+                </a:solidFill>
+                <a:latin typeface="Consolas"/>
+                <a:ea typeface="Consolas"/>
+                <a:cs typeface="Consolas"/>
+                <a:sym typeface="Consolas"/>
+              </a:rPr>
+              <a:t>/style.css" /&gt;</a:t>
             </a:r>
             <a:r>
               <a:rPr lang="en-US" sz="2400" dirty="0">
@@ -34737,7 +34645,43 @@
                 <a:cs typeface="Consolas"/>
                 <a:sym typeface="Consolas"/>
               </a:rPr>
-              <a:t>      &lt;title&gt;</a:t>
+              <a:t>     </a:t>
+            </a:r>
+            <a:r>
+              <a:rPr lang="cs-CZ" sz="2400" dirty="0" smtClean="0">
+                <a:solidFill>
+                  <a:schemeClr val="dk1"/>
+                </a:solidFill>
+                <a:latin typeface="Consolas"/>
+                <a:ea typeface="Consolas"/>
+                <a:cs typeface="Consolas"/>
+                <a:sym typeface="Consolas"/>
+              </a:rPr>
+              <a:t>	</a:t>
+            </a:r>
+            <a:r>
+              <a:rPr lang="en-US" sz="2400" dirty="0" smtClean="0">
+                <a:solidFill>
+                  <a:schemeClr val="dk1"/>
+                </a:solidFill>
+                <a:latin typeface="Consolas"/>
+                <a:ea typeface="Consolas"/>
+                <a:cs typeface="Consolas"/>
+                <a:sym typeface="Consolas"/>
+              </a:rPr>
+              <a:t>&lt;</a:t>
+            </a:r>
+            <a:r>
+              <a:rPr lang="en-US" sz="2400" dirty="0">
+                <a:solidFill>
+                  <a:schemeClr val="dk1"/>
+                </a:solidFill>
+                <a:latin typeface="Consolas"/>
+                <a:ea typeface="Consolas"/>
+                <a:cs typeface="Consolas"/>
+                <a:sym typeface="Consolas"/>
+              </a:rPr>
+              <a:t>title&gt;</a:t>
             </a:r>
             <a:r>
               <a:rPr lang="en-US" sz="2400" dirty="0" err="1">
@@ -34800,12 +34744,24 @@
             </a:br>
             <a:r>
               <a:rPr lang="en-US" sz="2400" dirty="0">
+                <a:solidFill>
+                  <a:schemeClr val="bg2"/>
+                </a:solidFill>
                 <a:latin typeface="Consolas"/>
                 <a:ea typeface="Consolas"/>
                 <a:cs typeface="Consolas"/>
                 <a:sym typeface="Consolas"/>
               </a:rPr>
               <a:t>   &lt;/head&gt;</a:t>
+            </a:r>
+            <a:r>
+              <a:rPr lang="en-US" sz="2400" dirty="0">
+                <a:latin typeface="Consolas"/>
+                <a:ea typeface="Consolas"/>
+                <a:cs typeface="Consolas"/>
+                <a:sym typeface="Consolas"/>
+              </a:rPr>
+              <a:t/>
             </a:r>
             <a:br>
               <a:rPr lang="en-US" sz="2400" dirty="0">
@@ -34834,6 +34790,9 @@
             </a:br>
             <a:r>
               <a:rPr lang="en-US" sz="2400" dirty="0">
+                <a:solidFill>
+                  <a:schemeClr val="bg2"/>
+                </a:solidFill>
                 <a:latin typeface="Consolas"/>
                 <a:ea typeface="Consolas"/>
                 <a:cs typeface="Consolas"/>
@@ -34887,11 +34846,7 @@
             </a:endParaRPr>
           </a:p>
           <a:p>
-            <a:pPr lvl="0">
-              <a:spcBef>
-                <a:spcPts val="1600"/>
-              </a:spcBef>
-            </a:pPr>
+            <a:pPr lvl="0"/>
             <a:r>
               <a:rPr lang="en-US" sz="2400" dirty="0">
                 <a:solidFill>
@@ -34905,7 +34860,7 @@
               <a:t>      </a:t>
             </a:r>
             <a:r>
-              <a:rPr lang="en-US" sz="2400" dirty="0">
+              <a:rPr lang="en-US" sz="2400" dirty="0" smtClean="0">
                 <a:solidFill>
                   <a:srgbClr val="999999"/>
                 </a:solidFill>
@@ -34914,10 +34869,10 @@
                 <a:cs typeface="Consolas"/>
                 <a:sym typeface="Consolas"/>
               </a:rPr>
-              <a:t>&lt;!-- </a:t>
-            </a:r>
-            <a:r>
-              <a:rPr lang="en-US" sz="2400" dirty="0" err="1">
+              <a:t>&lt;!– </a:t>
+            </a:r>
+            <a:r>
+              <a:rPr lang="cs-CZ" sz="2400" dirty="0" err="1" smtClean="0">
                 <a:solidFill>
                   <a:srgbClr val="999999"/>
                 </a:solidFill>
@@ -34926,10 +34881,10 @@
                 <a:cs typeface="Consolas"/>
                 <a:sym typeface="Consolas"/>
               </a:rPr>
-              <a:t>vložíme</a:t>
-            </a:r>
-            <a:r>
-              <a:rPr lang="en-US" sz="2400" dirty="0">
+              <a:t>innser</a:t>
+            </a:r>
+            <a:r>
+              <a:rPr lang="cs-CZ" sz="2400" dirty="0" smtClean="0">
                 <a:solidFill>
                   <a:srgbClr val="999999"/>
                 </a:solidFill>
@@ -34941,7 +34896,7 @@
               <a:t> </a:t>
             </a:r>
             <a:r>
-              <a:rPr lang="en-US" sz="2400" dirty="0" err="1">
+              <a:rPr lang="cs-CZ" sz="2400" dirty="0" err="1" smtClean="0">
                 <a:solidFill>
                   <a:srgbClr val="999999"/>
                 </a:solidFill>
@@ -34950,10 +34905,10 @@
                 <a:cs typeface="Consolas"/>
                 <a:sym typeface="Consolas"/>
               </a:rPr>
-              <a:t>těsně</a:t>
-            </a:r>
-            <a:r>
-              <a:rPr lang="en-US" sz="2400" dirty="0">
+              <a:t>preferably</a:t>
+            </a:r>
+            <a:r>
+              <a:rPr lang="cs-CZ" sz="2400" dirty="0" smtClean="0">
                 <a:solidFill>
                   <a:srgbClr val="999999"/>
                 </a:solidFill>
@@ -34965,7 +34920,7 @@
               <a:t> </a:t>
             </a:r>
             <a:r>
-              <a:rPr lang="en-US" sz="2400" dirty="0" err="1">
+              <a:rPr lang="cs-CZ" sz="2400" dirty="0" err="1" smtClean="0">
                 <a:solidFill>
                   <a:srgbClr val="999999"/>
                 </a:solidFill>
@@ -34974,10 +34929,10 @@
                 <a:cs typeface="Consolas"/>
                 <a:sym typeface="Consolas"/>
               </a:rPr>
-              <a:t>před</a:t>
-            </a:r>
-            <a:r>
-              <a:rPr lang="en-US" sz="2400" dirty="0">
+              <a:t>before</a:t>
+            </a:r>
+            <a:r>
+              <a:rPr lang="cs-CZ" sz="2400" dirty="0" smtClean="0">
                 <a:solidFill>
                   <a:srgbClr val="999999"/>
                 </a:solidFill>
@@ -34986,10 +34941,10 @@
                 <a:cs typeface="Consolas"/>
                 <a:sym typeface="Consolas"/>
               </a:rPr>
-              <a:t> </a:t>
-            </a:r>
-            <a:r>
-              <a:rPr lang="en-US" sz="2400" dirty="0" err="1">
+              <a:t> end </a:t>
+            </a:r>
+            <a:r>
+              <a:rPr lang="cs-CZ" sz="2400" dirty="0" err="1" smtClean="0">
                 <a:solidFill>
                   <a:srgbClr val="999999"/>
                 </a:solidFill>
@@ -34998,10 +34953,10 @@
                 <a:cs typeface="Consolas"/>
                 <a:sym typeface="Consolas"/>
               </a:rPr>
-              <a:t>koncovou</a:t>
-            </a:r>
-            <a:r>
-              <a:rPr lang="en-US" sz="2400" dirty="0">
+              <a:t>of</a:t>
+            </a:r>
+            <a:r>
+              <a:rPr lang="cs-CZ" sz="2400" dirty="0" smtClean="0">
                 <a:solidFill>
                   <a:srgbClr val="999999"/>
                 </a:solidFill>
@@ -35010,10 +34965,10 @@
                 <a:cs typeface="Consolas"/>
                 <a:sym typeface="Consolas"/>
               </a:rPr>
-              <a:t> </a:t>
-            </a:r>
-            <a:r>
-              <a:rPr lang="en-US" sz="2400" dirty="0" err="1">
+              <a:t> body</a:t>
+            </a:r>
+            <a:r>
+              <a:rPr lang="en-US" sz="2400" dirty="0" smtClean="0">
                 <a:solidFill>
                   <a:srgbClr val="999999"/>
                 </a:solidFill>
@@ -35022,19 +34977,7 @@
                 <a:cs typeface="Consolas"/>
                 <a:sym typeface="Consolas"/>
               </a:rPr>
-              <a:t>značku</a:t>
-            </a:r>
-            <a:r>
-              <a:rPr lang="en-US" sz="2400" dirty="0">
-                <a:solidFill>
-                  <a:srgbClr val="999999"/>
-                </a:solidFill>
-                <a:latin typeface="Consolas"/>
-                <a:ea typeface="Consolas"/>
-                <a:cs typeface="Consolas"/>
-                <a:sym typeface="Consolas"/>
-              </a:rPr>
-              <a:t> body --&gt;</a:t>
+              <a:t>--&gt;</a:t>
             </a:r>
             <a:r>
               <a:rPr lang="en-US" sz="2400" dirty="0">
@@ -35182,6 +35125,18 @@
             <a:r>
               <a:rPr lang="cs-CZ" sz="2400" b="1" dirty="0" err="1" smtClean="0">
                 <a:solidFill>
+                  <a:schemeClr val="bg2"/>
+                </a:solidFill>
+                <a:latin typeface="Consolas"/>
+                <a:ea typeface="Consolas"/>
+                <a:cs typeface="Consolas"/>
+                <a:sym typeface="Consolas"/>
+              </a:rPr>
+              <a:t>defer</a:t>
+            </a:r>
+            <a:r>
+              <a:rPr lang="en-US" sz="2400" b="1" dirty="0" smtClean="0">
+                <a:solidFill>
                   <a:schemeClr val="accent1"/>
                 </a:solidFill>
                 <a:latin typeface="Consolas"/>
@@ -35189,31 +35144,235 @@
                 <a:cs typeface="Consolas"/>
                 <a:sym typeface="Consolas"/>
               </a:rPr>
+              <a:t>&gt;&lt;/</a:t>
+            </a:r>
+            <a:r>
+              <a:rPr lang="en-US" sz="2400" b="1" dirty="0">
+                <a:solidFill>
+                  <a:schemeClr val="accent1"/>
+                </a:solidFill>
+                <a:latin typeface="Consolas"/>
+                <a:ea typeface="Consolas"/>
+                <a:cs typeface="Consolas"/>
+                <a:sym typeface="Consolas"/>
+              </a:rPr>
+              <a:t>script</a:t>
+            </a:r>
+            <a:r>
+              <a:rPr lang="en-US" sz="2400" b="1" dirty="0" smtClean="0">
+                <a:solidFill>
+                  <a:schemeClr val="accent1"/>
+                </a:solidFill>
+                <a:latin typeface="Consolas"/>
+                <a:ea typeface="Consolas"/>
+                <a:cs typeface="Consolas"/>
+                <a:sym typeface="Consolas"/>
+              </a:rPr>
+              <a:t>&gt;</a:t>
+            </a:r>
+            <a:endParaRPr lang="cs-CZ" sz="2400" b="1" dirty="0" smtClean="0">
+              <a:solidFill>
+                <a:schemeClr val="accent1"/>
+              </a:solidFill>
+              <a:latin typeface="Consolas"/>
+              <a:ea typeface="Consolas"/>
+              <a:cs typeface="Consolas"/>
+              <a:sym typeface="Consolas"/>
+            </a:endParaRPr>
+          </a:p>
+          <a:p>
+            <a:pPr lvl="0"/>
+            <a:r>
+              <a:rPr lang="cs-CZ" sz="2400" dirty="0" smtClean="0">
+                <a:solidFill>
+                  <a:srgbClr val="999999"/>
+                </a:solidFill>
+                <a:latin typeface="Consolas"/>
+                <a:ea typeface="Consolas"/>
+                <a:cs typeface="Consolas"/>
+                <a:sym typeface="Consolas"/>
+              </a:rPr>
+              <a:t>	</a:t>
+            </a:r>
+            <a:r>
+              <a:rPr lang="en-US" sz="2400" dirty="0" smtClean="0">
+                <a:solidFill>
+                  <a:srgbClr val="999999"/>
+                </a:solidFill>
+                <a:latin typeface="Consolas"/>
+                <a:ea typeface="Consolas"/>
+                <a:cs typeface="Consolas"/>
+                <a:sym typeface="Consolas"/>
+              </a:rPr>
+              <a:t>&lt;!– </a:t>
+            </a:r>
+            <a:r>
+              <a:rPr lang="cs-CZ" sz="2400" dirty="0" smtClean="0">
+                <a:solidFill>
+                  <a:srgbClr val="999999"/>
+                </a:solidFill>
+                <a:latin typeface="Consolas"/>
+                <a:ea typeface="Consolas"/>
+                <a:cs typeface="Consolas"/>
+                <a:sym typeface="Consolas"/>
+              </a:rPr>
+              <a:t>NOTE: </a:t>
+            </a:r>
+            <a:r>
+              <a:rPr lang="cs-CZ" sz="2400" dirty="0" err="1" smtClean="0">
+                <a:solidFill>
+                  <a:srgbClr val="999999"/>
+                </a:solidFill>
+                <a:latin typeface="Consolas"/>
+                <a:ea typeface="Consolas"/>
+                <a:cs typeface="Consolas"/>
+                <a:sym typeface="Consolas"/>
+              </a:rPr>
+              <a:t>word</a:t>
+            </a:r>
+            <a:r>
+              <a:rPr lang="cs-CZ" sz="2400" dirty="0">
+                <a:solidFill>
+                  <a:srgbClr val="999999"/>
+                </a:solidFill>
+                <a:latin typeface="Consolas"/>
+                <a:ea typeface="Consolas"/>
+                <a:cs typeface="Consolas"/>
+                <a:sym typeface="Consolas"/>
+              </a:rPr>
+              <a:t> </a:t>
+            </a:r>
+            <a:r>
+              <a:rPr lang="cs-CZ" sz="2400" dirty="0" err="1" smtClean="0">
+                <a:solidFill>
+                  <a:srgbClr val="999999"/>
+                </a:solidFill>
+                <a:latin typeface="Consolas"/>
+                <a:ea typeface="Consolas"/>
+                <a:cs typeface="Consolas"/>
+                <a:sym typeface="Consolas"/>
+              </a:rPr>
               <a:t>defer</a:t>
             </a:r>
             <a:r>
-              <a:rPr lang="en-US" sz="2400" b="1" dirty="0" smtClean="0">
-                <a:solidFill>
-                  <a:schemeClr val="accent1"/>
-                </a:solidFill>
-                <a:latin typeface="Consolas"/>
-                <a:ea typeface="Consolas"/>
-                <a:cs typeface="Consolas"/>
-                <a:sym typeface="Consolas"/>
-              </a:rPr>
-              <a:t>&gt;&lt;/</a:t>
-            </a:r>
-            <a:r>
-              <a:rPr lang="en-US" sz="2400" b="1" dirty="0">
-                <a:solidFill>
-                  <a:schemeClr val="accent1"/>
-                </a:solidFill>
-                <a:latin typeface="Consolas"/>
-                <a:ea typeface="Consolas"/>
-                <a:cs typeface="Consolas"/>
-                <a:sym typeface="Consolas"/>
-              </a:rPr>
-              <a:t>script&gt;</a:t>
+              <a:rPr lang="cs-CZ" sz="2400" dirty="0" smtClean="0">
+                <a:solidFill>
+                  <a:srgbClr val="999999"/>
+                </a:solidFill>
+                <a:latin typeface="Consolas"/>
+                <a:ea typeface="Consolas"/>
+                <a:cs typeface="Consolas"/>
+                <a:sym typeface="Consolas"/>
+              </a:rPr>
+              <a:t> </a:t>
+            </a:r>
+            <a:r>
+              <a:rPr lang="cs-CZ" sz="2400" dirty="0" err="1" smtClean="0">
+                <a:solidFill>
+                  <a:srgbClr val="999999"/>
+                </a:solidFill>
+                <a:latin typeface="Consolas"/>
+                <a:ea typeface="Consolas"/>
+                <a:cs typeface="Consolas"/>
+                <a:sym typeface="Consolas"/>
+              </a:rPr>
+              <a:t>is</a:t>
+            </a:r>
+            <a:r>
+              <a:rPr lang="cs-CZ" sz="2400" dirty="0" smtClean="0">
+                <a:solidFill>
+                  <a:srgbClr val="999999"/>
+                </a:solidFill>
+                <a:latin typeface="Consolas"/>
+                <a:ea typeface="Consolas"/>
+                <a:cs typeface="Consolas"/>
+                <a:sym typeface="Consolas"/>
+              </a:rPr>
+              <a:t> </a:t>
+            </a:r>
+            <a:r>
+              <a:rPr lang="cs-CZ" sz="2400" dirty="0" err="1" smtClean="0">
+                <a:solidFill>
+                  <a:srgbClr val="999999"/>
+                </a:solidFill>
+                <a:latin typeface="Consolas"/>
+                <a:ea typeface="Consolas"/>
+                <a:cs typeface="Consolas"/>
+                <a:sym typeface="Consolas"/>
+              </a:rPr>
+              <a:t>optional</a:t>
+            </a:r>
+            <a:r>
+              <a:rPr lang="cs-CZ" sz="2400" dirty="0" smtClean="0">
+                <a:solidFill>
+                  <a:srgbClr val="999999"/>
+                </a:solidFill>
+                <a:latin typeface="Consolas"/>
+                <a:ea typeface="Consolas"/>
+                <a:cs typeface="Consolas"/>
+                <a:sym typeface="Consolas"/>
+              </a:rPr>
+              <a:t>, but </a:t>
+            </a:r>
+            <a:r>
+              <a:rPr lang="cs-CZ" sz="2400" dirty="0" err="1" smtClean="0">
+                <a:solidFill>
+                  <a:srgbClr val="999999"/>
+                </a:solidFill>
+                <a:latin typeface="Consolas"/>
+                <a:ea typeface="Consolas"/>
+                <a:cs typeface="Consolas"/>
+                <a:sym typeface="Consolas"/>
+              </a:rPr>
+              <a:t>it</a:t>
+            </a:r>
+            <a:r>
+              <a:rPr lang="cs-CZ" sz="2400" dirty="0" smtClean="0">
+                <a:solidFill>
+                  <a:srgbClr val="999999"/>
+                </a:solidFill>
+                <a:latin typeface="Consolas"/>
+                <a:ea typeface="Consolas"/>
+                <a:cs typeface="Consolas"/>
+                <a:sym typeface="Consolas"/>
+              </a:rPr>
+              <a:t> </a:t>
+            </a:r>
+            <a:r>
+              <a:rPr lang="cs-CZ" sz="2400" dirty="0" err="1" smtClean="0">
+                <a:solidFill>
+                  <a:srgbClr val="999999"/>
+                </a:solidFill>
+                <a:latin typeface="Consolas"/>
+                <a:ea typeface="Consolas"/>
+                <a:cs typeface="Consolas"/>
+                <a:sym typeface="Consolas"/>
+              </a:rPr>
+              <a:t>helps</a:t>
+            </a:r>
+            <a:r>
+              <a:rPr lang="cs-CZ" sz="2400" dirty="0" smtClean="0">
+                <a:solidFill>
+                  <a:srgbClr val="999999"/>
+                </a:solidFill>
+                <a:latin typeface="Consolas"/>
+                <a:ea typeface="Consolas"/>
+                <a:cs typeface="Consolas"/>
+                <a:sym typeface="Consolas"/>
+              </a:rPr>
+              <a:t> a lot</a:t>
+            </a:r>
+            <a:r>
+              <a:rPr lang="en-US" sz="2400" dirty="0" smtClean="0">
+                <a:solidFill>
+                  <a:srgbClr val="999999"/>
+                </a:solidFill>
+                <a:latin typeface="Consolas"/>
+                <a:ea typeface="Consolas"/>
+                <a:cs typeface="Consolas"/>
+                <a:sym typeface="Consolas"/>
+              </a:rPr>
+              <a:t>--&gt;</a:t>
             </a:r>
             <a:r>
               <a:rPr lang="en-US" sz="2400" dirty="0">
@@ -35240,6 +35399,9 @@
             </a:br>
             <a:r>
               <a:rPr lang="en-US" sz="2400" dirty="0">
+                <a:solidFill>
+                  <a:schemeClr val="bg2"/>
+                </a:solidFill>
                 <a:latin typeface="Consolas"/>
                 <a:ea typeface="Consolas"/>
                 <a:cs typeface="Consolas"/>
@@ -35249,6 +35411,9 @@
             </a:r>
             <a:br>
               <a:rPr lang="en-US" sz="2400" dirty="0">
+                <a:solidFill>
+                  <a:schemeClr val="bg2"/>
+                </a:solidFill>
                 <a:latin typeface="Consolas"/>
                 <a:ea typeface="Consolas"/>
                 <a:cs typeface="Consolas"/>
@@ -35257,6 +35422,9 @@
             </a:br>
             <a:r>
               <a:rPr lang="en-US" sz="2400" dirty="0">
+                <a:solidFill>
+                  <a:schemeClr val="bg2"/>
+                </a:solidFill>
                 <a:latin typeface="Consolas"/>
                 <a:ea typeface="Consolas"/>
                 <a:cs typeface="Consolas"/>
@@ -35265,6 +35433,9 @@
               <a:t>&lt;/html&gt;</a:t>
             </a:r>
             <a:endParaRPr sz="2400" dirty="0">
+              <a:solidFill>
+                <a:schemeClr val="bg2"/>
+              </a:solidFill>
               <a:highlight>
                 <a:srgbClr val="EEEEEE"/>
               </a:highlight>
@@ -35304,6 +35475,193 @@
   <p:clrMapOvr>
     <a:masterClrMapping/>
   </p:clrMapOvr>
+  <p:timing>
+    <p:tnLst>
+      <p:par>
+        <p:cTn id="1" dur="indefinite" restart="never" nodeType="tmRoot"/>
+      </p:par>
+    </p:tnLst>
+  </p:timing>
+</p:sld>
+</file>
+
+<file path=ppt/slides/slide9.xml><?xml version="1.0" encoding="utf-8"?>
+<p:sld xmlns:a="http://schemas.openxmlformats.org/drawingml/2006/main" xmlns:r="http://schemas.openxmlformats.org/officeDocument/2006/relationships" xmlns:p="http://schemas.openxmlformats.org/presentationml/2006/main">
+  <p:cSld>
+    <p:spTree>
+      <p:nvGrpSpPr>
+        <p:cNvPr id="1" name=""/>
+        <p:cNvGrpSpPr/>
+        <p:nvPr/>
+      </p:nvGrpSpPr>
+      <p:grpSpPr>
+        <a:xfrm>
+          <a:off x="0" y="0"/>
+          <a:ext cx="0" cy="0"/>
+          <a:chOff x="0" y="0"/>
+          <a:chExt cx="0" cy="0"/>
+        </a:xfrm>
+      </p:grpSpPr>
+      <p:sp>
+        <p:nvSpPr>
+          <p:cNvPr id="2" name="Nadpis 1"/>
+          <p:cNvSpPr>
+            <a:spLocks noGrp="1"/>
+          </p:cNvSpPr>
+          <p:nvPr>
+            <p:ph type="title"/>
+          </p:nvPr>
+        </p:nvSpPr>
+        <p:spPr/>
+        <p:txBody>
+          <a:bodyPr/>
+          <a:lstStyle/>
+          <a:p>
+            <a:r>
+              <a:rPr lang="cs-CZ" dirty="0" smtClean="0"/>
+              <a:t>První program v JS</a:t>
+            </a:r>
+            <a:endParaRPr lang="cs-CZ" dirty="0"/>
+          </a:p>
+        </p:txBody>
+      </p:sp>
+      <p:sp>
+        <p:nvSpPr>
+          <p:cNvPr id="3" name="Zástupný symbol pro text 2"/>
+          <p:cNvSpPr>
+            <a:spLocks noGrp="1"/>
+          </p:cNvSpPr>
+          <p:nvPr>
+            <p:ph type="body" idx="1"/>
+          </p:nvPr>
+        </p:nvSpPr>
+        <p:spPr/>
+        <p:txBody>
+          <a:bodyPr/>
+          <a:lstStyle/>
+          <a:p>
+            <a:r>
+              <a:rPr lang="cs-CZ" dirty="0" smtClean="0"/>
+              <a:t>Vytvořme si první program, který zobrazí heslo do konzole</a:t>
+            </a:r>
+          </a:p>
+          <a:p>
+            <a:pPr lvl="1"/>
+            <a:r>
+              <a:rPr lang="cs-CZ" dirty="0" smtClean="0"/>
+              <a:t>Vytvořme si složku se souborem </a:t>
+            </a:r>
+            <a:r>
+              <a:rPr lang="cs-CZ" dirty="0" smtClean="0">
+                <a:solidFill>
+                  <a:schemeClr val="bg2"/>
+                </a:solidFill>
+              </a:rPr>
+              <a:t>index.html</a:t>
+            </a:r>
+          </a:p>
+          <a:p>
+            <a:pPr lvl="1"/>
+            <a:r>
+              <a:rPr lang="cs-CZ" dirty="0" smtClean="0"/>
+              <a:t>Vytvořme si soubor app.js</a:t>
+            </a:r>
+          </a:p>
+          <a:p>
+            <a:pPr lvl="1"/>
+            <a:r>
+              <a:rPr lang="cs-CZ" dirty="0" smtClean="0"/>
+              <a:t>V souboru index.html si vytvořme </a:t>
+            </a:r>
+            <a:r>
+              <a:rPr lang="cs-CZ" dirty="0" smtClean="0">
+                <a:solidFill>
+                  <a:schemeClr val="bg2"/>
+                </a:solidFill>
+              </a:rPr>
+              <a:t>odkaz</a:t>
+            </a:r>
+            <a:r>
+              <a:rPr lang="cs-CZ" dirty="0" smtClean="0"/>
+              <a:t> na app.js</a:t>
+            </a:r>
+          </a:p>
+          <a:p>
+            <a:pPr lvl="1"/>
+            <a:r>
+              <a:rPr lang="cs-CZ" dirty="0" smtClean="0"/>
+              <a:t>Do souboru app.js uložte jen příkaz: </a:t>
+            </a:r>
+            <a:r>
+              <a:rPr lang="cs-CZ" dirty="0" smtClean="0">
+                <a:solidFill>
+                  <a:schemeClr val="bg1">
+                    <a:lumMod val="50000"/>
+                  </a:schemeClr>
+                </a:solidFill>
+              </a:rPr>
+              <a:t>console.log(„Hello </a:t>
+            </a:r>
+            <a:r>
+              <a:rPr lang="cs-CZ" dirty="0" err="1" smtClean="0">
+                <a:solidFill>
+                  <a:schemeClr val="bg1">
+                    <a:lumMod val="50000"/>
+                  </a:schemeClr>
+                </a:solidFill>
+              </a:rPr>
+              <a:t>world</a:t>
+            </a:r>
+            <a:r>
+              <a:rPr lang="cs-CZ" dirty="0" smtClean="0">
+                <a:solidFill>
+                  <a:schemeClr val="bg1">
+                    <a:lumMod val="50000"/>
+                  </a:schemeClr>
+                </a:solidFill>
+              </a:rPr>
+              <a:t>!“)</a:t>
+            </a:r>
+          </a:p>
+          <a:p>
+            <a:pPr lvl="1"/>
+            <a:r>
+              <a:rPr lang="cs-CZ" dirty="0" smtClean="0"/>
+              <a:t>Otevřete index.html v Chrome a zmáčkněte </a:t>
+            </a:r>
+            <a:r>
+              <a:rPr lang="cs-CZ" dirty="0" smtClean="0">
+                <a:solidFill>
+                  <a:schemeClr val="bg2"/>
+                </a:solidFill>
+              </a:rPr>
+              <a:t>F12</a:t>
+            </a:r>
+            <a:endParaRPr lang="cs-CZ" dirty="0">
+              <a:solidFill>
+                <a:schemeClr val="bg2"/>
+              </a:solidFill>
+            </a:endParaRPr>
+          </a:p>
+        </p:txBody>
+      </p:sp>
+    </p:spTree>
+    <p:extLst>
+      <p:ext uri="{BB962C8B-B14F-4D97-AF65-F5344CB8AC3E}">
+        <p14:creationId xmlns:p14="http://schemas.microsoft.com/office/powerpoint/2010/main" val="2081670028"/>
+      </p:ext>
+    </p:extLst>
+  </p:cSld>
+  <p:clrMapOvr>
+    <a:masterClrMapping/>
+  </p:clrMapOvr>
+  <p:timing>
+    <p:tnLst>
+      <p:par>
+        <p:cTn id="1" dur="indefinite" restart="never" nodeType="tmRoot"/>
+      </p:par>
+    </p:tnLst>
+  </p:timing>
 </p:sld>
 </file>
 

--- a/JS-SB-LetnIskola2020.pptx
+++ b/JS-SB-LetnIskola2020.pptx
@@ -5,7 +5,7 @@
     <p:sldMasterId id="2147483661" r:id="rId1"/>
   </p:sldMasterIdLst>
   <p:notesMasterIdLst>
-    <p:notesMasterId r:id="rId57"/>
+    <p:notesMasterId r:id="rId58"/>
   </p:notesMasterIdLst>
   <p:sldIdLst>
     <p:sldId id="256" r:id="rId2"/>
@@ -29,76 +29,77 @@
     <p:sldId id="309" r:id="rId20"/>
     <p:sldId id="310" r:id="rId21"/>
     <p:sldId id="311" r:id="rId22"/>
-    <p:sldId id="308" r:id="rId23"/>
-    <p:sldId id="263" r:id="rId24"/>
-    <p:sldId id="264" r:id="rId25"/>
-    <p:sldId id="265" r:id="rId26"/>
-    <p:sldId id="266" r:id="rId27"/>
-    <p:sldId id="267" r:id="rId28"/>
-    <p:sldId id="268" r:id="rId29"/>
-    <p:sldId id="269" r:id="rId30"/>
-    <p:sldId id="270" r:id="rId31"/>
-    <p:sldId id="271" r:id="rId32"/>
-    <p:sldId id="272" r:id="rId33"/>
-    <p:sldId id="273" r:id="rId34"/>
-    <p:sldId id="274" r:id="rId35"/>
-    <p:sldId id="275" r:id="rId36"/>
-    <p:sldId id="276" r:id="rId37"/>
-    <p:sldId id="277" r:id="rId38"/>
-    <p:sldId id="278" r:id="rId39"/>
-    <p:sldId id="279" r:id="rId40"/>
-    <p:sldId id="280" r:id="rId41"/>
-    <p:sldId id="281" r:id="rId42"/>
-    <p:sldId id="282" r:id="rId43"/>
-    <p:sldId id="283" r:id="rId44"/>
-    <p:sldId id="284" r:id="rId45"/>
-    <p:sldId id="285" r:id="rId46"/>
-    <p:sldId id="286" r:id="rId47"/>
-    <p:sldId id="287" r:id="rId48"/>
-    <p:sldId id="288" r:id="rId49"/>
-    <p:sldId id="289" r:id="rId50"/>
-    <p:sldId id="290" r:id="rId51"/>
-    <p:sldId id="291" r:id="rId52"/>
-    <p:sldId id="292" r:id="rId53"/>
-    <p:sldId id="293" r:id="rId54"/>
-    <p:sldId id="294" r:id="rId55"/>
-    <p:sldId id="295" r:id="rId56"/>
+    <p:sldId id="313" r:id="rId23"/>
+    <p:sldId id="308" r:id="rId24"/>
+    <p:sldId id="263" r:id="rId25"/>
+    <p:sldId id="264" r:id="rId26"/>
+    <p:sldId id="265" r:id="rId27"/>
+    <p:sldId id="266" r:id="rId28"/>
+    <p:sldId id="267" r:id="rId29"/>
+    <p:sldId id="268" r:id="rId30"/>
+    <p:sldId id="269" r:id="rId31"/>
+    <p:sldId id="270" r:id="rId32"/>
+    <p:sldId id="271" r:id="rId33"/>
+    <p:sldId id="272" r:id="rId34"/>
+    <p:sldId id="273" r:id="rId35"/>
+    <p:sldId id="274" r:id="rId36"/>
+    <p:sldId id="275" r:id="rId37"/>
+    <p:sldId id="276" r:id="rId38"/>
+    <p:sldId id="277" r:id="rId39"/>
+    <p:sldId id="278" r:id="rId40"/>
+    <p:sldId id="279" r:id="rId41"/>
+    <p:sldId id="280" r:id="rId42"/>
+    <p:sldId id="281" r:id="rId43"/>
+    <p:sldId id="282" r:id="rId44"/>
+    <p:sldId id="283" r:id="rId45"/>
+    <p:sldId id="284" r:id="rId46"/>
+    <p:sldId id="285" r:id="rId47"/>
+    <p:sldId id="286" r:id="rId48"/>
+    <p:sldId id="287" r:id="rId49"/>
+    <p:sldId id="288" r:id="rId50"/>
+    <p:sldId id="289" r:id="rId51"/>
+    <p:sldId id="290" r:id="rId52"/>
+    <p:sldId id="291" r:id="rId53"/>
+    <p:sldId id="292" r:id="rId54"/>
+    <p:sldId id="293" r:id="rId55"/>
+    <p:sldId id="294" r:id="rId56"/>
+    <p:sldId id="295" r:id="rId57"/>
   </p:sldIdLst>
   <p:sldSz cx="12192000" cy="6858000"/>
   <p:notesSz cx="6858000" cy="9144000"/>
   <p:embeddedFontLst>
     <p:embeddedFont>
       <p:font typeface="Crimson Text" panose="020B0604020202020204" charset="0"/>
-      <p:regular r:id="rId58"/>
-      <p:bold r:id="rId59"/>
-      <p:italic r:id="rId60"/>
-      <p:boldItalic r:id="rId61"/>
+      <p:regular r:id="rId59"/>
+      <p:bold r:id="rId60"/>
+      <p:italic r:id="rId61"/>
+      <p:boldItalic r:id="rId62"/>
     </p:embeddedFont>
     <p:embeddedFont>
       <p:font typeface="Amatic SC" panose="020B0604020202020204" charset="-79"/>
-      <p:regular r:id="rId62"/>
-      <p:bold r:id="rId63"/>
+      <p:regular r:id="rId63"/>
+      <p:bold r:id="rId64"/>
     </p:embeddedFont>
     <p:embeddedFont>
       <p:font typeface="Open Sans" panose="020B0604020202020204" charset="0"/>
-      <p:regular r:id="rId64"/>
-      <p:bold r:id="rId65"/>
-      <p:italic r:id="rId66"/>
-      <p:boldItalic r:id="rId67"/>
+      <p:regular r:id="rId65"/>
+      <p:bold r:id="rId66"/>
+      <p:italic r:id="rId67"/>
+      <p:boldItalic r:id="rId68"/>
     </p:embeddedFont>
     <p:embeddedFont>
       <p:font typeface="Calibri" panose="020F0502020204030204" pitchFamily="34" charset="0"/>
-      <p:regular r:id="rId68"/>
-      <p:bold r:id="rId69"/>
-      <p:italic r:id="rId70"/>
-      <p:boldItalic r:id="rId71"/>
+      <p:regular r:id="rId69"/>
+      <p:bold r:id="rId70"/>
+      <p:italic r:id="rId71"/>
+      <p:boldItalic r:id="rId72"/>
     </p:embeddedFont>
     <p:embeddedFont>
       <p:font typeface="Consolas" panose="020B0609020204030204" pitchFamily="49" charset="0"/>
-      <p:regular r:id="rId72"/>
-      <p:bold r:id="rId73"/>
-      <p:italic r:id="rId74"/>
-      <p:boldItalic r:id="rId75"/>
+      <p:regular r:id="rId73"/>
+      <p:bold r:id="rId74"/>
+      <p:italic r:id="rId75"/>
+      <p:boldItalic r:id="rId76"/>
     </p:embeddedFont>
   </p:embeddedFontLst>
   <p:defaultTextStyle>
@@ -13391,7 +13392,23 @@
             </a:pPr>
             <a:r>
               <a:rPr lang="cs-CZ" dirty="0" smtClean="0"/>
-              <a:t>Proměnné</a:t>
+              <a:t>Proměnné </a:t>
+            </a:r>
+            <a:r>
+              <a:rPr lang="en-US" dirty="0" smtClean="0"/>
+              <a:t>[</a:t>
+            </a:r>
+            <a:r>
+              <a:rPr lang="cs-CZ" dirty="0" err="1" smtClean="0"/>
+              <a:t>folder</a:t>
+            </a:r>
+            <a:r>
+              <a:rPr lang="cs-CZ" dirty="0" smtClean="0"/>
+              <a:t> </a:t>
+            </a:r>
+            <a:r>
+              <a:rPr lang="en-US" dirty="0" smtClean="0"/>
+              <a:t>2]</a:t>
             </a:r>
             <a:endParaRPr dirty="0"/>
           </a:p>
@@ -14780,6 +14797,26 @@
               <a:rPr lang="cs-CZ" dirty="0" smtClean="0"/>
               <a:t>Proměnné</a:t>
             </a:r>
+            <a:r>
+              <a:rPr lang="en-US" dirty="0" smtClean="0"/>
+              <a:t> </a:t>
+            </a:r>
+            <a:r>
+              <a:rPr lang="en-US" dirty="0" smtClean="0"/>
+              <a:t>[</a:t>
+            </a:r>
+            <a:r>
+              <a:rPr lang="cs-CZ" dirty="0" err="1" smtClean="0"/>
+              <a:t>folder</a:t>
+            </a:r>
+            <a:r>
+              <a:rPr lang="cs-CZ" dirty="0" smtClean="0"/>
+              <a:t> </a:t>
+            </a:r>
+            <a:r>
+              <a:rPr lang="en-US" dirty="0" smtClean="0"/>
+              <a:t>3]</a:t>
+            </a:r>
             <a:endParaRPr dirty="0"/>
           </a:p>
         </p:txBody>
@@ -15850,18 +15887,26 @@
           </a:bodyPr>
           <a:lstStyle/>
           <a:p>
-            <a:pPr marL="0" lvl="0" indent="0" algn="l" rtl="0">
-              <a:spcBef>
-                <a:spcPts val="0"/>
-              </a:spcBef>
-              <a:spcAft>
-                <a:spcPts val="0"/>
-              </a:spcAft>
-              <a:buNone/>
-            </a:pPr>
+            <a:pPr lvl="0"/>
             <a:r>
               <a:rPr lang="cs-CZ" dirty="0" smtClean="0"/>
               <a:t>Proměnné</a:t>
+            </a:r>
+            <a:r>
+              <a:rPr lang="en-US" dirty="0" smtClean="0"/>
+              <a:t> [</a:t>
+            </a:r>
+            <a:r>
+              <a:rPr lang="cs-CZ" dirty="0" err="1"/>
+              <a:t>folder</a:t>
+            </a:r>
+            <a:r>
+              <a:rPr lang="cs-CZ" dirty="0"/>
+              <a:t> </a:t>
+            </a:r>
+            <a:r>
+              <a:rPr lang="en-US" dirty="0" smtClean="0"/>
+              <a:t>4]</a:t>
             </a:r>
             <a:endParaRPr dirty="0"/>
           </a:p>
@@ -16707,18 +16752,26 @@
           </a:bodyPr>
           <a:lstStyle/>
           <a:p>
-            <a:pPr marL="0" lvl="0" indent="0" algn="l" rtl="0">
-              <a:spcBef>
-                <a:spcPts val="0"/>
-              </a:spcBef>
-              <a:spcAft>
-                <a:spcPts val="0"/>
-              </a:spcAft>
-              <a:buNone/>
-            </a:pPr>
-            <a:r>
-              <a:rPr lang="cs-CZ" dirty="0" smtClean="0"/>
+            <a:pPr lvl="0"/>
+            <a:r>
+              <a:rPr lang="cs-CZ" dirty="0"/>
               <a:t>Proměnné</a:t>
+            </a:r>
+            <a:r>
+              <a:rPr lang="en-US" dirty="0"/>
+              <a:t> [</a:t>
+            </a:r>
+            <a:r>
+              <a:rPr lang="cs-CZ" dirty="0" err="1"/>
+              <a:t>folder</a:t>
+            </a:r>
+            <a:r>
+              <a:rPr lang="cs-CZ" dirty="0"/>
+              <a:t> </a:t>
+            </a:r>
+            <a:r>
+              <a:rPr lang="en-US" dirty="0"/>
+              <a:t>4]</a:t>
             </a:r>
             <a:endParaRPr dirty="0"/>
           </a:p>
@@ -17658,8 +17711,8 @@
         </p:nvSpPr>
         <p:spPr>
           <a:xfrm>
-            <a:off x="1343472" y="3264272"/>
-            <a:ext cx="9649072" cy="2540992"/>
+            <a:off x="1343472" y="2996952"/>
+            <a:ext cx="9649072" cy="2808312"/>
           </a:xfrm>
           <a:prstGeom prst="rect">
             <a:avLst/>
@@ -17681,8 +17734,56 @@
               </a:lnSpc>
             </a:pPr>
             <a:r>
+              <a:rPr lang="en-US" sz="3000" b="1" dirty="0" smtClean="0">
+                <a:solidFill>
+                  <a:schemeClr val="bg1">
+                    <a:lumMod val="50000"/>
+                  </a:schemeClr>
+                </a:solidFill>
+                <a:latin typeface="Consolas"/>
+                <a:ea typeface="Consolas"/>
+                <a:cs typeface="Consolas"/>
+                <a:sym typeface="Consolas"/>
+              </a:rPr>
+              <a:t>//</a:t>
+            </a:r>
+            <a:r>
               <a:rPr lang="cs-CZ" sz="3000" b="1" dirty="0" smtClean="0">
                 <a:solidFill>
+                  <a:schemeClr val="bg1">
+                    <a:lumMod val="50000"/>
+                  </a:schemeClr>
+                </a:solidFill>
+                <a:latin typeface="Consolas"/>
+                <a:ea typeface="Consolas"/>
+                <a:cs typeface="Consolas"/>
+                <a:sym typeface="Consolas"/>
+              </a:rPr>
+              <a:t>příklady příkazů</a:t>
+            </a:r>
+            <a:endParaRPr lang="en-US" sz="3000" b="1" dirty="0" smtClean="0">
+              <a:solidFill>
+                <a:schemeClr val="bg1">
+                  <a:lumMod val="50000"/>
+                </a:schemeClr>
+              </a:solidFill>
+              <a:latin typeface="Consolas"/>
+              <a:ea typeface="Consolas"/>
+              <a:cs typeface="Consolas"/>
+              <a:sym typeface="Consolas"/>
+            </a:endParaRPr>
+          </a:p>
+          <a:p>
+            <a:pPr marL="457200" lvl="0" indent="-457200">
+              <a:lnSpc>
+                <a:spcPct val="115000"/>
+              </a:lnSpc>
+              <a:buFont typeface="Arial" panose="020B0604020202020204" pitchFamily="34" charset="0"/>
+              <a:buChar char="•"/>
+            </a:pPr>
+            <a:r>
+              <a:rPr lang="cs-CZ" sz="3000" b="1" dirty="0" smtClean="0">
+                <a:solidFill>
                   <a:schemeClr val="accent3"/>
                 </a:solidFill>
                 <a:latin typeface="Consolas"/>
@@ -17690,7 +17791,19 @@
                 <a:cs typeface="Consolas"/>
                 <a:sym typeface="Consolas"/>
               </a:rPr>
-              <a:t>prompt(</a:t>
+              <a:t>prompt</a:t>
+            </a:r>
+            <a:r>
+              <a:rPr lang="cs-CZ" sz="3000" b="1" dirty="0" smtClean="0">
+                <a:solidFill>
+                  <a:schemeClr val="accent3"/>
+                </a:solidFill>
+                <a:latin typeface="Consolas"/>
+                <a:ea typeface="Consolas"/>
+                <a:cs typeface="Consolas"/>
+                <a:sym typeface="Consolas"/>
+              </a:rPr>
+              <a:t>(</a:t>
             </a:r>
             <a:r>
               <a:rPr lang="en-US" sz="3000" b="1" dirty="0" smtClean="0">
@@ -17765,10 +17878,12 @@
             </a:endParaRPr>
           </a:p>
           <a:p>
-            <a:pPr>
+            <a:pPr marL="457200" indent="-457200">
               <a:lnSpc>
                 <a:spcPct val="115000"/>
               </a:lnSpc>
+              <a:buFont typeface="Arial" panose="020B0604020202020204" pitchFamily="34" charset="0"/>
+              <a:buChar char="•"/>
             </a:pPr>
             <a:r>
               <a:rPr lang="cs-CZ" sz="3000" b="1" dirty="0" err="1" smtClean="0">
@@ -17865,10 +17980,12 @@
             </a:endParaRPr>
           </a:p>
           <a:p>
-            <a:pPr lvl="0">
+            <a:pPr marL="457200" lvl="0" indent="-457200">
               <a:lnSpc>
                 <a:spcPct val="115000"/>
               </a:lnSpc>
+              <a:buFont typeface="Arial" panose="020B0604020202020204" pitchFamily="34" charset="0"/>
+              <a:buChar char="•"/>
             </a:pPr>
             <a:r>
               <a:rPr lang="cs-CZ" sz="3000" b="1" dirty="0" smtClean="0">
@@ -17931,10 +18048,12 @@
             </a:endParaRPr>
           </a:p>
           <a:p>
-            <a:pPr>
+            <a:pPr marL="457200" indent="-457200">
               <a:lnSpc>
                 <a:spcPct val="115000"/>
               </a:lnSpc>
+              <a:buFont typeface="Arial" panose="020B0604020202020204" pitchFamily="34" charset="0"/>
+              <a:buChar char="•"/>
             </a:pPr>
             <a:r>
               <a:rPr lang="cs-CZ" sz="3000" b="1" dirty="0" err="1" smtClean="0">
@@ -19086,6 +19205,13 @@
   <p:clrMapOvr>
     <a:masterClrMapping/>
   </p:clrMapOvr>
+  <p:timing>
+    <p:tnLst>
+      <p:par>
+        <p:cTn id="1" dur="indefinite" restart="never" nodeType="tmRoot"/>
+      </p:par>
+    </p:tnLst>
+  </p:timing>
 </p:sld>
 </file>
 
@@ -19427,6 +19553,13 @@
   <p:clrMapOvr>
     <a:masterClrMapping/>
   </p:clrMapOvr>
+  <p:timing>
+    <p:tnLst>
+      <p:par>
+        <p:cTn id="1" dur="indefinite" restart="never" nodeType="tmRoot"/>
+      </p:par>
+    </p:tnLst>
+  </p:timing>
 </p:sld>
 </file>
 
@@ -19483,7 +19616,23 @@
             </a:pPr>
             <a:r>
               <a:rPr lang="cs-CZ" dirty="0" smtClean="0"/>
-              <a:t>Podmínky</a:t>
+              <a:t>Podmínky </a:t>
+            </a:r>
+            <a:r>
+              <a:rPr lang="en-US" dirty="0" smtClean="0"/>
+              <a:t>[</a:t>
+            </a:r>
+            <a:r>
+              <a:rPr lang="cs-CZ" dirty="0" err="1" smtClean="0"/>
+              <a:t>folder</a:t>
+            </a:r>
+            <a:r>
+              <a:rPr lang="cs-CZ" dirty="0" smtClean="0"/>
+              <a:t> 5</a:t>
+            </a:r>
+            <a:r>
+              <a:rPr lang="en-US" dirty="0" smtClean="0"/>
+              <a:t>]</a:t>
             </a:r>
             <a:endParaRPr dirty="0"/>
           </a:p>
@@ -19766,6 +19915,27 @@
               </a:rPr>
               <a:t>)</a:t>
             </a:r>
+            <a:r>
+              <a:rPr lang="cs-CZ" sz="3000" b="1" dirty="0" smtClean="0">
+                <a:solidFill>
+                  <a:schemeClr val="tx1"/>
+                </a:solidFill>
+                <a:latin typeface="Consolas"/>
+                <a:ea typeface="Consolas"/>
+                <a:cs typeface="Consolas"/>
+                <a:sym typeface="Consolas"/>
+              </a:rPr>
+              <a:t>;</a:t>
+            </a:r>
+            <a:endParaRPr lang="cs-CZ" sz="3000" b="1" dirty="0" smtClean="0">
+              <a:solidFill>
+                <a:schemeClr val="tx1"/>
+              </a:solidFill>
+              <a:latin typeface="Consolas"/>
+              <a:ea typeface="Consolas"/>
+              <a:cs typeface="Consolas"/>
+              <a:sym typeface="Consolas"/>
+            </a:endParaRPr>
           </a:p>
           <a:p>
             <a:pPr lvl="0">
@@ -19888,21 +20058,9 @@
               <a:t>=== </a:t>
             </a:r>
             <a:r>
-              <a:rPr lang="en-US" sz="3000" b="1" dirty="0" smtClean="0">
-                <a:solidFill>
-                  <a:srgbClr val="6AA84F"/>
-                </a:solidFill>
-                <a:latin typeface="Consolas"/>
-                <a:ea typeface="Consolas"/>
-                <a:cs typeface="Consolas"/>
-                <a:sym typeface="Consolas"/>
-              </a:rPr>
-              <a:t>"</a:t>
-            </a:r>
-            <a:r>
               <a:rPr lang="cs-CZ" sz="3000" b="1" dirty="0" smtClean="0">
                 <a:solidFill>
-                  <a:srgbClr val="6AA84F"/>
+                  <a:schemeClr val="accent2"/>
                 </a:solidFill>
                 <a:latin typeface="Consolas"/>
                 <a:ea typeface="Consolas"/>
@@ -19912,32 +20070,20 @@
               <a:t>6</a:t>
             </a:r>
             <a:r>
-              <a:rPr lang="en-US" sz="3000" b="1" dirty="0" smtClean="0">
-                <a:solidFill>
-                  <a:srgbClr val="6AA84F"/>
-                </a:solidFill>
-                <a:latin typeface="Consolas"/>
-                <a:ea typeface="Consolas"/>
-                <a:cs typeface="Consolas"/>
-                <a:sym typeface="Consolas"/>
-              </a:rPr>
-              <a:t>"</a:t>
+              <a:rPr lang="cs-CZ" sz="3000" b="1" dirty="0" smtClean="0">
+                <a:solidFill>
+                  <a:schemeClr val="accent3"/>
+                </a:solidFill>
+                <a:latin typeface="Consolas"/>
+                <a:ea typeface="Consolas"/>
+                <a:cs typeface="Consolas"/>
+                <a:sym typeface="Consolas"/>
+              </a:rPr>
+              <a:t>) </a:t>
             </a:r>
             <a:r>
               <a:rPr lang="cs-CZ" sz="3000" b="1" dirty="0">
                 <a:solidFill>
-                  <a:schemeClr val="accent3"/>
-                </a:solidFill>
-                <a:latin typeface="Consolas"/>
-                <a:ea typeface="Consolas"/>
-                <a:cs typeface="Consolas"/>
-                <a:sym typeface="Consolas"/>
-              </a:rPr>
-              <a:t>) </a:t>
-            </a:r>
-            <a:r>
-              <a:rPr lang="cs-CZ" sz="3000" b="1" dirty="0">
-                <a:solidFill>
                   <a:schemeClr val="accent1"/>
                 </a:solidFill>
                 <a:latin typeface="Consolas"/>
@@ -19949,7 +20095,7 @@
             </a:r>
           </a:p>
           <a:p>
-            <a:pPr lvl="0">
+            <a:pPr>
               <a:lnSpc>
                 <a:spcPct val="115000"/>
               </a:lnSpc>
@@ -20037,6 +20183,18 @@
                 <a:sym typeface="Consolas"/>
               </a:rPr>
               <a:t>)</a:t>
+            </a:r>
+            <a:r>
+              <a:rPr lang="cs-CZ" sz="3000" b="1" dirty="0" smtClean="0">
+                <a:solidFill>
+                  <a:schemeClr val="tx1"/>
+                </a:solidFill>
+                <a:latin typeface="Consolas"/>
+                <a:ea typeface="Consolas"/>
+                <a:cs typeface="Consolas"/>
+                <a:sym typeface="Consolas"/>
+              </a:rPr>
+              <a:t>;</a:t>
             </a:r>
             <a:endParaRPr lang="cs-CZ" sz="3000" b="1" dirty="0">
               <a:solidFill>
@@ -20092,7 +20250,7 @@
             </a:r>
           </a:p>
           <a:p>
-            <a:pPr>
+            <a:pPr lvl="0">
               <a:lnSpc>
                 <a:spcPct val="115000"/>
               </a:lnSpc>
@@ -20252,6 +20410,18 @@
                 <a:sym typeface="Consolas"/>
               </a:rPr>
               <a:t>)</a:t>
+            </a:r>
+            <a:r>
+              <a:rPr lang="cs-CZ" sz="3000" b="1" dirty="0" smtClean="0">
+                <a:solidFill>
+                  <a:schemeClr val="tx1"/>
+                </a:solidFill>
+                <a:latin typeface="Consolas"/>
+                <a:ea typeface="Consolas"/>
+                <a:cs typeface="Consolas"/>
+                <a:sym typeface="Consolas"/>
+              </a:rPr>
+              <a:t>;</a:t>
             </a:r>
             <a:endParaRPr lang="cs-CZ" sz="3000" b="1" dirty="0" smtClean="0">
               <a:solidFill>
@@ -20371,18 +20541,30 @@
           </a:bodyPr>
           <a:lstStyle/>
           <a:p>
-            <a:pPr marL="0" lvl="0" indent="0" algn="l" rtl="0">
-              <a:spcBef>
-                <a:spcPts val="0"/>
-              </a:spcBef>
-              <a:spcAft>
-                <a:spcPts val="0"/>
-              </a:spcAft>
-              <a:buNone/>
-            </a:pPr>
+            <a:pPr lvl="0"/>
             <a:r>
               <a:rPr lang="cs-CZ" dirty="0" smtClean="0"/>
-              <a:t>Podmínky</a:t>
+              <a:t>Podmínky </a:t>
+            </a:r>
+            <a:r>
+              <a:rPr lang="en-US" dirty="0"/>
+              <a:t>[</a:t>
+            </a:r>
+            <a:r>
+              <a:rPr lang="cs-CZ" dirty="0" err="1"/>
+              <a:t>folder</a:t>
+            </a:r>
+            <a:r>
+              <a:rPr lang="cs-CZ" dirty="0"/>
+              <a:t> </a:t>
+            </a:r>
+            <a:r>
+              <a:rPr lang="cs-CZ" dirty="0" smtClean="0"/>
+              <a:t>6</a:t>
+            </a:r>
+            <a:r>
+              <a:rPr lang="en-US" dirty="0" smtClean="0"/>
+              <a:t>]</a:t>
             </a:r>
             <a:endParaRPr dirty="0"/>
           </a:p>
@@ -20493,6 +20675,18 @@
             <a:r>
               <a:rPr lang="cs-CZ" sz="3000" b="1" dirty="0" smtClean="0">
                 <a:solidFill>
+                  <a:srgbClr val="283891"/>
+                </a:solidFill>
+                <a:latin typeface="Consolas"/>
+                <a:ea typeface="Consolas"/>
+                <a:cs typeface="Consolas"/>
+                <a:sym typeface="Consolas"/>
+              </a:rPr>
+              <a:t>5</a:t>
+            </a:r>
+            <a:r>
+              <a:rPr lang="en-US" sz="3000" b="1" dirty="0" smtClean="0">
+                <a:solidFill>
                   <a:schemeClr val="accent6"/>
                 </a:solidFill>
                 <a:latin typeface="Consolas"/>
@@ -20500,22 +20694,22 @@
                 <a:cs typeface="Consolas"/>
                 <a:sym typeface="Consolas"/>
               </a:rPr>
+              <a:t>000</a:t>
+            </a:r>
+            <a:r>
+              <a:rPr lang="cs-CZ" sz="3000" b="1" smtClean="0">
+                <a:solidFill>
+                  <a:schemeClr val="accent6"/>
+                </a:solidFill>
+                <a:latin typeface="Consolas"/>
+                <a:ea typeface="Consolas"/>
+                <a:cs typeface="Consolas"/>
+                <a:sym typeface="Consolas"/>
+              </a:rPr>
               <a:t>1</a:t>
             </a:r>
             <a:r>
-              <a:rPr lang="en-US" sz="3000" b="1" dirty="0" smtClean="0">
-                <a:solidFill>
-                  <a:schemeClr val="accent6"/>
-                </a:solidFill>
-                <a:latin typeface="Consolas"/>
-                <a:ea typeface="Consolas"/>
-                <a:cs typeface="Consolas"/>
-                <a:sym typeface="Consolas"/>
-              </a:rPr>
-              <a:t>00000</a:t>
-            </a:r>
-            <a:r>
-              <a:rPr lang="cs-CZ" sz="3000" b="1" dirty="0" smtClean="0">
+              <a:rPr lang="cs-CZ" sz="3000" b="1" smtClean="0">
                 <a:solidFill>
                   <a:schemeClr val="accent3"/>
                 </a:solidFill>
@@ -21344,31 +21538,7 @@
                 <a:cs typeface="Consolas"/>
                 <a:sym typeface="Consolas"/>
               </a:rPr>
-              <a:t>Něco je </a:t>
-            </a:r>
-            <a:r>
-              <a:rPr lang="cs-CZ" sz="3000" b="1" smtClean="0">
-                <a:solidFill>
-                  <a:srgbClr val="6AA84F"/>
-                </a:solidFill>
-                <a:latin typeface="Consolas"/>
-                <a:ea typeface="Consolas"/>
-                <a:cs typeface="Consolas"/>
-                <a:sym typeface="Consolas"/>
-              </a:rPr>
-              <a:t>velice špatně </a:t>
-            </a:r>
-            <a:r>
-              <a:rPr lang="cs-CZ" sz="3000" b="1" dirty="0" smtClean="0">
-                <a:solidFill>
-                  <a:srgbClr val="6AA84F"/>
-                </a:solidFill>
-                <a:latin typeface="Consolas"/>
-                <a:ea typeface="Consolas"/>
-                <a:cs typeface="Consolas"/>
-                <a:sym typeface="Consolas"/>
-              </a:rPr>
-              <a:t>:-( </a:t>
+              <a:t>Něco je velice špatně :-( </a:t>
             </a:r>
             <a:r>
               <a:rPr lang="en-US" sz="3000" b="1" dirty="0" smtClean="0">
@@ -21467,6 +21637,108 @@
 </file>
 
 <file path=ppt/slides/slide22.xml><?xml version="1.0" encoding="utf-8"?>
+<p:sld xmlns:a="http://schemas.openxmlformats.org/drawingml/2006/main" xmlns:r="http://schemas.openxmlformats.org/officeDocument/2006/relationships" xmlns:p="http://schemas.openxmlformats.org/presentationml/2006/main">
+  <p:cSld>
+    <p:spTree>
+      <p:nvGrpSpPr>
+        <p:cNvPr id="1" name=""/>
+        <p:cNvGrpSpPr/>
+        <p:nvPr/>
+      </p:nvGrpSpPr>
+      <p:grpSpPr>
+        <a:xfrm>
+          <a:off x="0" y="0"/>
+          <a:ext cx="0" cy="0"/>
+          <a:chOff x="0" y="0"/>
+          <a:chExt cx="0" cy="0"/>
+        </a:xfrm>
+      </p:grpSpPr>
+      <p:sp>
+        <p:nvSpPr>
+          <p:cNvPr id="3" name="Nadpis 2"/>
+          <p:cNvSpPr>
+            <a:spLocks noGrp="1"/>
+          </p:cNvSpPr>
+          <p:nvPr>
+            <p:ph type="title"/>
+          </p:nvPr>
+        </p:nvSpPr>
+        <p:spPr/>
+        <p:txBody>
+          <a:bodyPr/>
+          <a:lstStyle/>
+          <a:p>
+            <a:r>
+              <a:rPr lang="cs-CZ" dirty="0" smtClean="0"/>
+              <a:t>Podmínky</a:t>
+            </a:r>
+            <a:endParaRPr lang="cs-CZ" dirty="0"/>
+          </a:p>
+        </p:txBody>
+      </p:sp>
+      <p:sp>
+        <p:nvSpPr>
+          <p:cNvPr id="4" name="Zástupný symbol pro text 3"/>
+          <p:cNvSpPr>
+            <a:spLocks noGrp="1"/>
+          </p:cNvSpPr>
+          <p:nvPr>
+            <p:ph type="body" idx="1"/>
+          </p:nvPr>
+        </p:nvSpPr>
+        <p:spPr/>
+        <p:txBody>
+          <a:bodyPr/>
+          <a:lstStyle/>
+          <a:p>
+            <a:r>
+              <a:rPr lang="cs-CZ" dirty="0" smtClean="0"/>
+              <a:t>V podmínkách můžeme používat logické operátory:</a:t>
+            </a:r>
+          </a:p>
+          <a:p>
+            <a:pPr lvl="1"/>
+            <a:r>
+              <a:rPr lang="cs-CZ" dirty="0" err="1" smtClean="0"/>
+              <a:t>proměnnáA</a:t>
+            </a:r>
+            <a:r>
+              <a:rPr lang="cs-CZ" dirty="0" smtClean="0"/>
+              <a:t> a zároveň </a:t>
+            </a:r>
+            <a:r>
+              <a:rPr lang="cs-CZ" dirty="0" err="1" smtClean="0"/>
+              <a:t>proměnnáB</a:t>
+            </a:r>
+            <a:r>
+              <a:rPr lang="cs-CZ" dirty="0" smtClean="0"/>
+              <a:t> </a:t>
+            </a:r>
+            <a:endParaRPr lang="cs-CZ" dirty="0"/>
+          </a:p>
+        </p:txBody>
+      </p:sp>
+    </p:spTree>
+    <p:extLst>
+      <p:ext uri="{BB962C8B-B14F-4D97-AF65-F5344CB8AC3E}">
+        <p14:creationId xmlns:p14="http://schemas.microsoft.com/office/powerpoint/2010/main" val="3926805760"/>
+      </p:ext>
+    </p:extLst>
+  </p:cSld>
+  <p:clrMapOvr>
+    <a:masterClrMapping/>
+  </p:clrMapOvr>
+  <p:timing>
+    <p:tnLst>
+      <p:par>
+        <p:cTn id="1" dur="indefinite" restart="never" nodeType="tmRoot"/>
+      </p:par>
+    </p:tnLst>
+  </p:timing>
+</p:sld>
+</file>
+
+<file path=ppt/slides/slide23.xml><?xml version="1.0" encoding="utf-8"?>
 <p:sld xmlns:a="http://schemas.openxmlformats.org/drawingml/2006/main" xmlns:r="http://schemas.openxmlformats.org/officeDocument/2006/relationships" xmlns:p="http://schemas.openxmlformats.org/presentationml/2006/main">
   <p:cSld>
     <p:spTree>
@@ -21554,7 +21826,7 @@
 </p:sld>
 </file>
 
-<file path=ppt/slides/slide23.xml><?xml version="1.0" encoding="utf-8"?>
+<file path=ppt/slides/slide24.xml><?xml version="1.0" encoding="utf-8"?>
 <p:sld xmlns:a="http://schemas.openxmlformats.org/drawingml/2006/main" xmlns:r="http://schemas.openxmlformats.org/officeDocument/2006/relationships" xmlns:p="http://schemas.openxmlformats.org/presentationml/2006/main">
   <p:cSld>
     <p:spTree>
@@ -21706,7 +21978,7 @@
 </p:sld>
 </file>
 
-<file path=ppt/slides/slide24.xml><?xml version="1.0" encoding="utf-8"?>
+<file path=ppt/slides/slide25.xml><?xml version="1.0" encoding="utf-8"?>
 <p:sld xmlns:a="http://schemas.openxmlformats.org/drawingml/2006/main" xmlns:r="http://schemas.openxmlformats.org/officeDocument/2006/relationships" xmlns:p="http://schemas.openxmlformats.org/presentationml/2006/main">
   <p:cSld>
     <p:spTree>
@@ -21789,7 +22061,7 @@
 </p:sld>
 </file>
 
-<file path=ppt/slides/slide25.xml><?xml version="1.0" encoding="utf-8"?>
+<file path=ppt/slides/slide26.xml><?xml version="1.0" encoding="utf-8"?>
 <p:sld xmlns:a="http://schemas.openxmlformats.org/drawingml/2006/main" xmlns:r="http://schemas.openxmlformats.org/officeDocument/2006/relationships" xmlns:p="http://schemas.openxmlformats.org/presentationml/2006/main">
   <p:cSld>
     <p:spTree>
@@ -21933,7 +22205,7 @@
 </p:sld>
 </file>
 
-<file path=ppt/slides/slide26.xml><?xml version="1.0" encoding="utf-8"?>
+<file path=ppt/slides/slide27.xml><?xml version="1.0" encoding="utf-8"?>
 <p:sld xmlns:a="http://schemas.openxmlformats.org/drawingml/2006/main" xmlns:r="http://schemas.openxmlformats.org/officeDocument/2006/relationships" xmlns:p="http://schemas.openxmlformats.org/presentationml/2006/main">
   <p:cSld>
     <p:spTree>
@@ -22468,7 +22740,7 @@
 </p:sld>
 </file>
 
-<file path=ppt/slides/slide27.xml><?xml version="1.0" encoding="utf-8"?>
+<file path=ppt/slides/slide28.xml><?xml version="1.0" encoding="utf-8"?>
 <p:sld xmlns:a="http://schemas.openxmlformats.org/drawingml/2006/main" xmlns:r="http://schemas.openxmlformats.org/officeDocument/2006/relationships" xmlns:p="http://schemas.openxmlformats.org/presentationml/2006/main">
   <p:cSld>
     <p:spTree>
@@ -22982,7 +23254,7 @@
 </p:sld>
 </file>
 
-<file path=ppt/slides/slide28.xml><?xml version="1.0" encoding="utf-8"?>
+<file path=ppt/slides/slide29.xml><?xml version="1.0" encoding="utf-8"?>
 <p:sld xmlns:a="http://schemas.openxmlformats.org/drawingml/2006/main" xmlns:r="http://schemas.openxmlformats.org/officeDocument/2006/relationships" xmlns:p="http://schemas.openxmlformats.org/presentationml/2006/main">
   <p:cSld>
     <p:spTree>
@@ -23054,280 +23326,6 @@
               <a:t>Aneb konečně bude nějaká akce!</a:t>
             </a:r>
             <a:endParaRPr sz="3600"/>
-          </a:p>
-        </p:txBody>
-      </p:sp>
-    </p:spTree>
-  </p:cSld>
-  <p:clrMapOvr>
-    <a:masterClrMapping/>
-  </p:clrMapOvr>
-</p:sld>
-</file>
-
-<file path=ppt/slides/slide29.xml><?xml version="1.0" encoding="utf-8"?>
-<p:sld xmlns:a="http://schemas.openxmlformats.org/drawingml/2006/main" xmlns:r="http://schemas.openxmlformats.org/officeDocument/2006/relationships" xmlns:p="http://schemas.openxmlformats.org/presentationml/2006/main">
-  <p:cSld>
-    <p:spTree>
-      <p:nvGrpSpPr>
-        <p:cNvPr id="1" name="Shape 138"/>
-        <p:cNvGrpSpPr/>
-        <p:nvPr/>
-      </p:nvGrpSpPr>
-      <p:grpSpPr>
-        <a:xfrm>
-          <a:off x="0" y="0"/>
-          <a:ext cx="0" cy="0"/>
-          <a:chOff x="0" y="0"/>
-          <a:chExt cx="0" cy="0"/>
-        </a:xfrm>
-      </p:grpSpPr>
-      <p:sp>
-        <p:nvSpPr>
-          <p:cNvPr id="139" name="Google Shape;139;p28"/>
-          <p:cNvSpPr txBox="1">
-            <a:spLocks noGrp="1"/>
-          </p:cNvSpPr>
-          <p:nvPr>
-            <p:ph type="title" idx="4294967295"/>
-          </p:nvPr>
-        </p:nvSpPr>
-        <p:spPr>
-          <a:xfrm>
-            <a:off x="964660" y="528469"/>
-            <a:ext cx="8325300" cy="821700"/>
-          </a:xfrm>
-          <a:prstGeom prst="rect">
-            <a:avLst/>
-          </a:prstGeom>
-        </p:spPr>
-        <p:txBody>
-          <a:bodyPr spcFirstLastPara="1" wrap="square" lIns="91425" tIns="91425" rIns="91425" bIns="91425" anchor="ctr" anchorCtr="0">
-            <a:noAutofit/>
-          </a:bodyPr>
-          <a:lstStyle/>
-          <a:p>
-            <a:pPr marL="0" lvl="0" indent="0" algn="l" rtl="0">
-              <a:spcBef>
-                <a:spcPts val="0"/>
-              </a:spcBef>
-              <a:spcAft>
-                <a:spcPts val="0"/>
-              </a:spcAft>
-              <a:buNone/>
-            </a:pPr>
-            <a:r>
-              <a:rPr lang="en-US"/>
-              <a:t>Měníme vlastnosti značky</a:t>
-            </a:r>
-            <a:endParaRPr/>
-          </a:p>
-        </p:txBody>
-      </p:sp>
-      <p:sp>
-        <p:nvSpPr>
-          <p:cNvPr id="140" name="Google Shape;140;p28"/>
-          <p:cNvSpPr txBox="1">
-            <a:spLocks noGrp="1"/>
-          </p:cNvSpPr>
-          <p:nvPr>
-            <p:ph type="body" idx="4294967295"/>
-          </p:nvPr>
-        </p:nvSpPr>
-        <p:spPr>
-          <a:xfrm>
-            <a:off x="964650" y="1378148"/>
-            <a:ext cx="10134600" cy="4992900"/>
-          </a:xfrm>
-          <a:prstGeom prst="rect">
-            <a:avLst/>
-          </a:prstGeom>
-        </p:spPr>
-        <p:txBody>
-          <a:bodyPr spcFirstLastPara="1" wrap="square" lIns="91425" tIns="91425" rIns="91425" bIns="91425" anchor="t" anchorCtr="0">
-            <a:noAutofit/>
-          </a:bodyPr>
-          <a:lstStyle/>
-          <a:p>
-            <a:pPr marL="0" lvl="0" indent="0" algn="l" rtl="0">
-              <a:lnSpc>
-                <a:spcPct val="115000"/>
-              </a:lnSpc>
-              <a:spcBef>
-                <a:spcPts val="0"/>
-              </a:spcBef>
-              <a:spcAft>
-                <a:spcPts val="0"/>
-              </a:spcAft>
-              <a:buNone/>
-            </a:pPr>
-            <a:r>
-              <a:rPr lang="en-US"/>
-              <a:t>Když jsem získal objekt značky na stránce pomocí </a:t>
-            </a:r>
-            <a:r>
-              <a:rPr lang="en-US" b="1"/>
-              <a:t>document.querySelector("...");</a:t>
-            </a:r>
-            <a:r>
-              <a:rPr lang="en-US"/>
-              <a:t> mohu v JavaScriptu</a:t>
-            </a:r>
-            <a:br>
-              <a:rPr lang="en-US"/>
-            </a:br>
-            <a:r>
-              <a:rPr lang="en-US"/>
-              <a:t>měnit jeho vlastnosti:</a:t>
-            </a:r>
-            <a:br>
-              <a:rPr lang="en-US"/>
-            </a:br>
-            <a:endParaRPr/>
-          </a:p>
-          <a:p>
-            <a:pPr marL="457200" lvl="0" indent="-406400" algn="l" rtl="0">
-              <a:lnSpc>
-                <a:spcPct val="115000"/>
-              </a:lnSpc>
-              <a:spcBef>
-                <a:spcPts val="1600"/>
-              </a:spcBef>
-              <a:spcAft>
-                <a:spcPts val="0"/>
-              </a:spcAft>
-              <a:buClr>
-                <a:schemeClr val="dk1"/>
-              </a:buClr>
-              <a:buSzPts val="2800"/>
-              <a:buFont typeface="Crimson Text"/>
-              <a:buChar char="●"/>
-            </a:pPr>
-            <a:r>
-              <a:rPr lang="en-US"/>
-              <a:t>Přímo nastavovat </a:t>
-            </a:r>
-            <a:r>
-              <a:rPr lang="en-US" b="1">
-                <a:solidFill>
-                  <a:schemeClr val="dk2"/>
-                </a:solidFill>
-              </a:rPr>
-              <a:t>CSS styly</a:t>
-            </a:r>
-            <a:endParaRPr b="1">
-              <a:solidFill>
-                <a:schemeClr val="dk2"/>
-              </a:solidFill>
-            </a:endParaRPr>
-          </a:p>
-          <a:p>
-            <a:pPr marL="457200" lvl="0" indent="-406400" algn="l" rtl="0">
-              <a:lnSpc>
-                <a:spcPct val="115000"/>
-              </a:lnSpc>
-              <a:spcBef>
-                <a:spcPts val="0"/>
-              </a:spcBef>
-              <a:spcAft>
-                <a:spcPts val="0"/>
-              </a:spcAft>
-              <a:buClr>
-                <a:schemeClr val="dk1"/>
-              </a:buClr>
-              <a:buSzPts val="2800"/>
-              <a:buFont typeface="Crimson Text"/>
-              <a:buChar char="●"/>
-            </a:pPr>
-            <a:r>
-              <a:rPr lang="en-US"/>
-              <a:t>Přidávat / odebírat </a:t>
-            </a:r>
-            <a:r>
-              <a:rPr lang="en-US" b="1">
-                <a:solidFill>
-                  <a:schemeClr val="dk2"/>
-                </a:solidFill>
-              </a:rPr>
-              <a:t>CSS třídy</a:t>
-            </a:r>
-            <a:endParaRPr b="1">
-              <a:solidFill>
-                <a:schemeClr val="dk2"/>
-              </a:solidFill>
-            </a:endParaRPr>
-          </a:p>
-          <a:p>
-            <a:pPr marL="457200" lvl="0" indent="-406400" algn="l" rtl="0">
-              <a:lnSpc>
-                <a:spcPct val="115000"/>
-              </a:lnSpc>
-              <a:spcBef>
-                <a:spcPts val="0"/>
-              </a:spcBef>
-              <a:spcAft>
-                <a:spcPts val="0"/>
-              </a:spcAft>
-              <a:buClr>
-                <a:schemeClr val="dk1"/>
-              </a:buClr>
-              <a:buSzPts val="2800"/>
-              <a:buFont typeface="Crimson Text"/>
-              <a:buChar char="●"/>
-            </a:pPr>
-            <a:r>
-              <a:rPr lang="en-US"/>
-              <a:t>Měnit </a:t>
-            </a:r>
-            <a:r>
-              <a:rPr lang="en-US" b="1">
-                <a:solidFill>
-                  <a:schemeClr val="dk2"/>
-                </a:solidFill>
-              </a:rPr>
-              <a:t>atributy</a:t>
-            </a:r>
-            <a:r>
-              <a:rPr lang="en-US"/>
-              <a:t> prvky</a:t>
-            </a:r>
-            <a:endParaRPr/>
-          </a:p>
-          <a:p>
-            <a:pPr marL="457200" lvl="0" indent="-406400" algn="l" rtl="0">
-              <a:lnSpc>
-                <a:spcPct val="115000"/>
-              </a:lnSpc>
-              <a:spcBef>
-                <a:spcPts val="0"/>
-              </a:spcBef>
-              <a:spcAft>
-                <a:spcPts val="0"/>
-              </a:spcAft>
-              <a:buClr>
-                <a:schemeClr val="dk1"/>
-              </a:buClr>
-              <a:buSzPts val="2800"/>
-              <a:buFont typeface="Crimson Text"/>
-              <a:buChar char="●"/>
-            </a:pPr>
-            <a:r>
-              <a:rPr lang="en-US"/>
-              <a:t>Měnit textový </a:t>
-            </a:r>
-            <a:r>
-              <a:rPr lang="en-US" b="1">
-                <a:solidFill>
-                  <a:schemeClr val="dk2"/>
-                </a:solidFill>
-              </a:rPr>
-              <a:t>obsah</a:t>
-            </a:r>
-            <a:r>
-              <a:rPr lang="en-US"/>
-              <a:t> prvku</a:t>
-            </a:r>
-            <a:endParaRPr/>
           </a:p>
         </p:txBody>
       </p:sp>
@@ -23661,10 +23659,291 @@
   <p:clrMapOvr>
     <a:masterClrMapping/>
   </p:clrMapOvr>
+  <p:timing>
+    <p:tnLst>
+      <p:par>
+        <p:cTn id="1" dur="indefinite" restart="never" nodeType="tmRoot"/>
+      </p:par>
+    </p:tnLst>
+  </p:timing>
 </p:sld>
 </file>
 
 <file path=ppt/slides/slide30.xml><?xml version="1.0" encoding="utf-8"?>
+<p:sld xmlns:a="http://schemas.openxmlformats.org/drawingml/2006/main" xmlns:r="http://schemas.openxmlformats.org/officeDocument/2006/relationships" xmlns:p="http://schemas.openxmlformats.org/presentationml/2006/main">
+  <p:cSld>
+    <p:spTree>
+      <p:nvGrpSpPr>
+        <p:cNvPr id="1" name="Shape 138"/>
+        <p:cNvGrpSpPr/>
+        <p:nvPr/>
+      </p:nvGrpSpPr>
+      <p:grpSpPr>
+        <a:xfrm>
+          <a:off x="0" y="0"/>
+          <a:ext cx="0" cy="0"/>
+          <a:chOff x="0" y="0"/>
+          <a:chExt cx="0" cy="0"/>
+        </a:xfrm>
+      </p:grpSpPr>
+      <p:sp>
+        <p:nvSpPr>
+          <p:cNvPr id="139" name="Google Shape;139;p28"/>
+          <p:cNvSpPr txBox="1">
+            <a:spLocks noGrp="1"/>
+          </p:cNvSpPr>
+          <p:nvPr>
+            <p:ph type="title" idx="4294967295"/>
+          </p:nvPr>
+        </p:nvSpPr>
+        <p:spPr>
+          <a:xfrm>
+            <a:off x="964660" y="528469"/>
+            <a:ext cx="8325300" cy="821700"/>
+          </a:xfrm>
+          <a:prstGeom prst="rect">
+            <a:avLst/>
+          </a:prstGeom>
+        </p:spPr>
+        <p:txBody>
+          <a:bodyPr spcFirstLastPara="1" wrap="square" lIns="91425" tIns="91425" rIns="91425" bIns="91425" anchor="ctr" anchorCtr="0">
+            <a:noAutofit/>
+          </a:bodyPr>
+          <a:lstStyle/>
+          <a:p>
+            <a:pPr marL="0" lvl="0" indent="0" algn="l" rtl="0">
+              <a:spcBef>
+                <a:spcPts val="0"/>
+              </a:spcBef>
+              <a:spcAft>
+                <a:spcPts val="0"/>
+              </a:spcAft>
+              <a:buNone/>
+            </a:pPr>
+            <a:r>
+              <a:rPr lang="en-US"/>
+              <a:t>Měníme vlastnosti značky</a:t>
+            </a:r>
+            <a:endParaRPr/>
+          </a:p>
+        </p:txBody>
+      </p:sp>
+      <p:sp>
+        <p:nvSpPr>
+          <p:cNvPr id="140" name="Google Shape;140;p28"/>
+          <p:cNvSpPr txBox="1">
+            <a:spLocks noGrp="1"/>
+          </p:cNvSpPr>
+          <p:nvPr>
+            <p:ph type="body" idx="4294967295"/>
+          </p:nvPr>
+        </p:nvSpPr>
+        <p:spPr>
+          <a:xfrm>
+            <a:off x="964650" y="1378148"/>
+            <a:ext cx="10134600" cy="4992900"/>
+          </a:xfrm>
+          <a:prstGeom prst="rect">
+            <a:avLst/>
+          </a:prstGeom>
+        </p:spPr>
+        <p:txBody>
+          <a:bodyPr spcFirstLastPara="1" wrap="square" lIns="91425" tIns="91425" rIns="91425" bIns="91425" anchor="t" anchorCtr="0">
+            <a:noAutofit/>
+          </a:bodyPr>
+          <a:lstStyle/>
+          <a:p>
+            <a:pPr marL="0" lvl="0" indent="0" algn="l" rtl="0">
+              <a:lnSpc>
+                <a:spcPct val="115000"/>
+              </a:lnSpc>
+              <a:spcBef>
+                <a:spcPts val="0"/>
+              </a:spcBef>
+              <a:spcAft>
+                <a:spcPts val="0"/>
+              </a:spcAft>
+              <a:buNone/>
+            </a:pPr>
+            <a:r>
+              <a:rPr lang="en-US"/>
+              <a:t>Když jsem získal objekt značky na stránce pomocí </a:t>
+            </a:r>
+            <a:r>
+              <a:rPr lang="en-US" b="1"/>
+              <a:t>document.querySelector("...");</a:t>
+            </a:r>
+            <a:r>
+              <a:rPr lang="en-US"/>
+              <a:t> mohu v JavaScriptu</a:t>
+            </a:r>
+            <a:br>
+              <a:rPr lang="en-US"/>
+            </a:br>
+            <a:r>
+              <a:rPr lang="en-US"/>
+              <a:t>měnit jeho vlastnosti:</a:t>
+            </a:r>
+            <a:br>
+              <a:rPr lang="en-US"/>
+            </a:br>
+            <a:endParaRPr/>
+          </a:p>
+          <a:p>
+            <a:pPr marL="457200" lvl="0" indent="-406400" algn="l" rtl="0">
+              <a:lnSpc>
+                <a:spcPct val="115000"/>
+              </a:lnSpc>
+              <a:spcBef>
+                <a:spcPts val="1600"/>
+              </a:spcBef>
+              <a:spcAft>
+                <a:spcPts val="0"/>
+              </a:spcAft>
+              <a:buClr>
+                <a:schemeClr val="dk1"/>
+              </a:buClr>
+              <a:buSzPts val="2800"/>
+              <a:buFont typeface="Crimson Text"/>
+              <a:buChar char="●"/>
+            </a:pPr>
+            <a:r>
+              <a:rPr lang="en-US"/>
+              <a:t>Přímo nastavovat </a:t>
+            </a:r>
+            <a:r>
+              <a:rPr lang="en-US" b="1">
+                <a:solidFill>
+                  <a:schemeClr val="dk2"/>
+                </a:solidFill>
+              </a:rPr>
+              <a:t>CSS styly</a:t>
+            </a:r>
+            <a:endParaRPr b="1">
+              <a:solidFill>
+                <a:schemeClr val="dk2"/>
+              </a:solidFill>
+            </a:endParaRPr>
+          </a:p>
+          <a:p>
+            <a:pPr marL="457200" lvl="0" indent="-406400" algn="l" rtl="0">
+              <a:lnSpc>
+                <a:spcPct val="115000"/>
+              </a:lnSpc>
+              <a:spcBef>
+                <a:spcPts val="0"/>
+              </a:spcBef>
+              <a:spcAft>
+                <a:spcPts val="0"/>
+              </a:spcAft>
+              <a:buClr>
+                <a:schemeClr val="dk1"/>
+              </a:buClr>
+              <a:buSzPts val="2800"/>
+              <a:buFont typeface="Crimson Text"/>
+              <a:buChar char="●"/>
+            </a:pPr>
+            <a:r>
+              <a:rPr lang="en-US"/>
+              <a:t>Přidávat / odebírat </a:t>
+            </a:r>
+            <a:r>
+              <a:rPr lang="en-US" b="1">
+                <a:solidFill>
+                  <a:schemeClr val="dk2"/>
+                </a:solidFill>
+              </a:rPr>
+              <a:t>CSS třídy</a:t>
+            </a:r>
+            <a:endParaRPr b="1">
+              <a:solidFill>
+                <a:schemeClr val="dk2"/>
+              </a:solidFill>
+            </a:endParaRPr>
+          </a:p>
+          <a:p>
+            <a:pPr marL="457200" lvl="0" indent="-406400" algn="l" rtl="0">
+              <a:lnSpc>
+                <a:spcPct val="115000"/>
+              </a:lnSpc>
+              <a:spcBef>
+                <a:spcPts val="0"/>
+              </a:spcBef>
+              <a:spcAft>
+                <a:spcPts val="0"/>
+              </a:spcAft>
+              <a:buClr>
+                <a:schemeClr val="dk1"/>
+              </a:buClr>
+              <a:buSzPts val="2800"/>
+              <a:buFont typeface="Crimson Text"/>
+              <a:buChar char="●"/>
+            </a:pPr>
+            <a:r>
+              <a:rPr lang="en-US"/>
+              <a:t>Měnit </a:t>
+            </a:r>
+            <a:r>
+              <a:rPr lang="en-US" b="1">
+                <a:solidFill>
+                  <a:schemeClr val="dk2"/>
+                </a:solidFill>
+              </a:rPr>
+              <a:t>atributy</a:t>
+            </a:r>
+            <a:r>
+              <a:rPr lang="en-US"/>
+              <a:t> prvky</a:t>
+            </a:r>
+            <a:endParaRPr/>
+          </a:p>
+          <a:p>
+            <a:pPr marL="457200" lvl="0" indent="-406400" algn="l" rtl="0">
+              <a:lnSpc>
+                <a:spcPct val="115000"/>
+              </a:lnSpc>
+              <a:spcBef>
+                <a:spcPts val="0"/>
+              </a:spcBef>
+              <a:spcAft>
+                <a:spcPts val="0"/>
+              </a:spcAft>
+              <a:buClr>
+                <a:schemeClr val="dk1"/>
+              </a:buClr>
+              <a:buSzPts val="2800"/>
+              <a:buFont typeface="Crimson Text"/>
+              <a:buChar char="●"/>
+            </a:pPr>
+            <a:r>
+              <a:rPr lang="en-US"/>
+              <a:t>Měnit textový </a:t>
+            </a:r>
+            <a:r>
+              <a:rPr lang="en-US" b="1">
+                <a:solidFill>
+                  <a:schemeClr val="dk2"/>
+                </a:solidFill>
+              </a:rPr>
+              <a:t>obsah</a:t>
+            </a:r>
+            <a:r>
+              <a:rPr lang="en-US"/>
+              <a:t> prvku</a:t>
+            </a:r>
+            <a:endParaRPr/>
+          </a:p>
+        </p:txBody>
+      </p:sp>
+    </p:spTree>
+  </p:cSld>
+  <p:clrMapOvr>
+    <a:masterClrMapping/>
+  </p:clrMapOvr>
+</p:sld>
+</file>
+
+<file path=ppt/slides/slide31.xml><?xml version="1.0" encoding="utf-8"?>
 <p:sld xmlns:a="http://schemas.openxmlformats.org/drawingml/2006/main" xmlns:r="http://schemas.openxmlformats.org/officeDocument/2006/relationships" xmlns:p="http://schemas.openxmlformats.org/presentationml/2006/main">
   <p:cSld>
     <p:spTree>
@@ -24284,7 +24563,7 @@
 </p:sld>
 </file>
 
-<file path=ppt/slides/slide31.xml><?xml version="1.0" encoding="utf-8"?>
+<file path=ppt/slides/slide32.xml><?xml version="1.0" encoding="utf-8"?>
 <p:sld xmlns:a="http://schemas.openxmlformats.org/drawingml/2006/main" xmlns:r="http://schemas.openxmlformats.org/officeDocument/2006/relationships" xmlns:p="http://schemas.openxmlformats.org/presentationml/2006/main">
   <p:cSld>
     <p:spTree>
@@ -24576,7 +24855,7 @@
 </p:sld>
 </file>
 
-<file path=ppt/slides/slide32.xml><?xml version="1.0" encoding="utf-8"?>
+<file path=ppt/slides/slide33.xml><?xml version="1.0" encoding="utf-8"?>
 <p:sld xmlns:a="http://schemas.openxmlformats.org/drawingml/2006/main" xmlns:r="http://schemas.openxmlformats.org/officeDocument/2006/relationships" xmlns:p="http://schemas.openxmlformats.org/presentationml/2006/main">
   <p:cSld>
     <p:spTree>
@@ -25234,7 +25513,7 @@
 </p:sld>
 </file>
 
-<file path=ppt/slides/slide33.xml><?xml version="1.0" encoding="utf-8"?>
+<file path=ppt/slides/slide34.xml><?xml version="1.0" encoding="utf-8"?>
 <p:sld xmlns:a="http://schemas.openxmlformats.org/drawingml/2006/main" xmlns:r="http://schemas.openxmlformats.org/officeDocument/2006/relationships" xmlns:p="http://schemas.openxmlformats.org/presentationml/2006/main">
   <p:cSld>
     <p:spTree>
@@ -25793,7 +26072,7 @@
 </p:sld>
 </file>
 
-<file path=ppt/slides/slide34.xml><?xml version="1.0" encoding="utf-8"?>
+<file path=ppt/slides/slide35.xml><?xml version="1.0" encoding="utf-8"?>
 <p:sld xmlns:a="http://schemas.openxmlformats.org/drawingml/2006/main" xmlns:r="http://schemas.openxmlformats.org/officeDocument/2006/relationships" xmlns:p="http://schemas.openxmlformats.org/presentationml/2006/main">
   <p:cSld>
     <p:spTree>
@@ -26356,7 +26635,7 @@
 </p:sld>
 </file>
 
-<file path=ppt/slides/slide35.xml><?xml version="1.0" encoding="utf-8"?>
+<file path=ppt/slides/slide36.xml><?xml version="1.0" encoding="utf-8"?>
 <p:sld xmlns:a="http://schemas.openxmlformats.org/drawingml/2006/main" xmlns:r="http://schemas.openxmlformats.org/officeDocument/2006/relationships" xmlns:p="http://schemas.openxmlformats.org/presentationml/2006/main">
   <p:cSld>
     <p:spTree>
@@ -26712,7 +26991,7 @@
 </p:sld>
 </file>
 
-<file path=ppt/slides/slide36.xml><?xml version="1.0" encoding="utf-8"?>
+<file path=ppt/slides/slide37.xml><?xml version="1.0" encoding="utf-8"?>
 <p:sld xmlns:a="http://schemas.openxmlformats.org/drawingml/2006/main" xmlns:r="http://schemas.openxmlformats.org/officeDocument/2006/relationships" xmlns:p="http://schemas.openxmlformats.org/presentationml/2006/main">
   <p:cSld>
     <p:spTree>
@@ -26903,7 +27182,7 @@
 </p:sld>
 </file>
 
-<file path=ppt/slides/slide37.xml><?xml version="1.0" encoding="utf-8"?>
+<file path=ppt/slides/slide38.xml><?xml version="1.0" encoding="utf-8"?>
 <p:sld xmlns:a="http://schemas.openxmlformats.org/drawingml/2006/main" xmlns:r="http://schemas.openxmlformats.org/officeDocument/2006/relationships" xmlns:p="http://schemas.openxmlformats.org/presentationml/2006/main">
   <p:cSld>
     <p:spTree>
@@ -26986,7 +27265,7 @@
 </p:sld>
 </file>
 
-<file path=ppt/slides/slide38.xml><?xml version="1.0" encoding="utf-8"?>
+<file path=ppt/slides/slide39.xml><?xml version="1.0" encoding="utf-8"?>
 <p:sld xmlns:a="http://schemas.openxmlformats.org/drawingml/2006/main" xmlns:r="http://schemas.openxmlformats.org/officeDocument/2006/relationships" xmlns:p="http://schemas.openxmlformats.org/presentationml/2006/main">
   <p:cSld>
     <p:spTree>
@@ -27441,89 +27720,6 @@
 </p:sld>
 </file>
 
-<file path=ppt/slides/slide39.xml><?xml version="1.0" encoding="utf-8"?>
-<p:sld xmlns:a="http://schemas.openxmlformats.org/drawingml/2006/main" xmlns:r="http://schemas.openxmlformats.org/officeDocument/2006/relationships" xmlns:p="http://schemas.openxmlformats.org/presentationml/2006/main">
-  <p:cSld>
-    <p:spTree>
-      <p:nvGrpSpPr>
-        <p:cNvPr id="1" name="Shape 236"/>
-        <p:cNvGrpSpPr/>
-        <p:nvPr/>
-      </p:nvGrpSpPr>
-      <p:grpSpPr>
-        <a:xfrm>
-          <a:off x="0" y="0"/>
-          <a:ext cx="0" cy="0"/>
-          <a:chOff x="0" y="0"/>
-          <a:chExt cx="0" cy="0"/>
-        </a:xfrm>
-      </p:grpSpPr>
-      <p:sp>
-        <p:nvSpPr>
-          <p:cNvPr id="237" name="Google Shape;237;p38"/>
-          <p:cNvSpPr txBox="1">
-            <a:spLocks noGrp="1"/>
-          </p:cNvSpPr>
-          <p:nvPr>
-            <p:ph type="title"/>
-          </p:nvPr>
-        </p:nvSpPr>
-        <p:spPr>
-          <a:xfrm>
-            <a:off x="1079770" y="1371600"/>
-            <a:ext cx="10029300" cy="4391100"/>
-          </a:xfrm>
-          <a:prstGeom prst="rect">
-            <a:avLst/>
-          </a:prstGeom>
-        </p:spPr>
-        <p:txBody>
-          <a:bodyPr spcFirstLastPara="1" wrap="square" lIns="91425" tIns="91425" rIns="91425" bIns="91425" anchor="ctr" anchorCtr="0">
-            <a:noAutofit/>
-          </a:bodyPr>
-          <a:lstStyle/>
-          <a:p>
-            <a:pPr marL="0" lvl="0" indent="0" algn="ctr" rtl="0">
-              <a:spcBef>
-                <a:spcPts val="0"/>
-              </a:spcBef>
-              <a:spcAft>
-                <a:spcPts val="0"/>
-              </a:spcAft>
-              <a:buNone/>
-            </a:pPr>
-            <a:r>
-              <a:rPr lang="en-US"/>
-              <a:t>Události</a:t>
-            </a:r>
-            <a:endParaRPr/>
-          </a:p>
-          <a:p>
-            <a:pPr marL="0" lvl="0" indent="0" algn="ctr" rtl="0">
-              <a:spcBef>
-                <a:spcPts val="0"/>
-              </a:spcBef>
-              <a:spcAft>
-                <a:spcPts val="0"/>
-              </a:spcAft>
-              <a:buNone/>
-            </a:pPr>
-            <a:r>
-              <a:rPr lang="en-US" sz="3600"/>
-              <a:t>kvůli tomu jsme si vykládali ty funkce!</a:t>
-            </a:r>
-            <a:endParaRPr sz="3600"/>
-          </a:p>
-        </p:txBody>
-      </p:sp>
-    </p:spTree>
-  </p:cSld>
-  <p:clrMapOvr>
-    <a:masterClrMapping/>
-  </p:clrMapOvr>
-</p:sld>
-</file>
-
 <file path=ppt/slides/slide4.xml><?xml version="1.0" encoding="utf-8"?>
 <p:sld xmlns:a="http://schemas.openxmlformats.org/drawingml/2006/main" xmlns:r="http://schemas.openxmlformats.org/officeDocument/2006/relationships" xmlns:p="http://schemas.openxmlformats.org/presentationml/2006/main">
   <p:cSld>
@@ -27850,6 +28046,89 @@
   <p:cSld>
     <p:spTree>
       <p:nvGrpSpPr>
+        <p:cNvPr id="1" name="Shape 236"/>
+        <p:cNvGrpSpPr/>
+        <p:nvPr/>
+      </p:nvGrpSpPr>
+      <p:grpSpPr>
+        <a:xfrm>
+          <a:off x="0" y="0"/>
+          <a:ext cx="0" cy="0"/>
+          <a:chOff x="0" y="0"/>
+          <a:chExt cx="0" cy="0"/>
+        </a:xfrm>
+      </p:grpSpPr>
+      <p:sp>
+        <p:nvSpPr>
+          <p:cNvPr id="237" name="Google Shape;237;p38"/>
+          <p:cNvSpPr txBox="1">
+            <a:spLocks noGrp="1"/>
+          </p:cNvSpPr>
+          <p:nvPr>
+            <p:ph type="title"/>
+          </p:nvPr>
+        </p:nvSpPr>
+        <p:spPr>
+          <a:xfrm>
+            <a:off x="1079770" y="1371600"/>
+            <a:ext cx="10029300" cy="4391100"/>
+          </a:xfrm>
+          <a:prstGeom prst="rect">
+            <a:avLst/>
+          </a:prstGeom>
+        </p:spPr>
+        <p:txBody>
+          <a:bodyPr spcFirstLastPara="1" wrap="square" lIns="91425" tIns="91425" rIns="91425" bIns="91425" anchor="ctr" anchorCtr="0">
+            <a:noAutofit/>
+          </a:bodyPr>
+          <a:lstStyle/>
+          <a:p>
+            <a:pPr marL="0" lvl="0" indent="0" algn="ctr" rtl="0">
+              <a:spcBef>
+                <a:spcPts val="0"/>
+              </a:spcBef>
+              <a:spcAft>
+                <a:spcPts val="0"/>
+              </a:spcAft>
+              <a:buNone/>
+            </a:pPr>
+            <a:r>
+              <a:rPr lang="en-US"/>
+              <a:t>Události</a:t>
+            </a:r>
+            <a:endParaRPr/>
+          </a:p>
+          <a:p>
+            <a:pPr marL="0" lvl="0" indent="0" algn="ctr" rtl="0">
+              <a:spcBef>
+                <a:spcPts val="0"/>
+              </a:spcBef>
+              <a:spcAft>
+                <a:spcPts val="0"/>
+              </a:spcAft>
+              <a:buNone/>
+            </a:pPr>
+            <a:r>
+              <a:rPr lang="en-US" sz="3600"/>
+              <a:t>kvůli tomu jsme si vykládali ty funkce!</a:t>
+            </a:r>
+            <a:endParaRPr sz="3600"/>
+          </a:p>
+        </p:txBody>
+      </p:sp>
+    </p:spTree>
+  </p:cSld>
+  <p:clrMapOvr>
+    <a:masterClrMapping/>
+  </p:clrMapOvr>
+</p:sld>
+</file>
+
+<file path=ppt/slides/slide41.xml><?xml version="1.0" encoding="utf-8"?>
+<p:sld xmlns:a="http://schemas.openxmlformats.org/drawingml/2006/main" xmlns:r="http://schemas.openxmlformats.org/officeDocument/2006/relationships" xmlns:p="http://schemas.openxmlformats.org/presentationml/2006/main">
+  <p:cSld>
+    <p:spTree>
+      <p:nvGrpSpPr>
         <p:cNvPr id="1" name="Shape 241"/>
         <p:cNvGrpSpPr/>
         <p:nvPr/>
@@ -28202,7 +28481,7 @@
 </p:sld>
 </file>
 
-<file path=ppt/slides/slide41.xml><?xml version="1.0" encoding="utf-8"?>
+<file path=ppt/slides/slide42.xml><?xml version="1.0" encoding="utf-8"?>
 <p:sld xmlns:a="http://schemas.openxmlformats.org/drawingml/2006/main" xmlns:r="http://schemas.openxmlformats.org/officeDocument/2006/relationships" xmlns:p="http://schemas.openxmlformats.org/presentationml/2006/main">
   <p:cSld>
     <p:spTree>
@@ -28692,7 +28971,7 @@
 </p:sld>
 </file>
 
-<file path=ppt/slides/slide42.xml><?xml version="1.0" encoding="utf-8"?>
+<file path=ppt/slides/slide43.xml><?xml version="1.0" encoding="utf-8"?>
 <p:sld xmlns:a="http://schemas.openxmlformats.org/drawingml/2006/main" xmlns:r="http://schemas.openxmlformats.org/officeDocument/2006/relationships" xmlns:p="http://schemas.openxmlformats.org/presentationml/2006/main">
   <p:cSld>
     <p:spTree>
@@ -29307,7 +29586,7 @@
 </p:sld>
 </file>
 
-<file path=ppt/slides/slide43.xml><?xml version="1.0" encoding="utf-8"?>
+<file path=ppt/slides/slide44.xml><?xml version="1.0" encoding="utf-8"?>
 <p:sld xmlns:a="http://schemas.openxmlformats.org/drawingml/2006/main" xmlns:r="http://schemas.openxmlformats.org/officeDocument/2006/relationships" xmlns:p="http://schemas.openxmlformats.org/presentationml/2006/main">
   <p:cSld>
     <p:spTree>
@@ -29390,7 +29669,7 @@
 </p:sld>
 </file>
 
-<file path=ppt/slides/slide44.xml><?xml version="1.0" encoding="utf-8"?>
+<file path=ppt/slides/slide45.xml><?xml version="1.0" encoding="utf-8"?>
 <p:sld xmlns:a="http://schemas.openxmlformats.org/drawingml/2006/main" xmlns:r="http://schemas.openxmlformats.org/officeDocument/2006/relationships" xmlns:p="http://schemas.openxmlformats.org/presentationml/2006/main">
   <p:cSld>
     <p:spTree>
@@ -29970,7 +30249,7 @@
 </p:sld>
 </file>
 
-<file path=ppt/slides/slide45.xml><?xml version="1.0" encoding="utf-8"?>
+<file path=ppt/slides/slide46.xml><?xml version="1.0" encoding="utf-8"?>
 <p:sld xmlns:a="http://schemas.openxmlformats.org/drawingml/2006/main" xmlns:r="http://schemas.openxmlformats.org/officeDocument/2006/relationships" xmlns:p="http://schemas.openxmlformats.org/presentationml/2006/main">
   <p:cSld>
     <p:spTree>
@@ -30561,7 +30840,7 @@
 </p:sld>
 </file>
 
-<file path=ppt/slides/slide46.xml><?xml version="1.0" encoding="utf-8"?>
+<file path=ppt/slides/slide47.xml><?xml version="1.0" encoding="utf-8"?>
 <p:sld xmlns:a="http://schemas.openxmlformats.org/drawingml/2006/main" xmlns:r="http://schemas.openxmlformats.org/officeDocument/2006/relationships" xmlns:p="http://schemas.openxmlformats.org/presentationml/2006/main">
   <p:cSld>
     <p:spTree>
@@ -30644,7 +30923,7 @@
 </p:sld>
 </file>
 
-<file path=ppt/slides/slide47.xml><?xml version="1.0" encoding="utf-8"?>
+<file path=ppt/slides/slide48.xml><?xml version="1.0" encoding="utf-8"?>
 <p:sld xmlns:a="http://schemas.openxmlformats.org/drawingml/2006/main" xmlns:r="http://schemas.openxmlformats.org/officeDocument/2006/relationships" xmlns:p="http://schemas.openxmlformats.org/presentationml/2006/main">
   <p:cSld>
     <p:spTree>
@@ -30879,7 +31158,7 @@
 </p:sld>
 </file>
 
-<file path=ppt/slides/slide48.xml><?xml version="1.0" encoding="utf-8"?>
+<file path=ppt/slides/slide49.xml><?xml version="1.0" encoding="utf-8"?>
 <p:sld xmlns:a="http://schemas.openxmlformats.org/drawingml/2006/main" xmlns:r="http://schemas.openxmlformats.org/officeDocument/2006/relationships" xmlns:p="http://schemas.openxmlformats.org/presentationml/2006/main">
   <p:cSld>
     <p:spTree>
@@ -31547,484 +31826,6 @@
 </p:sld>
 </file>
 
-<file path=ppt/slides/slide49.xml><?xml version="1.0" encoding="utf-8"?>
-<p:sld xmlns:a="http://schemas.openxmlformats.org/drawingml/2006/main" xmlns:r="http://schemas.openxmlformats.org/officeDocument/2006/relationships" xmlns:p="http://schemas.openxmlformats.org/presentationml/2006/main">
-  <p:cSld>
-    <p:spTree>
-      <p:nvGrpSpPr>
-        <p:cNvPr id="1" name="Shape 307"/>
-        <p:cNvGrpSpPr/>
-        <p:nvPr/>
-      </p:nvGrpSpPr>
-      <p:grpSpPr>
-        <a:xfrm>
-          <a:off x="0" y="0"/>
-          <a:ext cx="0" cy="0"/>
-          <a:chOff x="0" y="0"/>
-          <a:chExt cx="0" cy="0"/>
-        </a:xfrm>
-      </p:grpSpPr>
-      <p:sp>
-        <p:nvSpPr>
-          <p:cNvPr id="308" name="Google Shape;308;p48"/>
-          <p:cNvSpPr txBox="1">
-            <a:spLocks noGrp="1"/>
-          </p:cNvSpPr>
-          <p:nvPr>
-            <p:ph type="title" idx="4294967295"/>
-          </p:nvPr>
-        </p:nvSpPr>
-        <p:spPr>
-          <a:xfrm>
-            <a:off x="964660" y="528469"/>
-            <a:ext cx="8325300" cy="821700"/>
-          </a:xfrm>
-          <a:prstGeom prst="rect">
-            <a:avLst/>
-          </a:prstGeom>
-        </p:spPr>
-        <p:txBody>
-          <a:bodyPr spcFirstLastPara="1" wrap="square" lIns="91425" tIns="91425" rIns="91425" bIns="91425" anchor="ctr" anchorCtr="0">
-            <a:noAutofit/>
-          </a:bodyPr>
-          <a:lstStyle/>
-          <a:p>
-            <a:pPr marL="0" lvl="0" indent="0" algn="l" rtl="0">
-              <a:spcBef>
-                <a:spcPts val="0"/>
-              </a:spcBef>
-              <a:spcAft>
-                <a:spcPts val="0"/>
-              </a:spcAft>
-              <a:buNone/>
-            </a:pPr>
-            <a:r>
-              <a:rPr lang="en-US"/>
-              <a:t>Event object</a:t>
-            </a:r>
-            <a:endParaRPr/>
-          </a:p>
-        </p:txBody>
-      </p:sp>
-      <p:sp>
-        <p:nvSpPr>
-          <p:cNvPr id="309" name="Google Shape;309;p48"/>
-          <p:cNvSpPr txBox="1">
-            <a:spLocks noGrp="1"/>
-          </p:cNvSpPr>
-          <p:nvPr>
-            <p:ph type="body" idx="4294967295"/>
-          </p:nvPr>
-        </p:nvSpPr>
-        <p:spPr>
-          <a:xfrm>
-            <a:off x="964650" y="1489600"/>
-            <a:ext cx="10858200" cy="1345800"/>
-          </a:xfrm>
-          <a:prstGeom prst="rect">
-            <a:avLst/>
-          </a:prstGeom>
-        </p:spPr>
-        <p:txBody>
-          <a:bodyPr spcFirstLastPara="1" wrap="square" lIns="91425" tIns="91425" rIns="91425" bIns="91425" anchor="t" anchorCtr="0">
-            <a:noAutofit/>
-          </a:bodyPr>
-          <a:lstStyle/>
-          <a:p>
-            <a:pPr marL="0" lvl="0" indent="0" algn="l" rtl="0">
-              <a:lnSpc>
-                <a:spcPct val="115000"/>
-              </a:lnSpc>
-              <a:spcBef>
-                <a:spcPts val="0"/>
-              </a:spcBef>
-              <a:spcAft>
-                <a:spcPts val="1600"/>
-              </a:spcAft>
-              <a:buNone/>
-            </a:pPr>
-            <a:r>
-              <a:rPr lang="en-US"/>
-              <a:t>K vlastnostem události pak můžeme přistupovat přes </a:t>
-            </a:r>
-            <a:r>
-              <a:rPr lang="en-US" b="1"/>
-              <a:t>event object</a:t>
-            </a:r>
-            <a:r>
-              <a:rPr lang="en-US"/>
-              <a:t>:</a:t>
-            </a:r>
-            <a:endParaRPr sz="1800">
-              <a:solidFill>
-                <a:srgbClr val="999999"/>
-              </a:solidFill>
-            </a:endParaRPr>
-          </a:p>
-        </p:txBody>
-      </p:sp>
-      <p:sp>
-        <p:nvSpPr>
-          <p:cNvPr id="310" name="Google Shape;310;p48"/>
-          <p:cNvSpPr txBox="1"/>
-          <p:nvPr/>
-        </p:nvSpPr>
-        <p:spPr>
-          <a:xfrm>
-            <a:off x="1045650" y="2835400"/>
-            <a:ext cx="10739100" cy="3534600"/>
-          </a:xfrm>
-          <a:prstGeom prst="rect">
-            <a:avLst/>
-          </a:prstGeom>
-          <a:noFill/>
-          <a:ln>
-            <a:noFill/>
-          </a:ln>
-        </p:spPr>
-        <p:txBody>
-          <a:bodyPr spcFirstLastPara="1" wrap="square" lIns="91425" tIns="91425" rIns="91425" bIns="91425" anchor="t" anchorCtr="0">
-            <a:noAutofit/>
-          </a:bodyPr>
-          <a:lstStyle/>
-          <a:p>
-            <a:pPr marL="0" lvl="0" indent="0" algn="l" rtl="0">
-              <a:spcBef>
-                <a:spcPts val="0"/>
-              </a:spcBef>
-              <a:spcAft>
-                <a:spcPts val="0"/>
-              </a:spcAft>
-              <a:buNone/>
-            </a:pPr>
-            <a:r>
-              <a:rPr lang="en-US" sz="2800" b="1">
-                <a:solidFill>
-                  <a:schemeClr val="dk2"/>
-                </a:solidFill>
-                <a:latin typeface="Consolas"/>
-                <a:ea typeface="Consolas"/>
-                <a:cs typeface="Consolas"/>
-                <a:sym typeface="Consolas"/>
-              </a:rPr>
-              <a:t>function </a:t>
-            </a:r>
-            <a:r>
-              <a:rPr lang="en-US" sz="2800" b="1">
-                <a:solidFill>
-                  <a:schemeClr val="accent1"/>
-                </a:solidFill>
-                <a:latin typeface="Consolas"/>
-                <a:ea typeface="Consolas"/>
-                <a:cs typeface="Consolas"/>
-                <a:sym typeface="Consolas"/>
-              </a:rPr>
-              <a:t>priStiskuKlavesy(</a:t>
-            </a:r>
-            <a:r>
-              <a:rPr lang="en-US" sz="2800" b="1">
-                <a:solidFill>
-                  <a:schemeClr val="accent3"/>
-                </a:solidFill>
-                <a:latin typeface="Consolas"/>
-                <a:ea typeface="Consolas"/>
-                <a:cs typeface="Consolas"/>
-                <a:sym typeface="Consolas"/>
-              </a:rPr>
-              <a:t>event</a:t>
-            </a:r>
-            <a:r>
-              <a:rPr lang="en-US" sz="2800" b="1">
-                <a:solidFill>
-                  <a:schemeClr val="accent1"/>
-                </a:solidFill>
-                <a:latin typeface="Consolas"/>
-                <a:ea typeface="Consolas"/>
-                <a:cs typeface="Consolas"/>
-                <a:sym typeface="Consolas"/>
-              </a:rPr>
-              <a:t>)</a:t>
-            </a:r>
-            <a:r>
-              <a:rPr lang="en-US" sz="2800" b="1">
-                <a:solidFill>
-                  <a:schemeClr val="dk2"/>
-                </a:solidFill>
-                <a:latin typeface="Consolas"/>
-                <a:ea typeface="Consolas"/>
-                <a:cs typeface="Consolas"/>
-                <a:sym typeface="Consolas"/>
-              </a:rPr>
-              <a:t> {</a:t>
-            </a:r>
-            <a:endParaRPr sz="2800" b="1">
-              <a:solidFill>
-                <a:schemeClr val="dk2"/>
-              </a:solidFill>
-              <a:latin typeface="Consolas"/>
-              <a:ea typeface="Consolas"/>
-              <a:cs typeface="Consolas"/>
-              <a:sym typeface="Consolas"/>
-            </a:endParaRPr>
-          </a:p>
-          <a:p>
-            <a:pPr marL="0" lvl="0" indent="0" algn="l" rtl="0">
-              <a:spcBef>
-                <a:spcPts val="0"/>
-              </a:spcBef>
-              <a:spcAft>
-                <a:spcPts val="0"/>
-              </a:spcAft>
-              <a:buNone/>
-            </a:pPr>
-            <a:endParaRPr sz="2800" b="1">
-              <a:solidFill>
-                <a:schemeClr val="dk2"/>
-              </a:solidFill>
-              <a:latin typeface="Consolas"/>
-              <a:ea typeface="Consolas"/>
-              <a:cs typeface="Consolas"/>
-              <a:sym typeface="Consolas"/>
-            </a:endParaRPr>
-          </a:p>
-          <a:p>
-            <a:pPr marL="0" lvl="0" indent="0" algn="l" rtl="0">
-              <a:spcBef>
-                <a:spcPts val="0"/>
-              </a:spcBef>
-              <a:spcAft>
-                <a:spcPts val="0"/>
-              </a:spcAft>
-              <a:buNone/>
-            </a:pPr>
-            <a:r>
-              <a:rPr lang="en-US" sz="2800" b="1">
-                <a:solidFill>
-                  <a:schemeClr val="dk2"/>
-                </a:solidFill>
-                <a:latin typeface="Consolas"/>
-                <a:ea typeface="Consolas"/>
-                <a:cs typeface="Consolas"/>
-                <a:sym typeface="Consolas"/>
-              </a:rPr>
-              <a:t>	</a:t>
-            </a:r>
-            <a:r>
-              <a:rPr lang="en-US" sz="2800" b="1">
-                <a:solidFill>
-                  <a:srgbClr val="B7B7B7"/>
-                </a:solidFill>
-                <a:latin typeface="Consolas"/>
-                <a:ea typeface="Consolas"/>
-                <a:cs typeface="Consolas"/>
-                <a:sym typeface="Consolas"/>
-              </a:rPr>
-              <a:t>// v promenne </a:t>
-            </a:r>
-            <a:r>
-              <a:rPr lang="en-US" sz="2800" b="1">
-                <a:solidFill>
-                  <a:srgbClr val="888888"/>
-                </a:solidFill>
-                <a:latin typeface="Consolas"/>
-                <a:ea typeface="Consolas"/>
-                <a:cs typeface="Consolas"/>
-                <a:sym typeface="Consolas"/>
-              </a:rPr>
-              <a:t>event</a:t>
-            </a:r>
-            <a:r>
-              <a:rPr lang="en-US" sz="2800" b="1">
-                <a:solidFill>
-                  <a:srgbClr val="B7B7B7"/>
-                </a:solidFill>
-                <a:latin typeface="Consolas"/>
-                <a:ea typeface="Consolas"/>
-                <a:cs typeface="Consolas"/>
-                <a:sym typeface="Consolas"/>
-              </a:rPr>
-              <a:t> jsou</a:t>
-            </a:r>
-            <a:endParaRPr sz="2800" b="1">
-              <a:solidFill>
-                <a:srgbClr val="B7B7B7"/>
-              </a:solidFill>
-              <a:latin typeface="Consolas"/>
-              <a:ea typeface="Consolas"/>
-              <a:cs typeface="Consolas"/>
-              <a:sym typeface="Consolas"/>
-            </a:endParaRPr>
-          </a:p>
-          <a:p>
-            <a:pPr marL="0" lvl="0" indent="457200" algn="l" rtl="0">
-              <a:spcBef>
-                <a:spcPts val="0"/>
-              </a:spcBef>
-              <a:spcAft>
-                <a:spcPts val="0"/>
-              </a:spcAft>
-              <a:buNone/>
-            </a:pPr>
-            <a:r>
-              <a:rPr lang="en-US" sz="2800" b="1">
-                <a:solidFill>
-                  <a:srgbClr val="B7B7B7"/>
-                </a:solidFill>
-                <a:latin typeface="Consolas"/>
-                <a:ea typeface="Consolas"/>
-                <a:cs typeface="Consolas"/>
-                <a:sym typeface="Consolas"/>
-              </a:rPr>
-              <a:t>// nyni vlastnosti udalosti</a:t>
-            </a:r>
-            <a:endParaRPr sz="2800" b="1">
-              <a:solidFill>
-                <a:srgbClr val="B7B7B7"/>
-              </a:solidFill>
-              <a:latin typeface="Consolas"/>
-              <a:ea typeface="Consolas"/>
-              <a:cs typeface="Consolas"/>
-              <a:sym typeface="Consolas"/>
-            </a:endParaRPr>
-          </a:p>
-          <a:p>
-            <a:pPr marL="0" lvl="0" indent="457200" algn="l" rtl="0">
-              <a:spcBef>
-                <a:spcPts val="0"/>
-              </a:spcBef>
-              <a:spcAft>
-                <a:spcPts val="0"/>
-              </a:spcAft>
-              <a:buNone/>
-            </a:pPr>
-            <a:endParaRPr sz="2800" b="1">
-              <a:solidFill>
-                <a:srgbClr val="B7B7B7"/>
-              </a:solidFill>
-              <a:latin typeface="Consolas"/>
-              <a:ea typeface="Consolas"/>
-              <a:cs typeface="Consolas"/>
-              <a:sym typeface="Consolas"/>
-            </a:endParaRPr>
-          </a:p>
-          <a:p>
-            <a:pPr marL="0" lvl="0" indent="457200" algn="l" rtl="0">
-              <a:spcBef>
-                <a:spcPts val="0"/>
-              </a:spcBef>
-              <a:spcAft>
-                <a:spcPts val="0"/>
-              </a:spcAft>
-              <a:buNone/>
-            </a:pPr>
-            <a:r>
-              <a:rPr lang="en-US" sz="2800" b="1">
-                <a:solidFill>
-                  <a:srgbClr val="B7B7B7"/>
-                </a:solidFill>
-                <a:latin typeface="Consolas"/>
-                <a:ea typeface="Consolas"/>
-                <a:cs typeface="Consolas"/>
-                <a:sym typeface="Consolas"/>
-              </a:rPr>
-              <a:t>// </a:t>
-            </a:r>
-            <a:r>
-              <a:rPr lang="en-US" sz="2800" b="1">
-                <a:solidFill>
-                  <a:schemeClr val="accent1"/>
-                </a:solidFill>
-                <a:latin typeface="Consolas"/>
-                <a:ea typeface="Consolas"/>
-                <a:cs typeface="Consolas"/>
-                <a:sym typeface="Consolas"/>
-              </a:rPr>
-              <a:t>event.key</a:t>
-            </a:r>
-            <a:r>
-              <a:rPr lang="en-US" sz="2800" b="1">
-                <a:solidFill>
-                  <a:srgbClr val="B7B7B7"/>
-                </a:solidFill>
-                <a:latin typeface="Consolas"/>
-                <a:ea typeface="Consolas"/>
-                <a:cs typeface="Consolas"/>
-                <a:sym typeface="Consolas"/>
-              </a:rPr>
-              <a:t> napr. obsahuje kod stisknute klavesy</a:t>
-            </a:r>
-            <a:endParaRPr sz="2800" b="1">
-              <a:solidFill>
-                <a:srgbClr val="B7B7B7"/>
-              </a:solidFill>
-              <a:latin typeface="Consolas"/>
-              <a:ea typeface="Consolas"/>
-              <a:cs typeface="Consolas"/>
-              <a:sym typeface="Consolas"/>
-            </a:endParaRPr>
-          </a:p>
-          <a:p>
-            <a:pPr marL="0" lvl="0" indent="457200" algn="l" rtl="0">
-              <a:spcBef>
-                <a:spcPts val="0"/>
-              </a:spcBef>
-              <a:spcAft>
-                <a:spcPts val="0"/>
-              </a:spcAft>
-              <a:buNone/>
-            </a:pPr>
-            <a:endParaRPr sz="2800" b="1">
-              <a:solidFill>
-                <a:srgbClr val="B7B7B7"/>
-              </a:solidFill>
-              <a:latin typeface="Consolas"/>
-              <a:ea typeface="Consolas"/>
-              <a:cs typeface="Consolas"/>
-              <a:sym typeface="Consolas"/>
-            </a:endParaRPr>
-          </a:p>
-          <a:p>
-            <a:pPr marL="0" lvl="0" indent="0" algn="l" rtl="0">
-              <a:spcBef>
-                <a:spcPts val="0"/>
-              </a:spcBef>
-              <a:spcAft>
-                <a:spcPts val="0"/>
-              </a:spcAft>
-              <a:buNone/>
-            </a:pPr>
-            <a:r>
-              <a:rPr lang="en-US" sz="2800" b="1">
-                <a:solidFill>
-                  <a:schemeClr val="dk2"/>
-                </a:solidFill>
-                <a:latin typeface="Consolas"/>
-                <a:ea typeface="Consolas"/>
-                <a:cs typeface="Consolas"/>
-                <a:sym typeface="Consolas"/>
-              </a:rPr>
-              <a:t>}</a:t>
-            </a:r>
-            <a:endParaRPr sz="2800" b="1">
-              <a:solidFill>
-                <a:schemeClr val="dk2"/>
-              </a:solidFill>
-              <a:latin typeface="Consolas"/>
-              <a:ea typeface="Consolas"/>
-              <a:cs typeface="Consolas"/>
-              <a:sym typeface="Consolas"/>
-            </a:endParaRPr>
-          </a:p>
-        </p:txBody>
-      </p:sp>
-    </p:spTree>
-  </p:cSld>
-  <p:clrMapOvr>
-    <a:masterClrMapping/>
-  </p:clrMapOvr>
-</p:sld>
-</file>
-
 <file path=ppt/slides/slide5.xml><?xml version="1.0" encoding="utf-8"?>
 <p:sld xmlns:a="http://schemas.openxmlformats.org/drawingml/2006/main" xmlns:r="http://schemas.openxmlformats.org/officeDocument/2006/relationships" xmlns:p="http://schemas.openxmlformats.org/presentationml/2006/main">
   <p:cSld>
@@ -32389,6 +32190,484 @@
 </file>
 
 <file path=ppt/slides/slide50.xml><?xml version="1.0" encoding="utf-8"?>
+<p:sld xmlns:a="http://schemas.openxmlformats.org/drawingml/2006/main" xmlns:r="http://schemas.openxmlformats.org/officeDocument/2006/relationships" xmlns:p="http://schemas.openxmlformats.org/presentationml/2006/main">
+  <p:cSld>
+    <p:spTree>
+      <p:nvGrpSpPr>
+        <p:cNvPr id="1" name="Shape 307"/>
+        <p:cNvGrpSpPr/>
+        <p:nvPr/>
+      </p:nvGrpSpPr>
+      <p:grpSpPr>
+        <a:xfrm>
+          <a:off x="0" y="0"/>
+          <a:ext cx="0" cy="0"/>
+          <a:chOff x="0" y="0"/>
+          <a:chExt cx="0" cy="0"/>
+        </a:xfrm>
+      </p:grpSpPr>
+      <p:sp>
+        <p:nvSpPr>
+          <p:cNvPr id="308" name="Google Shape;308;p48"/>
+          <p:cNvSpPr txBox="1">
+            <a:spLocks noGrp="1"/>
+          </p:cNvSpPr>
+          <p:nvPr>
+            <p:ph type="title" idx="4294967295"/>
+          </p:nvPr>
+        </p:nvSpPr>
+        <p:spPr>
+          <a:xfrm>
+            <a:off x="964660" y="528469"/>
+            <a:ext cx="8325300" cy="821700"/>
+          </a:xfrm>
+          <a:prstGeom prst="rect">
+            <a:avLst/>
+          </a:prstGeom>
+        </p:spPr>
+        <p:txBody>
+          <a:bodyPr spcFirstLastPara="1" wrap="square" lIns="91425" tIns="91425" rIns="91425" bIns="91425" anchor="ctr" anchorCtr="0">
+            <a:noAutofit/>
+          </a:bodyPr>
+          <a:lstStyle/>
+          <a:p>
+            <a:pPr marL="0" lvl="0" indent="0" algn="l" rtl="0">
+              <a:spcBef>
+                <a:spcPts val="0"/>
+              </a:spcBef>
+              <a:spcAft>
+                <a:spcPts val="0"/>
+              </a:spcAft>
+              <a:buNone/>
+            </a:pPr>
+            <a:r>
+              <a:rPr lang="en-US"/>
+              <a:t>Event object</a:t>
+            </a:r>
+            <a:endParaRPr/>
+          </a:p>
+        </p:txBody>
+      </p:sp>
+      <p:sp>
+        <p:nvSpPr>
+          <p:cNvPr id="309" name="Google Shape;309;p48"/>
+          <p:cNvSpPr txBox="1">
+            <a:spLocks noGrp="1"/>
+          </p:cNvSpPr>
+          <p:nvPr>
+            <p:ph type="body" idx="4294967295"/>
+          </p:nvPr>
+        </p:nvSpPr>
+        <p:spPr>
+          <a:xfrm>
+            <a:off x="964650" y="1489600"/>
+            <a:ext cx="10858200" cy="1345800"/>
+          </a:xfrm>
+          <a:prstGeom prst="rect">
+            <a:avLst/>
+          </a:prstGeom>
+        </p:spPr>
+        <p:txBody>
+          <a:bodyPr spcFirstLastPara="1" wrap="square" lIns="91425" tIns="91425" rIns="91425" bIns="91425" anchor="t" anchorCtr="0">
+            <a:noAutofit/>
+          </a:bodyPr>
+          <a:lstStyle/>
+          <a:p>
+            <a:pPr marL="0" lvl="0" indent="0" algn="l" rtl="0">
+              <a:lnSpc>
+                <a:spcPct val="115000"/>
+              </a:lnSpc>
+              <a:spcBef>
+                <a:spcPts val="0"/>
+              </a:spcBef>
+              <a:spcAft>
+                <a:spcPts val="1600"/>
+              </a:spcAft>
+              <a:buNone/>
+            </a:pPr>
+            <a:r>
+              <a:rPr lang="en-US"/>
+              <a:t>K vlastnostem události pak můžeme přistupovat přes </a:t>
+            </a:r>
+            <a:r>
+              <a:rPr lang="en-US" b="1"/>
+              <a:t>event object</a:t>
+            </a:r>
+            <a:r>
+              <a:rPr lang="en-US"/>
+              <a:t>:</a:t>
+            </a:r>
+            <a:endParaRPr sz="1800">
+              <a:solidFill>
+                <a:srgbClr val="999999"/>
+              </a:solidFill>
+            </a:endParaRPr>
+          </a:p>
+        </p:txBody>
+      </p:sp>
+      <p:sp>
+        <p:nvSpPr>
+          <p:cNvPr id="310" name="Google Shape;310;p48"/>
+          <p:cNvSpPr txBox="1"/>
+          <p:nvPr/>
+        </p:nvSpPr>
+        <p:spPr>
+          <a:xfrm>
+            <a:off x="1045650" y="2835400"/>
+            <a:ext cx="10739100" cy="3534600"/>
+          </a:xfrm>
+          <a:prstGeom prst="rect">
+            <a:avLst/>
+          </a:prstGeom>
+          <a:noFill/>
+          <a:ln>
+            <a:noFill/>
+          </a:ln>
+        </p:spPr>
+        <p:txBody>
+          <a:bodyPr spcFirstLastPara="1" wrap="square" lIns="91425" tIns="91425" rIns="91425" bIns="91425" anchor="t" anchorCtr="0">
+            <a:noAutofit/>
+          </a:bodyPr>
+          <a:lstStyle/>
+          <a:p>
+            <a:pPr marL="0" lvl="0" indent="0" algn="l" rtl="0">
+              <a:spcBef>
+                <a:spcPts val="0"/>
+              </a:spcBef>
+              <a:spcAft>
+                <a:spcPts val="0"/>
+              </a:spcAft>
+              <a:buNone/>
+            </a:pPr>
+            <a:r>
+              <a:rPr lang="en-US" sz="2800" b="1">
+                <a:solidFill>
+                  <a:schemeClr val="dk2"/>
+                </a:solidFill>
+                <a:latin typeface="Consolas"/>
+                <a:ea typeface="Consolas"/>
+                <a:cs typeface="Consolas"/>
+                <a:sym typeface="Consolas"/>
+              </a:rPr>
+              <a:t>function </a:t>
+            </a:r>
+            <a:r>
+              <a:rPr lang="en-US" sz="2800" b="1">
+                <a:solidFill>
+                  <a:schemeClr val="accent1"/>
+                </a:solidFill>
+                <a:latin typeface="Consolas"/>
+                <a:ea typeface="Consolas"/>
+                <a:cs typeface="Consolas"/>
+                <a:sym typeface="Consolas"/>
+              </a:rPr>
+              <a:t>priStiskuKlavesy(</a:t>
+            </a:r>
+            <a:r>
+              <a:rPr lang="en-US" sz="2800" b="1">
+                <a:solidFill>
+                  <a:schemeClr val="accent3"/>
+                </a:solidFill>
+                <a:latin typeface="Consolas"/>
+                <a:ea typeface="Consolas"/>
+                <a:cs typeface="Consolas"/>
+                <a:sym typeface="Consolas"/>
+              </a:rPr>
+              <a:t>event</a:t>
+            </a:r>
+            <a:r>
+              <a:rPr lang="en-US" sz="2800" b="1">
+                <a:solidFill>
+                  <a:schemeClr val="accent1"/>
+                </a:solidFill>
+                <a:latin typeface="Consolas"/>
+                <a:ea typeface="Consolas"/>
+                <a:cs typeface="Consolas"/>
+                <a:sym typeface="Consolas"/>
+              </a:rPr>
+              <a:t>)</a:t>
+            </a:r>
+            <a:r>
+              <a:rPr lang="en-US" sz="2800" b="1">
+                <a:solidFill>
+                  <a:schemeClr val="dk2"/>
+                </a:solidFill>
+                <a:latin typeface="Consolas"/>
+                <a:ea typeface="Consolas"/>
+                <a:cs typeface="Consolas"/>
+                <a:sym typeface="Consolas"/>
+              </a:rPr>
+              <a:t> {</a:t>
+            </a:r>
+            <a:endParaRPr sz="2800" b="1">
+              <a:solidFill>
+                <a:schemeClr val="dk2"/>
+              </a:solidFill>
+              <a:latin typeface="Consolas"/>
+              <a:ea typeface="Consolas"/>
+              <a:cs typeface="Consolas"/>
+              <a:sym typeface="Consolas"/>
+            </a:endParaRPr>
+          </a:p>
+          <a:p>
+            <a:pPr marL="0" lvl="0" indent="0" algn="l" rtl="0">
+              <a:spcBef>
+                <a:spcPts val="0"/>
+              </a:spcBef>
+              <a:spcAft>
+                <a:spcPts val="0"/>
+              </a:spcAft>
+              <a:buNone/>
+            </a:pPr>
+            <a:endParaRPr sz="2800" b="1">
+              <a:solidFill>
+                <a:schemeClr val="dk2"/>
+              </a:solidFill>
+              <a:latin typeface="Consolas"/>
+              <a:ea typeface="Consolas"/>
+              <a:cs typeface="Consolas"/>
+              <a:sym typeface="Consolas"/>
+            </a:endParaRPr>
+          </a:p>
+          <a:p>
+            <a:pPr marL="0" lvl="0" indent="0" algn="l" rtl="0">
+              <a:spcBef>
+                <a:spcPts val="0"/>
+              </a:spcBef>
+              <a:spcAft>
+                <a:spcPts val="0"/>
+              </a:spcAft>
+              <a:buNone/>
+            </a:pPr>
+            <a:r>
+              <a:rPr lang="en-US" sz="2800" b="1">
+                <a:solidFill>
+                  <a:schemeClr val="dk2"/>
+                </a:solidFill>
+                <a:latin typeface="Consolas"/>
+                <a:ea typeface="Consolas"/>
+                <a:cs typeface="Consolas"/>
+                <a:sym typeface="Consolas"/>
+              </a:rPr>
+              <a:t>	</a:t>
+            </a:r>
+            <a:r>
+              <a:rPr lang="en-US" sz="2800" b="1">
+                <a:solidFill>
+                  <a:srgbClr val="B7B7B7"/>
+                </a:solidFill>
+                <a:latin typeface="Consolas"/>
+                <a:ea typeface="Consolas"/>
+                <a:cs typeface="Consolas"/>
+                <a:sym typeface="Consolas"/>
+              </a:rPr>
+              <a:t>// v promenne </a:t>
+            </a:r>
+            <a:r>
+              <a:rPr lang="en-US" sz="2800" b="1">
+                <a:solidFill>
+                  <a:srgbClr val="888888"/>
+                </a:solidFill>
+                <a:latin typeface="Consolas"/>
+                <a:ea typeface="Consolas"/>
+                <a:cs typeface="Consolas"/>
+                <a:sym typeface="Consolas"/>
+              </a:rPr>
+              <a:t>event</a:t>
+            </a:r>
+            <a:r>
+              <a:rPr lang="en-US" sz="2800" b="1">
+                <a:solidFill>
+                  <a:srgbClr val="B7B7B7"/>
+                </a:solidFill>
+                <a:latin typeface="Consolas"/>
+                <a:ea typeface="Consolas"/>
+                <a:cs typeface="Consolas"/>
+                <a:sym typeface="Consolas"/>
+              </a:rPr>
+              <a:t> jsou</a:t>
+            </a:r>
+            <a:endParaRPr sz="2800" b="1">
+              <a:solidFill>
+                <a:srgbClr val="B7B7B7"/>
+              </a:solidFill>
+              <a:latin typeface="Consolas"/>
+              <a:ea typeface="Consolas"/>
+              <a:cs typeface="Consolas"/>
+              <a:sym typeface="Consolas"/>
+            </a:endParaRPr>
+          </a:p>
+          <a:p>
+            <a:pPr marL="0" lvl="0" indent="457200" algn="l" rtl="0">
+              <a:spcBef>
+                <a:spcPts val="0"/>
+              </a:spcBef>
+              <a:spcAft>
+                <a:spcPts val="0"/>
+              </a:spcAft>
+              <a:buNone/>
+            </a:pPr>
+            <a:r>
+              <a:rPr lang="en-US" sz="2800" b="1">
+                <a:solidFill>
+                  <a:srgbClr val="B7B7B7"/>
+                </a:solidFill>
+                <a:latin typeface="Consolas"/>
+                <a:ea typeface="Consolas"/>
+                <a:cs typeface="Consolas"/>
+                <a:sym typeface="Consolas"/>
+              </a:rPr>
+              <a:t>// nyni vlastnosti udalosti</a:t>
+            </a:r>
+            <a:endParaRPr sz="2800" b="1">
+              <a:solidFill>
+                <a:srgbClr val="B7B7B7"/>
+              </a:solidFill>
+              <a:latin typeface="Consolas"/>
+              <a:ea typeface="Consolas"/>
+              <a:cs typeface="Consolas"/>
+              <a:sym typeface="Consolas"/>
+            </a:endParaRPr>
+          </a:p>
+          <a:p>
+            <a:pPr marL="0" lvl="0" indent="457200" algn="l" rtl="0">
+              <a:spcBef>
+                <a:spcPts val="0"/>
+              </a:spcBef>
+              <a:spcAft>
+                <a:spcPts val="0"/>
+              </a:spcAft>
+              <a:buNone/>
+            </a:pPr>
+            <a:endParaRPr sz="2800" b="1">
+              <a:solidFill>
+                <a:srgbClr val="B7B7B7"/>
+              </a:solidFill>
+              <a:latin typeface="Consolas"/>
+              <a:ea typeface="Consolas"/>
+              <a:cs typeface="Consolas"/>
+              <a:sym typeface="Consolas"/>
+            </a:endParaRPr>
+          </a:p>
+          <a:p>
+            <a:pPr marL="0" lvl="0" indent="457200" algn="l" rtl="0">
+              <a:spcBef>
+                <a:spcPts val="0"/>
+              </a:spcBef>
+              <a:spcAft>
+                <a:spcPts val="0"/>
+              </a:spcAft>
+              <a:buNone/>
+            </a:pPr>
+            <a:r>
+              <a:rPr lang="en-US" sz="2800" b="1">
+                <a:solidFill>
+                  <a:srgbClr val="B7B7B7"/>
+                </a:solidFill>
+                <a:latin typeface="Consolas"/>
+                <a:ea typeface="Consolas"/>
+                <a:cs typeface="Consolas"/>
+                <a:sym typeface="Consolas"/>
+              </a:rPr>
+              <a:t>// </a:t>
+            </a:r>
+            <a:r>
+              <a:rPr lang="en-US" sz="2800" b="1">
+                <a:solidFill>
+                  <a:schemeClr val="accent1"/>
+                </a:solidFill>
+                <a:latin typeface="Consolas"/>
+                <a:ea typeface="Consolas"/>
+                <a:cs typeface="Consolas"/>
+                <a:sym typeface="Consolas"/>
+              </a:rPr>
+              <a:t>event.key</a:t>
+            </a:r>
+            <a:r>
+              <a:rPr lang="en-US" sz="2800" b="1">
+                <a:solidFill>
+                  <a:srgbClr val="B7B7B7"/>
+                </a:solidFill>
+                <a:latin typeface="Consolas"/>
+                <a:ea typeface="Consolas"/>
+                <a:cs typeface="Consolas"/>
+                <a:sym typeface="Consolas"/>
+              </a:rPr>
+              <a:t> napr. obsahuje kod stisknute klavesy</a:t>
+            </a:r>
+            <a:endParaRPr sz="2800" b="1">
+              <a:solidFill>
+                <a:srgbClr val="B7B7B7"/>
+              </a:solidFill>
+              <a:latin typeface="Consolas"/>
+              <a:ea typeface="Consolas"/>
+              <a:cs typeface="Consolas"/>
+              <a:sym typeface="Consolas"/>
+            </a:endParaRPr>
+          </a:p>
+          <a:p>
+            <a:pPr marL="0" lvl="0" indent="457200" algn="l" rtl="0">
+              <a:spcBef>
+                <a:spcPts val="0"/>
+              </a:spcBef>
+              <a:spcAft>
+                <a:spcPts val="0"/>
+              </a:spcAft>
+              <a:buNone/>
+            </a:pPr>
+            <a:endParaRPr sz="2800" b="1">
+              <a:solidFill>
+                <a:srgbClr val="B7B7B7"/>
+              </a:solidFill>
+              <a:latin typeface="Consolas"/>
+              <a:ea typeface="Consolas"/>
+              <a:cs typeface="Consolas"/>
+              <a:sym typeface="Consolas"/>
+            </a:endParaRPr>
+          </a:p>
+          <a:p>
+            <a:pPr marL="0" lvl="0" indent="0" algn="l" rtl="0">
+              <a:spcBef>
+                <a:spcPts val="0"/>
+              </a:spcBef>
+              <a:spcAft>
+                <a:spcPts val="0"/>
+              </a:spcAft>
+              <a:buNone/>
+            </a:pPr>
+            <a:r>
+              <a:rPr lang="en-US" sz="2800" b="1">
+                <a:solidFill>
+                  <a:schemeClr val="dk2"/>
+                </a:solidFill>
+                <a:latin typeface="Consolas"/>
+                <a:ea typeface="Consolas"/>
+                <a:cs typeface="Consolas"/>
+                <a:sym typeface="Consolas"/>
+              </a:rPr>
+              <a:t>}</a:t>
+            </a:r>
+            <a:endParaRPr sz="2800" b="1">
+              <a:solidFill>
+                <a:schemeClr val="dk2"/>
+              </a:solidFill>
+              <a:latin typeface="Consolas"/>
+              <a:ea typeface="Consolas"/>
+              <a:cs typeface="Consolas"/>
+              <a:sym typeface="Consolas"/>
+            </a:endParaRPr>
+          </a:p>
+        </p:txBody>
+      </p:sp>
+    </p:spTree>
+  </p:cSld>
+  <p:clrMapOvr>
+    <a:masterClrMapping/>
+  </p:clrMapOvr>
+</p:sld>
+</file>
+
+<file path=ppt/slides/slide51.xml><?xml version="1.0" encoding="utf-8"?>
 <p:sld xmlns:a="http://schemas.openxmlformats.org/drawingml/2006/main" xmlns:r="http://schemas.openxmlformats.org/officeDocument/2006/relationships" xmlns:p="http://schemas.openxmlformats.org/presentationml/2006/main">
   <p:cSld>
     <p:spTree>
@@ -32962,7 +33241,7 @@
 </p:sld>
 </file>
 
-<file path=ppt/slides/slide51.xml><?xml version="1.0" encoding="utf-8"?>
+<file path=ppt/slides/slide52.xml><?xml version="1.0" encoding="utf-8"?>
 <p:sld xmlns:a="http://schemas.openxmlformats.org/drawingml/2006/main" xmlns:r="http://schemas.openxmlformats.org/officeDocument/2006/relationships" xmlns:p="http://schemas.openxmlformats.org/presentationml/2006/main">
   <p:cSld>
     <p:spTree>
@@ -33303,7 +33582,7 @@
 </p:sld>
 </file>
 
-<file path=ppt/slides/slide52.xml><?xml version="1.0" encoding="utf-8"?>
+<file path=ppt/slides/slide53.xml><?xml version="1.0" encoding="utf-8"?>
 <p:sld xmlns:a="http://schemas.openxmlformats.org/drawingml/2006/main" xmlns:r="http://schemas.openxmlformats.org/officeDocument/2006/relationships" xmlns:p="http://schemas.openxmlformats.org/presentationml/2006/main">
   <p:cSld>
     <p:spTree>
@@ -33370,7 +33649,7 @@
 </p:sld>
 </file>
 
-<file path=ppt/slides/slide53.xml><?xml version="1.0" encoding="utf-8"?>
+<file path=ppt/slides/slide54.xml><?xml version="1.0" encoding="utf-8"?>
 <p:sld xmlns:a="http://schemas.openxmlformats.org/drawingml/2006/main" xmlns:r="http://schemas.openxmlformats.org/officeDocument/2006/relationships" xmlns:p="http://schemas.openxmlformats.org/presentationml/2006/main">
   <p:cSld>
     <p:spTree>
@@ -33613,7 +33892,7 @@
 </p:sld>
 </file>
 
-<file path=ppt/slides/slide54.xml><?xml version="1.0" encoding="utf-8"?>
+<file path=ppt/slides/slide55.xml><?xml version="1.0" encoding="utf-8"?>
 <p:sld xmlns:a="http://schemas.openxmlformats.org/drawingml/2006/main" xmlns:r="http://schemas.openxmlformats.org/officeDocument/2006/relationships" xmlns:p="http://schemas.openxmlformats.org/presentationml/2006/main">
   <p:cSld>
     <p:spTree>
@@ -33680,7 +33959,7 @@
 </p:sld>
 </file>
 
-<file path=ppt/slides/slide55.xml><?xml version="1.0" encoding="utf-8"?>
+<file path=ppt/slides/slide56.xml><?xml version="1.0" encoding="utf-8"?>
 <p:sld xmlns:a="http://schemas.openxmlformats.org/drawingml/2006/main" xmlns:r="http://schemas.openxmlformats.org/officeDocument/2006/relationships" xmlns:p="http://schemas.openxmlformats.org/presentationml/2006/main">
   <p:cSld>
     <p:spTree>
@@ -35519,7 +35798,23 @@
           <a:p>
             <a:r>
               <a:rPr lang="cs-CZ" dirty="0" smtClean="0"/>
-              <a:t>První program v JS</a:t>
+              <a:t>První program v JS </a:t>
+            </a:r>
+            <a:r>
+              <a:rPr lang="en-US" dirty="0" smtClean="0"/>
+              <a:t>[</a:t>
+            </a:r>
+            <a:r>
+              <a:rPr lang="cs-CZ" dirty="0" err="1" smtClean="0"/>
+              <a:t>folder</a:t>
+            </a:r>
+            <a:r>
+              <a:rPr lang="cs-CZ" dirty="0" smtClean="0"/>
+              <a:t> </a:t>
+            </a:r>
+            <a:r>
+              <a:rPr lang="en-US" dirty="0" smtClean="0"/>
+              <a:t>1]</a:t>
             </a:r>
             <a:endParaRPr lang="cs-CZ" dirty="0"/>
           </a:p>

--- a/JS-SB-LetnIskola2020.pptx
+++ b/JS-SB-LetnIskola2020.pptx
@@ -5,7 +5,7 @@
     <p:sldMasterId id="2147483661" r:id="rId1"/>
   </p:sldMasterIdLst>
   <p:notesMasterIdLst>
-    <p:notesMasterId r:id="rId67"/>
+    <p:notesMasterId r:id="rId69"/>
   </p:notesMasterIdLst>
   <p:sldIdLst>
     <p:sldId id="256" r:id="rId2"/>
@@ -39,55 +39,52 @@
     <p:sldId id="318" r:id="rId30"/>
     <p:sldId id="323" r:id="rId31"/>
     <p:sldId id="324" r:id="rId32"/>
-    <p:sldId id="308" r:id="rId33"/>
-    <p:sldId id="263" r:id="rId34"/>
-    <p:sldId id="264" r:id="rId35"/>
-    <p:sldId id="265" r:id="rId36"/>
-    <p:sldId id="266" r:id="rId37"/>
-    <p:sldId id="267" r:id="rId38"/>
-    <p:sldId id="268" r:id="rId39"/>
-    <p:sldId id="269" r:id="rId40"/>
-    <p:sldId id="270" r:id="rId41"/>
-    <p:sldId id="271" r:id="rId42"/>
-    <p:sldId id="272" r:id="rId43"/>
-    <p:sldId id="273" r:id="rId44"/>
-    <p:sldId id="274" r:id="rId45"/>
-    <p:sldId id="275" r:id="rId46"/>
-    <p:sldId id="276" r:id="rId47"/>
-    <p:sldId id="277" r:id="rId48"/>
-    <p:sldId id="278" r:id="rId49"/>
-    <p:sldId id="279" r:id="rId50"/>
-    <p:sldId id="280" r:id="rId51"/>
-    <p:sldId id="281" r:id="rId52"/>
-    <p:sldId id="282" r:id="rId53"/>
-    <p:sldId id="283" r:id="rId54"/>
-    <p:sldId id="284" r:id="rId55"/>
-    <p:sldId id="285" r:id="rId56"/>
-    <p:sldId id="286" r:id="rId57"/>
-    <p:sldId id="287" r:id="rId58"/>
-    <p:sldId id="288" r:id="rId59"/>
-    <p:sldId id="289" r:id="rId60"/>
-    <p:sldId id="290" r:id="rId61"/>
-    <p:sldId id="291" r:id="rId62"/>
-    <p:sldId id="292" r:id="rId63"/>
-    <p:sldId id="293" r:id="rId64"/>
-    <p:sldId id="294" r:id="rId65"/>
-    <p:sldId id="295" r:id="rId66"/>
+    <p:sldId id="325" r:id="rId33"/>
+    <p:sldId id="326" r:id="rId34"/>
+    <p:sldId id="308" r:id="rId35"/>
+    <p:sldId id="263" r:id="rId36"/>
+    <p:sldId id="264" r:id="rId37"/>
+    <p:sldId id="265" r:id="rId38"/>
+    <p:sldId id="266" r:id="rId39"/>
+    <p:sldId id="267" r:id="rId40"/>
+    <p:sldId id="268" r:id="rId41"/>
+    <p:sldId id="269" r:id="rId42"/>
+    <p:sldId id="270" r:id="rId43"/>
+    <p:sldId id="271" r:id="rId44"/>
+    <p:sldId id="272" r:id="rId45"/>
+    <p:sldId id="273" r:id="rId46"/>
+    <p:sldId id="274" r:id="rId47"/>
+    <p:sldId id="275" r:id="rId48"/>
+    <p:sldId id="276" r:id="rId49"/>
+    <p:sldId id="277" r:id="rId50"/>
+    <p:sldId id="278" r:id="rId51"/>
+    <p:sldId id="279" r:id="rId52"/>
+    <p:sldId id="280" r:id="rId53"/>
+    <p:sldId id="281" r:id="rId54"/>
+    <p:sldId id="282" r:id="rId55"/>
+    <p:sldId id="283" r:id="rId56"/>
+    <p:sldId id="284" r:id="rId57"/>
+    <p:sldId id="285" r:id="rId58"/>
+    <p:sldId id="286" r:id="rId59"/>
+    <p:sldId id="287" r:id="rId60"/>
+    <p:sldId id="288" r:id="rId61"/>
+    <p:sldId id="289" r:id="rId62"/>
+    <p:sldId id="290" r:id="rId63"/>
+    <p:sldId id="291" r:id="rId64"/>
+    <p:sldId id="292" r:id="rId65"/>
+    <p:sldId id="293" r:id="rId66"/>
+    <p:sldId id="294" r:id="rId67"/>
+    <p:sldId id="295" r:id="rId68"/>
   </p:sldIdLst>
   <p:sldSz cx="12192000" cy="6858000"/>
   <p:notesSz cx="6858000" cy="9144000"/>
   <p:embeddedFontLst>
     <p:embeddedFont>
-      <p:font typeface="Crimson Text" panose="020B0604020202020204" charset="0"/>
-      <p:regular r:id="rId68"/>
-      <p:bold r:id="rId69"/>
-      <p:italic r:id="rId70"/>
-      <p:boldItalic r:id="rId71"/>
-    </p:embeddedFont>
-    <p:embeddedFont>
-      <p:font typeface="Amatic SC" panose="020B0604020202020204" charset="-79"/>
-      <p:regular r:id="rId72"/>
-      <p:bold r:id="rId73"/>
+      <p:font typeface="Calibri" panose="020F0502020204030204" pitchFamily="34" charset="0"/>
+      <p:regular r:id="rId70"/>
+      <p:bold r:id="rId71"/>
+      <p:italic r:id="rId72"/>
+      <p:boldItalic r:id="rId73"/>
     </p:embeddedFont>
     <p:embeddedFont>
       <p:font typeface="Open Sans" panose="020B0604020202020204" charset="0"/>
@@ -97,18 +94,23 @@
       <p:boldItalic r:id="rId77"/>
     </p:embeddedFont>
     <p:embeddedFont>
-      <p:font typeface="Calibri" panose="020F0502020204030204" pitchFamily="34" charset="0"/>
+      <p:font typeface="Consolas" panose="020B0609020204030204" pitchFamily="49" charset="0"/>
       <p:regular r:id="rId78"/>
       <p:bold r:id="rId79"/>
       <p:italic r:id="rId80"/>
       <p:boldItalic r:id="rId81"/>
     </p:embeddedFont>
     <p:embeddedFont>
-      <p:font typeface="Consolas" panose="020B0609020204030204" pitchFamily="49" charset="0"/>
+      <p:font typeface="Crimson Text" panose="020B0604020202020204" charset="0"/>
       <p:regular r:id="rId82"/>
       <p:bold r:id="rId83"/>
       <p:italic r:id="rId84"/>
       <p:boldItalic r:id="rId85"/>
+    </p:embeddedFont>
+    <p:embeddedFont>
+      <p:font typeface="Amatic SC" panose="020B0604020202020204" charset="-79"/>
+      <p:regular r:id="rId86"/>
+      <p:bold r:id="rId87"/>
     </p:embeddedFont>
   </p:embeddedFontLst>
   <p:defaultTextStyle>
@@ -15224,11 +15226,7 @@
             </a:r>
             <a:r>
               <a:rPr lang="en-US" dirty="0" smtClean="0"/>
-              <a:t> </a:t>
-            </a:r>
-            <a:r>
-              <a:rPr lang="en-US" dirty="0" smtClean="0"/>
-              <a:t>[</a:t>
+              <a:t> [</a:t>
             </a:r>
             <a:r>
               <a:rPr lang="cs-CZ" dirty="0" err="1" smtClean="0"/>
@@ -18134,15 +18132,7 @@
                   <a:schemeClr val="accent6"/>
                 </a:solidFill>
               </a:rPr>
-              <a:t>Samostatná </a:t>
-            </a:r>
-            <a:r>
-              <a:rPr lang="cs-CZ" b="1" u="sng" dirty="0" smtClean="0">
-                <a:solidFill>
-                  <a:schemeClr val="accent6"/>
-                </a:solidFill>
-              </a:rPr>
-              <a:t>práce 1</a:t>
+              <a:t>Samostatná práce 1</a:t>
             </a:r>
             <a:endParaRPr b="1" u="sng" dirty="0">
               <a:solidFill>
@@ -18240,19 +18230,7 @@
                 <a:cs typeface="Consolas"/>
                 <a:sym typeface="Consolas"/>
               </a:rPr>
-              <a:t>prompt</a:t>
-            </a:r>
-            <a:r>
-              <a:rPr lang="cs-CZ" sz="3000" b="1" dirty="0" smtClean="0">
-                <a:solidFill>
-                  <a:schemeClr val="accent3"/>
-                </a:solidFill>
-                <a:latin typeface="Consolas"/>
-                <a:ea typeface="Consolas"/>
-                <a:cs typeface="Consolas"/>
-                <a:sym typeface="Consolas"/>
-              </a:rPr>
-              <a:t>(</a:t>
+              <a:t>prompt(</a:t>
             </a:r>
             <a:r>
               <a:rPr lang="en-US" sz="3000" b="1" dirty="0" smtClean="0">
@@ -20376,15 +20354,6 @@
               </a:rPr>
               <a:t>;</a:t>
             </a:r>
-            <a:endParaRPr lang="cs-CZ" sz="3000" b="1" dirty="0" smtClean="0">
-              <a:solidFill>
-                <a:schemeClr val="tx1"/>
-              </a:solidFill>
-              <a:latin typeface="Consolas"/>
-              <a:ea typeface="Consolas"/>
-              <a:cs typeface="Consolas"/>
-              <a:sym typeface="Consolas"/>
-            </a:endParaRPr>
           </a:p>
           <a:p>
             <a:pPr lvl="0">
@@ -20492,19 +20461,7 @@
                 <a:cs typeface="Consolas"/>
                 <a:sym typeface="Consolas"/>
               </a:rPr>
-              <a:t> </a:t>
-            </a:r>
-            <a:r>
-              <a:rPr lang="cs-CZ" sz="3000" b="1" dirty="0" smtClean="0">
-                <a:solidFill>
-                  <a:srgbClr val="283891"/>
-                </a:solidFill>
-                <a:latin typeface="Consolas"/>
-                <a:ea typeface="Consolas"/>
-                <a:cs typeface="Consolas"/>
-                <a:sym typeface="Consolas"/>
-              </a:rPr>
-              <a:t>=== </a:t>
+              <a:t> === </a:t>
             </a:r>
             <a:r>
               <a:rPr lang="cs-CZ" sz="3000" b="1" dirty="0" smtClean="0">
@@ -22705,15 +22662,7 @@
                   <a:schemeClr val="accent6"/>
                 </a:solidFill>
               </a:rPr>
-              <a:t>Samostatná </a:t>
-            </a:r>
-            <a:r>
-              <a:rPr lang="cs-CZ" b="1" u="sng" dirty="0" smtClean="0">
-                <a:solidFill>
-                  <a:schemeClr val="accent6"/>
-                </a:solidFill>
-              </a:rPr>
-              <a:t>práce </a:t>
+              <a:t>Samostatná práce </a:t>
             </a:r>
             <a:r>
               <a:rPr lang="en-US" b="1" u="sng" dirty="0" smtClean="0">
@@ -23531,15 +23480,7 @@
                   <a:schemeClr val="accent6"/>
                 </a:solidFill>
               </a:rPr>
-              <a:t>Samostatná </a:t>
-            </a:r>
-            <a:r>
-              <a:rPr lang="cs-CZ" b="1" u="sng" dirty="0" smtClean="0">
-                <a:solidFill>
-                  <a:schemeClr val="accent6"/>
-                </a:solidFill>
-              </a:rPr>
-              <a:t>práce </a:t>
+              <a:t>Samostatná práce </a:t>
             </a:r>
             <a:r>
               <a:rPr lang="en-US" b="1" u="sng" dirty="0" smtClean="0">
@@ -27686,7 +27627,19 @@
                 <a:cs typeface="Consolas"/>
                 <a:sym typeface="Consolas"/>
               </a:rPr>
-              <a:t>Pálavá je boží!"</a:t>
+              <a:t>Pálavá je </a:t>
+            </a:r>
+            <a:r>
+              <a:rPr lang="cs-CZ" b="1" dirty="0" smtClean="0">
+                <a:solidFill>
+                  <a:srgbClr val="6AA84F"/>
+                </a:solidFill>
+                <a:latin typeface="Consolas"/>
+                <a:ea typeface="Consolas"/>
+                <a:cs typeface="Consolas"/>
+                <a:sym typeface="Consolas"/>
+              </a:rPr>
+              <a:t>skvělá"</a:t>
             </a:r>
             <a:r>
               <a:rPr lang="cs-CZ" b="1" dirty="0" smtClean="0">
@@ -27834,10 +27787,10 @@
                 <a:cs typeface="Consolas"/>
                 <a:sym typeface="Consolas"/>
               </a:rPr>
-              <a:t>!</a:t>
-            </a:r>
-            <a:r>
-              <a:rPr lang="en-US" b="1" dirty="0">
+              <a:t>!!!</a:t>
+            </a:r>
+            <a:r>
+              <a:rPr lang="en-US" b="1" dirty="0" smtClean="0">
                 <a:solidFill>
                   <a:srgbClr val="6AA84F"/>
                 </a:solidFill>
@@ -27846,7 +27799,7 @@
                 <a:cs typeface="Consolas"/>
                 <a:sym typeface="Consolas"/>
               </a:rPr>
-              <a:t> </a:t>
+              <a:t>&lt;/</a:t>
             </a:r>
             <a:r>
               <a:rPr lang="en-US" b="1" dirty="0" smtClean="0">
@@ -27858,7 +27811,7 @@
                 <a:cs typeface="Consolas"/>
                 <a:sym typeface="Consolas"/>
               </a:rPr>
-              <a:t>&lt;/strong</a:t>
+              <a:t>strong</a:t>
             </a:r>
             <a:r>
               <a:rPr lang="en-US" b="1" dirty="0">
@@ -27976,6 +27929,142 @@
 </file>
 
 <file path=ppt/slides/slide32.xml><?xml version="1.0" encoding="utf-8"?>
+<p:sld xmlns:a="http://schemas.openxmlformats.org/drawingml/2006/main" xmlns:r="http://schemas.openxmlformats.org/officeDocument/2006/relationships" xmlns:p="http://schemas.openxmlformats.org/presentationml/2006/main">
+  <p:cSld>
+    <p:spTree>
+      <p:nvGrpSpPr>
+        <p:cNvPr id="1" name=""/>
+        <p:cNvGrpSpPr/>
+        <p:nvPr/>
+      </p:nvGrpSpPr>
+      <p:grpSpPr>
+        <a:xfrm>
+          <a:off x="0" y="0"/>
+          <a:ext cx="0" cy="0"/>
+          <a:chOff x="0" y="0"/>
+          <a:chExt cx="0" cy="0"/>
+        </a:xfrm>
+      </p:grpSpPr>
+      <p:sp>
+        <p:nvSpPr>
+          <p:cNvPr id="5" name="Nadpis 4"/>
+          <p:cNvSpPr>
+            <a:spLocks noGrp="1"/>
+          </p:cNvSpPr>
+          <p:nvPr>
+            <p:ph type="title"/>
+          </p:nvPr>
+        </p:nvSpPr>
+        <p:spPr/>
+        <p:txBody>
+          <a:bodyPr/>
+          <a:lstStyle/>
+          <a:p>
+            <a:r>
+              <a:rPr lang="cs-CZ" dirty="0" smtClean="0"/>
+              <a:t>Funkce</a:t>
+            </a:r>
+            <a:endParaRPr lang="cs-CZ" dirty="0"/>
+          </a:p>
+        </p:txBody>
+      </p:sp>
+    </p:spTree>
+    <p:extLst>
+      <p:ext uri="{BB962C8B-B14F-4D97-AF65-F5344CB8AC3E}">
+        <p14:creationId xmlns:p14="http://schemas.microsoft.com/office/powerpoint/2010/main" val="3636218466"/>
+      </p:ext>
+    </p:extLst>
+  </p:cSld>
+  <p:clrMapOvr>
+    <a:masterClrMapping/>
+  </p:clrMapOvr>
+  <p:timing>
+    <p:tnLst>
+      <p:par>
+        <p:cTn id="1" dur="indefinite" restart="never" nodeType="tmRoot"/>
+      </p:par>
+    </p:tnLst>
+  </p:timing>
+</p:sld>
+</file>
+
+<file path=ppt/slides/slide33.xml><?xml version="1.0" encoding="utf-8"?>
+<p:sld xmlns:a="http://schemas.openxmlformats.org/drawingml/2006/main" xmlns:r="http://schemas.openxmlformats.org/officeDocument/2006/relationships" xmlns:p="http://schemas.openxmlformats.org/presentationml/2006/main">
+  <p:cSld>
+    <p:spTree>
+      <p:nvGrpSpPr>
+        <p:cNvPr id="1" name=""/>
+        <p:cNvGrpSpPr/>
+        <p:nvPr/>
+      </p:nvGrpSpPr>
+      <p:grpSpPr>
+        <a:xfrm>
+          <a:off x="0" y="0"/>
+          <a:ext cx="0" cy="0"/>
+          <a:chOff x="0" y="0"/>
+          <a:chExt cx="0" cy="0"/>
+        </a:xfrm>
+      </p:grpSpPr>
+      <p:sp>
+        <p:nvSpPr>
+          <p:cNvPr id="5" name="Zástupný symbol pro text 4"/>
+          <p:cNvSpPr>
+            <a:spLocks noGrp="1"/>
+          </p:cNvSpPr>
+          <p:nvPr>
+            <p:ph type="body" idx="1"/>
+          </p:nvPr>
+        </p:nvSpPr>
+        <p:spPr/>
+        <p:txBody>
+          <a:bodyPr/>
+          <a:lstStyle/>
+          <a:p>
+            <a:r>
+              <a:rPr lang="cs-CZ" dirty="0" smtClean="0"/>
+              <a:t>Funkce slouží k uskutečnění určitého procesu, či pro vytvoření odpovědi na určitý výsledek.</a:t>
+            </a:r>
+            <a:endParaRPr lang="cs-CZ" dirty="0"/>
+          </a:p>
+        </p:txBody>
+      </p:sp>
+      <p:sp>
+        <p:nvSpPr>
+          <p:cNvPr id="4" name="Nadpis 3"/>
+          <p:cNvSpPr>
+            <a:spLocks noGrp="1"/>
+          </p:cNvSpPr>
+          <p:nvPr>
+            <p:ph type="title"/>
+          </p:nvPr>
+        </p:nvSpPr>
+        <p:spPr/>
+        <p:txBody>
+          <a:bodyPr/>
+          <a:lstStyle/>
+          <a:p>
+            <a:r>
+              <a:rPr lang="cs-CZ" dirty="0" smtClean="0"/>
+              <a:t>Funkce</a:t>
+            </a:r>
+            <a:endParaRPr lang="cs-CZ" dirty="0"/>
+          </a:p>
+        </p:txBody>
+      </p:sp>
+    </p:spTree>
+    <p:extLst>
+      <p:ext uri="{BB962C8B-B14F-4D97-AF65-F5344CB8AC3E}">
+        <p14:creationId xmlns:p14="http://schemas.microsoft.com/office/powerpoint/2010/main" val="4235057406"/>
+      </p:ext>
+    </p:extLst>
+  </p:cSld>
+  <p:clrMapOvr>
+    <a:masterClrMapping/>
+  </p:clrMapOvr>
+</p:sld>
+</file>
+
+<file path=ppt/slides/slide34.xml><?xml version="1.0" encoding="utf-8"?>
 <p:sld xmlns:a="http://schemas.openxmlformats.org/drawingml/2006/main" xmlns:r="http://schemas.openxmlformats.org/officeDocument/2006/relationships" xmlns:p="http://schemas.openxmlformats.org/presentationml/2006/main">
   <p:cSld>
     <p:spTree>
@@ -28070,7 +28159,7 @@
 </p:sld>
 </file>
 
-<file path=ppt/slides/slide33.xml><?xml version="1.0" encoding="utf-8"?>
+<file path=ppt/slides/slide35.xml><?xml version="1.0" encoding="utf-8"?>
 <p:sld xmlns:a="http://schemas.openxmlformats.org/drawingml/2006/main" xmlns:r="http://schemas.openxmlformats.org/officeDocument/2006/relationships" xmlns:p="http://schemas.openxmlformats.org/presentationml/2006/main">
   <p:cSld>
     <p:spTree>
@@ -28222,7 +28311,7 @@
 </p:sld>
 </file>
 
-<file path=ppt/slides/slide34.xml><?xml version="1.0" encoding="utf-8"?>
+<file path=ppt/slides/slide36.xml><?xml version="1.0" encoding="utf-8"?>
 <p:sld xmlns:a="http://schemas.openxmlformats.org/drawingml/2006/main" xmlns:r="http://schemas.openxmlformats.org/officeDocument/2006/relationships" xmlns:p="http://schemas.openxmlformats.org/presentationml/2006/main">
   <p:cSld>
     <p:spTree>
@@ -28305,7 +28394,7 @@
 </p:sld>
 </file>
 
-<file path=ppt/slides/slide35.xml><?xml version="1.0" encoding="utf-8"?>
+<file path=ppt/slides/slide37.xml><?xml version="1.0" encoding="utf-8"?>
 <p:sld xmlns:a="http://schemas.openxmlformats.org/drawingml/2006/main" xmlns:r="http://schemas.openxmlformats.org/officeDocument/2006/relationships" xmlns:p="http://schemas.openxmlformats.org/presentationml/2006/main">
   <p:cSld>
     <p:spTree>
@@ -28449,7 +28538,7 @@
 </p:sld>
 </file>
 
-<file path=ppt/slides/slide36.xml><?xml version="1.0" encoding="utf-8"?>
+<file path=ppt/slides/slide38.xml><?xml version="1.0" encoding="utf-8"?>
 <p:sld xmlns:a="http://schemas.openxmlformats.org/drawingml/2006/main" xmlns:r="http://schemas.openxmlformats.org/officeDocument/2006/relationships" xmlns:p="http://schemas.openxmlformats.org/presentationml/2006/main">
   <p:cSld>
     <p:spTree>
@@ -28991,7 +29080,7 @@
 </p:sld>
 </file>
 
-<file path=ppt/slides/slide37.xml><?xml version="1.0" encoding="utf-8"?>
+<file path=ppt/slides/slide39.xml><?xml version="1.0" encoding="utf-8"?>
 <p:sld xmlns:a="http://schemas.openxmlformats.org/drawingml/2006/main" xmlns:r="http://schemas.openxmlformats.org/officeDocument/2006/relationships" xmlns:p="http://schemas.openxmlformats.org/presentationml/2006/main">
   <p:cSld>
     <p:spTree>
@@ -29494,363 +29583,6 @@
               <a:cs typeface="Open Sans"/>
               <a:sym typeface="Open Sans"/>
             </a:endParaRPr>
-          </a:p>
-        </p:txBody>
-      </p:sp>
-    </p:spTree>
-  </p:cSld>
-  <p:clrMapOvr>
-    <a:masterClrMapping/>
-  </p:clrMapOvr>
-</p:sld>
-</file>
-
-<file path=ppt/slides/slide38.xml><?xml version="1.0" encoding="utf-8"?>
-<p:sld xmlns:a="http://schemas.openxmlformats.org/drawingml/2006/main" xmlns:r="http://schemas.openxmlformats.org/officeDocument/2006/relationships" xmlns:p="http://schemas.openxmlformats.org/presentationml/2006/main">
-  <p:cSld>
-    <p:spTree>
-      <p:nvGrpSpPr>
-        <p:cNvPr id="1" name="Shape 133"/>
-        <p:cNvGrpSpPr/>
-        <p:nvPr/>
-      </p:nvGrpSpPr>
-      <p:grpSpPr>
-        <a:xfrm>
-          <a:off x="0" y="0"/>
-          <a:ext cx="0" cy="0"/>
-          <a:chOff x="0" y="0"/>
-          <a:chExt cx="0" cy="0"/>
-        </a:xfrm>
-      </p:grpSpPr>
-      <p:sp>
-        <p:nvSpPr>
-          <p:cNvPr id="134" name="Google Shape;134;p27"/>
-          <p:cNvSpPr txBox="1">
-            <a:spLocks noGrp="1"/>
-          </p:cNvSpPr>
-          <p:nvPr>
-            <p:ph type="title"/>
-          </p:nvPr>
-        </p:nvSpPr>
-        <p:spPr>
-          <a:xfrm>
-            <a:off x="1079770" y="1371600"/>
-            <a:ext cx="10029300" cy="4391100"/>
-          </a:xfrm>
-          <a:prstGeom prst="rect">
-            <a:avLst/>
-          </a:prstGeom>
-        </p:spPr>
-        <p:txBody>
-          <a:bodyPr spcFirstLastPara="1" wrap="square" lIns="91425" tIns="91425" rIns="91425" bIns="91425" anchor="ctr" anchorCtr="0">
-            <a:noAutofit/>
-          </a:bodyPr>
-          <a:lstStyle/>
-          <a:p>
-            <a:pPr marL="0" lvl="0" indent="0" algn="ctr" rtl="0">
-              <a:spcBef>
-                <a:spcPts val="0"/>
-              </a:spcBef>
-              <a:spcAft>
-                <a:spcPts val="0"/>
-              </a:spcAft>
-              <a:buNone/>
-            </a:pPr>
-            <a:r>
-              <a:rPr lang="en-US"/>
-              <a:t>Měníme vlastnosti značky</a:t>
-            </a:r>
-            <a:endParaRPr/>
-          </a:p>
-          <a:p>
-            <a:pPr marL="0" lvl="0" indent="0" algn="ctr" rtl="0">
-              <a:spcBef>
-                <a:spcPts val="0"/>
-              </a:spcBef>
-              <a:spcAft>
-                <a:spcPts val="0"/>
-              </a:spcAft>
-              <a:buNone/>
-            </a:pPr>
-            <a:r>
-              <a:rPr lang="en-US" sz="3600"/>
-              <a:t>Aneb konečně bude nějaká akce!</a:t>
-            </a:r>
-            <a:endParaRPr sz="3600"/>
-          </a:p>
-        </p:txBody>
-      </p:sp>
-    </p:spTree>
-  </p:cSld>
-  <p:clrMapOvr>
-    <a:masterClrMapping/>
-  </p:clrMapOvr>
-</p:sld>
-</file>
-
-<file path=ppt/slides/slide39.xml><?xml version="1.0" encoding="utf-8"?>
-<p:sld xmlns:a="http://schemas.openxmlformats.org/drawingml/2006/main" xmlns:r="http://schemas.openxmlformats.org/officeDocument/2006/relationships" xmlns:p="http://schemas.openxmlformats.org/presentationml/2006/main">
-  <p:cSld>
-    <p:spTree>
-      <p:nvGrpSpPr>
-        <p:cNvPr id="1" name="Shape 138"/>
-        <p:cNvGrpSpPr/>
-        <p:nvPr/>
-      </p:nvGrpSpPr>
-      <p:grpSpPr>
-        <a:xfrm>
-          <a:off x="0" y="0"/>
-          <a:ext cx="0" cy="0"/>
-          <a:chOff x="0" y="0"/>
-          <a:chExt cx="0" cy="0"/>
-        </a:xfrm>
-      </p:grpSpPr>
-      <p:sp>
-        <p:nvSpPr>
-          <p:cNvPr id="139" name="Google Shape;139;p28"/>
-          <p:cNvSpPr txBox="1">
-            <a:spLocks noGrp="1"/>
-          </p:cNvSpPr>
-          <p:nvPr>
-            <p:ph type="title" idx="4294967295"/>
-          </p:nvPr>
-        </p:nvSpPr>
-        <p:spPr>
-          <a:xfrm>
-            <a:off x="964660" y="528469"/>
-            <a:ext cx="8325300" cy="821700"/>
-          </a:xfrm>
-          <a:prstGeom prst="rect">
-            <a:avLst/>
-          </a:prstGeom>
-        </p:spPr>
-        <p:txBody>
-          <a:bodyPr spcFirstLastPara="1" wrap="square" lIns="91425" tIns="91425" rIns="91425" bIns="91425" anchor="ctr" anchorCtr="0">
-            <a:noAutofit/>
-          </a:bodyPr>
-          <a:lstStyle/>
-          <a:p>
-            <a:pPr marL="0" lvl="0" indent="0" algn="l" rtl="0">
-              <a:spcBef>
-                <a:spcPts val="0"/>
-              </a:spcBef>
-              <a:spcAft>
-                <a:spcPts val="0"/>
-              </a:spcAft>
-              <a:buNone/>
-            </a:pPr>
-            <a:r>
-              <a:rPr lang="en-US"/>
-              <a:t>Měníme vlastnosti značky</a:t>
-            </a:r>
-            <a:endParaRPr/>
-          </a:p>
-        </p:txBody>
-      </p:sp>
-      <p:sp>
-        <p:nvSpPr>
-          <p:cNvPr id="140" name="Google Shape;140;p28"/>
-          <p:cNvSpPr txBox="1">
-            <a:spLocks noGrp="1"/>
-          </p:cNvSpPr>
-          <p:nvPr>
-            <p:ph type="body" idx="4294967295"/>
-          </p:nvPr>
-        </p:nvSpPr>
-        <p:spPr>
-          <a:xfrm>
-            <a:off x="964650" y="1378148"/>
-            <a:ext cx="10134600" cy="4992900"/>
-          </a:xfrm>
-          <a:prstGeom prst="rect">
-            <a:avLst/>
-          </a:prstGeom>
-        </p:spPr>
-        <p:txBody>
-          <a:bodyPr spcFirstLastPara="1" wrap="square" lIns="91425" tIns="91425" rIns="91425" bIns="91425" anchor="t" anchorCtr="0">
-            <a:noAutofit/>
-          </a:bodyPr>
-          <a:lstStyle/>
-          <a:p>
-            <a:pPr marL="0" lvl="0" indent="0" algn="l" rtl="0">
-              <a:lnSpc>
-                <a:spcPct val="115000"/>
-              </a:lnSpc>
-              <a:spcBef>
-                <a:spcPts val="0"/>
-              </a:spcBef>
-              <a:spcAft>
-                <a:spcPts val="0"/>
-              </a:spcAft>
-              <a:buNone/>
-            </a:pPr>
-            <a:r>
-              <a:rPr lang="en-US"/>
-              <a:t>Když jsem získal objekt značky na stránce pomocí </a:t>
-            </a:r>
-            <a:r>
-              <a:rPr lang="en-US" b="1"/>
-              <a:t>document.querySelector("...");</a:t>
-            </a:r>
-            <a:r>
-              <a:rPr lang="en-US"/>
-              <a:t> mohu v JavaScriptu</a:t>
-            </a:r>
-            <a:br>
-              <a:rPr lang="en-US"/>
-            </a:br>
-            <a:r>
-              <a:rPr lang="en-US"/>
-              <a:t>měnit jeho vlastnosti:</a:t>
-            </a:r>
-            <a:br>
-              <a:rPr lang="en-US"/>
-            </a:br>
-            <a:endParaRPr/>
-          </a:p>
-          <a:p>
-            <a:pPr marL="457200" lvl="0" indent="-406400" algn="l" rtl="0">
-              <a:lnSpc>
-                <a:spcPct val="115000"/>
-              </a:lnSpc>
-              <a:spcBef>
-                <a:spcPts val="1600"/>
-              </a:spcBef>
-              <a:spcAft>
-                <a:spcPts val="0"/>
-              </a:spcAft>
-              <a:buClr>
-                <a:schemeClr val="dk1"/>
-              </a:buClr>
-              <a:buSzPts val="2800"/>
-              <a:buFont typeface="Crimson Text"/>
-              <a:buChar char="●"/>
-            </a:pPr>
-            <a:r>
-              <a:rPr lang="en-US"/>
-              <a:t>Přímo nastavovat </a:t>
-            </a:r>
-            <a:r>
-              <a:rPr lang="en-US" b="1">
-                <a:solidFill>
-                  <a:schemeClr val="dk2"/>
-                </a:solidFill>
-              </a:rPr>
-              <a:t>CSS styly</a:t>
-            </a:r>
-            <a:endParaRPr b="1">
-              <a:solidFill>
-                <a:schemeClr val="dk2"/>
-              </a:solidFill>
-            </a:endParaRPr>
-          </a:p>
-          <a:p>
-            <a:pPr marL="457200" lvl="0" indent="-406400" algn="l" rtl="0">
-              <a:lnSpc>
-                <a:spcPct val="115000"/>
-              </a:lnSpc>
-              <a:spcBef>
-                <a:spcPts val="0"/>
-              </a:spcBef>
-              <a:spcAft>
-                <a:spcPts val="0"/>
-              </a:spcAft>
-              <a:buClr>
-                <a:schemeClr val="dk1"/>
-              </a:buClr>
-              <a:buSzPts val="2800"/>
-              <a:buFont typeface="Crimson Text"/>
-              <a:buChar char="●"/>
-            </a:pPr>
-            <a:r>
-              <a:rPr lang="en-US"/>
-              <a:t>Přidávat / odebírat </a:t>
-            </a:r>
-            <a:r>
-              <a:rPr lang="en-US" b="1">
-                <a:solidFill>
-                  <a:schemeClr val="dk2"/>
-                </a:solidFill>
-              </a:rPr>
-              <a:t>CSS třídy</a:t>
-            </a:r>
-            <a:endParaRPr b="1">
-              <a:solidFill>
-                <a:schemeClr val="dk2"/>
-              </a:solidFill>
-            </a:endParaRPr>
-          </a:p>
-          <a:p>
-            <a:pPr marL="457200" lvl="0" indent="-406400" algn="l" rtl="0">
-              <a:lnSpc>
-                <a:spcPct val="115000"/>
-              </a:lnSpc>
-              <a:spcBef>
-                <a:spcPts val="0"/>
-              </a:spcBef>
-              <a:spcAft>
-                <a:spcPts val="0"/>
-              </a:spcAft>
-              <a:buClr>
-                <a:schemeClr val="dk1"/>
-              </a:buClr>
-              <a:buSzPts val="2800"/>
-              <a:buFont typeface="Crimson Text"/>
-              <a:buChar char="●"/>
-            </a:pPr>
-            <a:r>
-              <a:rPr lang="en-US"/>
-              <a:t>Měnit </a:t>
-            </a:r>
-            <a:r>
-              <a:rPr lang="en-US" b="1">
-                <a:solidFill>
-                  <a:schemeClr val="dk2"/>
-                </a:solidFill>
-              </a:rPr>
-              <a:t>atributy</a:t>
-            </a:r>
-            <a:r>
-              <a:rPr lang="en-US"/>
-              <a:t> prvky</a:t>
-            </a:r>
-            <a:endParaRPr/>
-          </a:p>
-          <a:p>
-            <a:pPr marL="457200" lvl="0" indent="-406400" algn="l" rtl="0">
-              <a:lnSpc>
-                <a:spcPct val="115000"/>
-              </a:lnSpc>
-              <a:spcBef>
-                <a:spcPts val="0"/>
-              </a:spcBef>
-              <a:spcAft>
-                <a:spcPts val="0"/>
-              </a:spcAft>
-              <a:buClr>
-                <a:schemeClr val="dk1"/>
-              </a:buClr>
-              <a:buSzPts val="2800"/>
-              <a:buFont typeface="Crimson Text"/>
-              <a:buChar char="●"/>
-            </a:pPr>
-            <a:r>
-              <a:rPr lang="en-US"/>
-              <a:t>Měnit textový </a:t>
-            </a:r>
-            <a:r>
-              <a:rPr lang="en-US" b="1">
-                <a:solidFill>
-                  <a:schemeClr val="dk2"/>
-                </a:solidFill>
-              </a:rPr>
-              <a:t>obsah</a:t>
-            </a:r>
-            <a:r>
-              <a:rPr lang="en-US"/>
-              <a:t> prvku</a:t>
-            </a:r>
-            <a:endParaRPr/>
           </a:p>
         </p:txBody>
       </p:sp>
@@ -30184,6 +29916,363 @@
 </file>
 
 <file path=ppt/slides/slide40.xml><?xml version="1.0" encoding="utf-8"?>
+<p:sld xmlns:a="http://schemas.openxmlformats.org/drawingml/2006/main" xmlns:r="http://schemas.openxmlformats.org/officeDocument/2006/relationships" xmlns:p="http://schemas.openxmlformats.org/presentationml/2006/main">
+  <p:cSld>
+    <p:spTree>
+      <p:nvGrpSpPr>
+        <p:cNvPr id="1" name="Shape 133"/>
+        <p:cNvGrpSpPr/>
+        <p:nvPr/>
+      </p:nvGrpSpPr>
+      <p:grpSpPr>
+        <a:xfrm>
+          <a:off x="0" y="0"/>
+          <a:ext cx="0" cy="0"/>
+          <a:chOff x="0" y="0"/>
+          <a:chExt cx="0" cy="0"/>
+        </a:xfrm>
+      </p:grpSpPr>
+      <p:sp>
+        <p:nvSpPr>
+          <p:cNvPr id="134" name="Google Shape;134;p27"/>
+          <p:cNvSpPr txBox="1">
+            <a:spLocks noGrp="1"/>
+          </p:cNvSpPr>
+          <p:nvPr>
+            <p:ph type="title"/>
+          </p:nvPr>
+        </p:nvSpPr>
+        <p:spPr>
+          <a:xfrm>
+            <a:off x="1079770" y="1371600"/>
+            <a:ext cx="10029300" cy="4391100"/>
+          </a:xfrm>
+          <a:prstGeom prst="rect">
+            <a:avLst/>
+          </a:prstGeom>
+        </p:spPr>
+        <p:txBody>
+          <a:bodyPr spcFirstLastPara="1" wrap="square" lIns="91425" tIns="91425" rIns="91425" bIns="91425" anchor="ctr" anchorCtr="0">
+            <a:noAutofit/>
+          </a:bodyPr>
+          <a:lstStyle/>
+          <a:p>
+            <a:pPr marL="0" lvl="0" indent="0" algn="ctr" rtl="0">
+              <a:spcBef>
+                <a:spcPts val="0"/>
+              </a:spcBef>
+              <a:spcAft>
+                <a:spcPts val="0"/>
+              </a:spcAft>
+              <a:buNone/>
+            </a:pPr>
+            <a:r>
+              <a:rPr lang="en-US"/>
+              <a:t>Měníme vlastnosti značky</a:t>
+            </a:r>
+            <a:endParaRPr/>
+          </a:p>
+          <a:p>
+            <a:pPr marL="0" lvl="0" indent="0" algn="ctr" rtl="0">
+              <a:spcBef>
+                <a:spcPts val="0"/>
+              </a:spcBef>
+              <a:spcAft>
+                <a:spcPts val="0"/>
+              </a:spcAft>
+              <a:buNone/>
+            </a:pPr>
+            <a:r>
+              <a:rPr lang="en-US" sz="3600"/>
+              <a:t>Aneb konečně bude nějaká akce!</a:t>
+            </a:r>
+            <a:endParaRPr sz="3600"/>
+          </a:p>
+        </p:txBody>
+      </p:sp>
+    </p:spTree>
+  </p:cSld>
+  <p:clrMapOvr>
+    <a:masterClrMapping/>
+  </p:clrMapOvr>
+</p:sld>
+</file>
+
+<file path=ppt/slides/slide41.xml><?xml version="1.0" encoding="utf-8"?>
+<p:sld xmlns:a="http://schemas.openxmlformats.org/drawingml/2006/main" xmlns:r="http://schemas.openxmlformats.org/officeDocument/2006/relationships" xmlns:p="http://schemas.openxmlformats.org/presentationml/2006/main">
+  <p:cSld>
+    <p:spTree>
+      <p:nvGrpSpPr>
+        <p:cNvPr id="1" name="Shape 138"/>
+        <p:cNvGrpSpPr/>
+        <p:nvPr/>
+      </p:nvGrpSpPr>
+      <p:grpSpPr>
+        <a:xfrm>
+          <a:off x="0" y="0"/>
+          <a:ext cx="0" cy="0"/>
+          <a:chOff x="0" y="0"/>
+          <a:chExt cx="0" cy="0"/>
+        </a:xfrm>
+      </p:grpSpPr>
+      <p:sp>
+        <p:nvSpPr>
+          <p:cNvPr id="139" name="Google Shape;139;p28"/>
+          <p:cNvSpPr txBox="1">
+            <a:spLocks noGrp="1"/>
+          </p:cNvSpPr>
+          <p:nvPr>
+            <p:ph type="title" idx="4294967295"/>
+          </p:nvPr>
+        </p:nvSpPr>
+        <p:spPr>
+          <a:xfrm>
+            <a:off x="964660" y="528469"/>
+            <a:ext cx="8325300" cy="821700"/>
+          </a:xfrm>
+          <a:prstGeom prst="rect">
+            <a:avLst/>
+          </a:prstGeom>
+        </p:spPr>
+        <p:txBody>
+          <a:bodyPr spcFirstLastPara="1" wrap="square" lIns="91425" tIns="91425" rIns="91425" bIns="91425" anchor="ctr" anchorCtr="0">
+            <a:noAutofit/>
+          </a:bodyPr>
+          <a:lstStyle/>
+          <a:p>
+            <a:pPr marL="0" lvl="0" indent="0" algn="l" rtl="0">
+              <a:spcBef>
+                <a:spcPts val="0"/>
+              </a:spcBef>
+              <a:spcAft>
+                <a:spcPts val="0"/>
+              </a:spcAft>
+              <a:buNone/>
+            </a:pPr>
+            <a:r>
+              <a:rPr lang="en-US"/>
+              <a:t>Měníme vlastnosti značky</a:t>
+            </a:r>
+            <a:endParaRPr/>
+          </a:p>
+        </p:txBody>
+      </p:sp>
+      <p:sp>
+        <p:nvSpPr>
+          <p:cNvPr id="140" name="Google Shape;140;p28"/>
+          <p:cNvSpPr txBox="1">
+            <a:spLocks noGrp="1"/>
+          </p:cNvSpPr>
+          <p:nvPr>
+            <p:ph type="body" idx="4294967295"/>
+          </p:nvPr>
+        </p:nvSpPr>
+        <p:spPr>
+          <a:xfrm>
+            <a:off x="964650" y="1378148"/>
+            <a:ext cx="10134600" cy="4992900"/>
+          </a:xfrm>
+          <a:prstGeom prst="rect">
+            <a:avLst/>
+          </a:prstGeom>
+        </p:spPr>
+        <p:txBody>
+          <a:bodyPr spcFirstLastPara="1" wrap="square" lIns="91425" tIns="91425" rIns="91425" bIns="91425" anchor="t" anchorCtr="0">
+            <a:noAutofit/>
+          </a:bodyPr>
+          <a:lstStyle/>
+          <a:p>
+            <a:pPr marL="0" lvl="0" indent="0" algn="l" rtl="0">
+              <a:lnSpc>
+                <a:spcPct val="115000"/>
+              </a:lnSpc>
+              <a:spcBef>
+                <a:spcPts val="0"/>
+              </a:spcBef>
+              <a:spcAft>
+                <a:spcPts val="0"/>
+              </a:spcAft>
+              <a:buNone/>
+            </a:pPr>
+            <a:r>
+              <a:rPr lang="en-US"/>
+              <a:t>Když jsem získal objekt značky na stránce pomocí </a:t>
+            </a:r>
+            <a:r>
+              <a:rPr lang="en-US" b="1"/>
+              <a:t>document.querySelector("...");</a:t>
+            </a:r>
+            <a:r>
+              <a:rPr lang="en-US"/>
+              <a:t> mohu v JavaScriptu</a:t>
+            </a:r>
+            <a:br>
+              <a:rPr lang="en-US"/>
+            </a:br>
+            <a:r>
+              <a:rPr lang="en-US"/>
+              <a:t>měnit jeho vlastnosti:</a:t>
+            </a:r>
+            <a:br>
+              <a:rPr lang="en-US"/>
+            </a:br>
+            <a:endParaRPr/>
+          </a:p>
+          <a:p>
+            <a:pPr marL="457200" lvl="0" indent="-406400" algn="l" rtl="0">
+              <a:lnSpc>
+                <a:spcPct val="115000"/>
+              </a:lnSpc>
+              <a:spcBef>
+                <a:spcPts val="1600"/>
+              </a:spcBef>
+              <a:spcAft>
+                <a:spcPts val="0"/>
+              </a:spcAft>
+              <a:buClr>
+                <a:schemeClr val="dk1"/>
+              </a:buClr>
+              <a:buSzPts val="2800"/>
+              <a:buFont typeface="Crimson Text"/>
+              <a:buChar char="●"/>
+            </a:pPr>
+            <a:r>
+              <a:rPr lang="en-US"/>
+              <a:t>Přímo nastavovat </a:t>
+            </a:r>
+            <a:r>
+              <a:rPr lang="en-US" b="1">
+                <a:solidFill>
+                  <a:schemeClr val="dk2"/>
+                </a:solidFill>
+              </a:rPr>
+              <a:t>CSS styly</a:t>
+            </a:r>
+            <a:endParaRPr b="1">
+              <a:solidFill>
+                <a:schemeClr val="dk2"/>
+              </a:solidFill>
+            </a:endParaRPr>
+          </a:p>
+          <a:p>
+            <a:pPr marL="457200" lvl="0" indent="-406400" algn="l" rtl="0">
+              <a:lnSpc>
+                <a:spcPct val="115000"/>
+              </a:lnSpc>
+              <a:spcBef>
+                <a:spcPts val="0"/>
+              </a:spcBef>
+              <a:spcAft>
+                <a:spcPts val="0"/>
+              </a:spcAft>
+              <a:buClr>
+                <a:schemeClr val="dk1"/>
+              </a:buClr>
+              <a:buSzPts val="2800"/>
+              <a:buFont typeface="Crimson Text"/>
+              <a:buChar char="●"/>
+            </a:pPr>
+            <a:r>
+              <a:rPr lang="en-US"/>
+              <a:t>Přidávat / odebírat </a:t>
+            </a:r>
+            <a:r>
+              <a:rPr lang="en-US" b="1">
+                <a:solidFill>
+                  <a:schemeClr val="dk2"/>
+                </a:solidFill>
+              </a:rPr>
+              <a:t>CSS třídy</a:t>
+            </a:r>
+            <a:endParaRPr b="1">
+              <a:solidFill>
+                <a:schemeClr val="dk2"/>
+              </a:solidFill>
+            </a:endParaRPr>
+          </a:p>
+          <a:p>
+            <a:pPr marL="457200" lvl="0" indent="-406400" algn="l" rtl="0">
+              <a:lnSpc>
+                <a:spcPct val="115000"/>
+              </a:lnSpc>
+              <a:spcBef>
+                <a:spcPts val="0"/>
+              </a:spcBef>
+              <a:spcAft>
+                <a:spcPts val="0"/>
+              </a:spcAft>
+              <a:buClr>
+                <a:schemeClr val="dk1"/>
+              </a:buClr>
+              <a:buSzPts val="2800"/>
+              <a:buFont typeface="Crimson Text"/>
+              <a:buChar char="●"/>
+            </a:pPr>
+            <a:r>
+              <a:rPr lang="en-US"/>
+              <a:t>Měnit </a:t>
+            </a:r>
+            <a:r>
+              <a:rPr lang="en-US" b="1">
+                <a:solidFill>
+                  <a:schemeClr val="dk2"/>
+                </a:solidFill>
+              </a:rPr>
+              <a:t>atributy</a:t>
+            </a:r>
+            <a:r>
+              <a:rPr lang="en-US"/>
+              <a:t> prvky</a:t>
+            </a:r>
+            <a:endParaRPr/>
+          </a:p>
+          <a:p>
+            <a:pPr marL="457200" lvl="0" indent="-406400" algn="l" rtl="0">
+              <a:lnSpc>
+                <a:spcPct val="115000"/>
+              </a:lnSpc>
+              <a:spcBef>
+                <a:spcPts val="0"/>
+              </a:spcBef>
+              <a:spcAft>
+                <a:spcPts val="0"/>
+              </a:spcAft>
+              <a:buClr>
+                <a:schemeClr val="dk1"/>
+              </a:buClr>
+              <a:buSzPts val="2800"/>
+              <a:buFont typeface="Crimson Text"/>
+              <a:buChar char="●"/>
+            </a:pPr>
+            <a:r>
+              <a:rPr lang="en-US"/>
+              <a:t>Měnit textový </a:t>
+            </a:r>
+            <a:r>
+              <a:rPr lang="en-US" b="1">
+                <a:solidFill>
+                  <a:schemeClr val="dk2"/>
+                </a:solidFill>
+              </a:rPr>
+              <a:t>obsah</a:t>
+            </a:r>
+            <a:r>
+              <a:rPr lang="en-US"/>
+              <a:t> prvku</a:t>
+            </a:r>
+            <a:endParaRPr/>
+          </a:p>
+        </p:txBody>
+      </p:sp>
+    </p:spTree>
+  </p:cSld>
+  <p:clrMapOvr>
+    <a:masterClrMapping/>
+  </p:clrMapOvr>
+</p:sld>
+</file>
+
+<file path=ppt/slides/slide42.xml><?xml version="1.0" encoding="utf-8"?>
 <p:sld xmlns:a="http://schemas.openxmlformats.org/drawingml/2006/main" xmlns:r="http://schemas.openxmlformats.org/officeDocument/2006/relationships" xmlns:p="http://schemas.openxmlformats.org/presentationml/2006/main">
   <p:cSld>
     <p:spTree>
@@ -30803,7 +30892,7 @@
 </p:sld>
 </file>
 
-<file path=ppt/slides/slide41.xml><?xml version="1.0" encoding="utf-8"?>
+<file path=ppt/slides/slide43.xml><?xml version="1.0" encoding="utf-8"?>
 <p:sld xmlns:a="http://schemas.openxmlformats.org/drawingml/2006/main" xmlns:r="http://schemas.openxmlformats.org/officeDocument/2006/relationships" xmlns:p="http://schemas.openxmlformats.org/presentationml/2006/main">
   <p:cSld>
     <p:spTree>
@@ -31095,7 +31184,7 @@
 </p:sld>
 </file>
 
-<file path=ppt/slides/slide42.xml><?xml version="1.0" encoding="utf-8"?>
+<file path=ppt/slides/slide44.xml><?xml version="1.0" encoding="utf-8"?>
 <p:sld xmlns:a="http://schemas.openxmlformats.org/drawingml/2006/main" xmlns:r="http://schemas.openxmlformats.org/officeDocument/2006/relationships" xmlns:p="http://schemas.openxmlformats.org/presentationml/2006/main">
   <p:cSld>
     <p:spTree>
@@ -31753,7 +31842,7 @@
 </p:sld>
 </file>
 
-<file path=ppt/slides/slide43.xml><?xml version="1.0" encoding="utf-8"?>
+<file path=ppt/slides/slide45.xml><?xml version="1.0" encoding="utf-8"?>
 <p:sld xmlns:a="http://schemas.openxmlformats.org/drawingml/2006/main" xmlns:r="http://schemas.openxmlformats.org/officeDocument/2006/relationships" xmlns:p="http://schemas.openxmlformats.org/presentationml/2006/main">
   <p:cSld>
     <p:spTree>
@@ -32312,7 +32401,7 @@
 </p:sld>
 </file>
 
-<file path=ppt/slides/slide44.xml><?xml version="1.0" encoding="utf-8"?>
+<file path=ppt/slides/slide46.xml><?xml version="1.0" encoding="utf-8"?>
 <p:sld xmlns:a="http://schemas.openxmlformats.org/drawingml/2006/main" xmlns:r="http://schemas.openxmlformats.org/officeDocument/2006/relationships" xmlns:p="http://schemas.openxmlformats.org/presentationml/2006/main">
   <p:cSld>
     <p:spTree>
@@ -32875,7 +32964,7 @@
 </p:sld>
 </file>
 
-<file path=ppt/slides/slide45.xml><?xml version="1.0" encoding="utf-8"?>
+<file path=ppt/slides/slide47.xml><?xml version="1.0" encoding="utf-8"?>
 <p:sld xmlns:a="http://schemas.openxmlformats.org/drawingml/2006/main" xmlns:r="http://schemas.openxmlformats.org/officeDocument/2006/relationships" xmlns:p="http://schemas.openxmlformats.org/presentationml/2006/main">
   <p:cSld>
     <p:spTree>
@@ -33231,7 +33320,7 @@
 </p:sld>
 </file>
 
-<file path=ppt/slides/slide46.xml><?xml version="1.0" encoding="utf-8"?>
+<file path=ppt/slides/slide48.xml><?xml version="1.0" encoding="utf-8"?>
 <p:sld xmlns:a="http://schemas.openxmlformats.org/drawingml/2006/main" xmlns:r="http://schemas.openxmlformats.org/officeDocument/2006/relationships" xmlns:p="http://schemas.openxmlformats.org/presentationml/2006/main">
   <p:cSld>
     <p:spTree>
@@ -33422,7 +33511,7 @@
 </p:sld>
 </file>
 
-<file path=ppt/slides/slide47.xml><?xml version="1.0" encoding="utf-8"?>
+<file path=ppt/slides/slide49.xml><?xml version="1.0" encoding="utf-8"?>
 <p:sld xmlns:a="http://schemas.openxmlformats.org/drawingml/2006/main" xmlns:r="http://schemas.openxmlformats.org/officeDocument/2006/relationships" xmlns:p="http://schemas.openxmlformats.org/presentationml/2006/main">
   <p:cSld>
     <p:spTree>
@@ -33505,7 +33594,370 @@
 </p:sld>
 </file>
 
-<file path=ppt/slides/slide48.xml><?xml version="1.0" encoding="utf-8"?>
+<file path=ppt/slides/slide5.xml><?xml version="1.0" encoding="utf-8"?>
+<p:sld xmlns:a="http://schemas.openxmlformats.org/drawingml/2006/main" xmlns:r="http://schemas.openxmlformats.org/officeDocument/2006/relationships" xmlns:p="http://schemas.openxmlformats.org/presentationml/2006/main">
+  <p:cSld>
+    <p:spTree>
+      <p:nvGrpSpPr>
+        <p:cNvPr id="1" name="Shape 56"/>
+        <p:cNvGrpSpPr/>
+        <p:nvPr/>
+      </p:nvGrpSpPr>
+      <p:grpSpPr>
+        <a:xfrm>
+          <a:off x="0" y="0"/>
+          <a:ext cx="0" cy="0"/>
+          <a:chOff x="0" y="0"/>
+          <a:chExt cx="0" cy="0"/>
+        </a:xfrm>
+      </p:grpSpPr>
+      <p:sp>
+        <p:nvSpPr>
+          <p:cNvPr id="57" name="Google Shape;57;p16"/>
+          <p:cNvSpPr txBox="1">
+            <a:spLocks noGrp="1"/>
+          </p:cNvSpPr>
+          <p:nvPr>
+            <p:ph type="title" idx="4294967295"/>
+          </p:nvPr>
+        </p:nvSpPr>
+        <p:spPr>
+          <a:xfrm>
+            <a:off x="964660" y="528469"/>
+            <a:ext cx="8325300" cy="821700"/>
+          </a:xfrm>
+          <a:prstGeom prst="rect">
+            <a:avLst/>
+          </a:prstGeom>
+        </p:spPr>
+        <p:txBody>
+          <a:bodyPr spcFirstLastPara="1" wrap="square" lIns="91425" tIns="91425" rIns="91425" bIns="91425" anchor="ctr" anchorCtr="0">
+            <a:noAutofit/>
+          </a:bodyPr>
+          <a:lstStyle/>
+          <a:p>
+            <a:pPr marL="0" lvl="0" indent="0" algn="l" rtl="0">
+              <a:spcBef>
+                <a:spcPts val="0"/>
+              </a:spcBef>
+              <a:spcAft>
+                <a:spcPts val="0"/>
+              </a:spcAft>
+              <a:buNone/>
+            </a:pPr>
+            <a:r>
+              <a:rPr lang="en-US"/>
+              <a:t>Co je JavaScript?</a:t>
+            </a:r>
+            <a:endParaRPr/>
+          </a:p>
+        </p:txBody>
+      </p:sp>
+      <p:sp>
+        <p:nvSpPr>
+          <p:cNvPr id="58" name="Google Shape;58;p16"/>
+          <p:cNvSpPr txBox="1">
+            <a:spLocks noGrp="1"/>
+          </p:cNvSpPr>
+          <p:nvPr>
+            <p:ph type="body" idx="4294967295"/>
+          </p:nvPr>
+        </p:nvSpPr>
+        <p:spPr>
+          <a:xfrm>
+            <a:off x="964650" y="1378148"/>
+            <a:ext cx="10134600" cy="4992900"/>
+          </a:xfrm>
+          <a:prstGeom prst="rect">
+            <a:avLst/>
+          </a:prstGeom>
+          <a:effectLst>
+            <a:reflection dist="38100" dir="5400000" fadeDir="5400012" sy="-100000" algn="bl" rotWithShape="0"/>
+          </a:effectLst>
+        </p:spPr>
+        <p:txBody>
+          <a:bodyPr spcFirstLastPara="1" wrap="square" lIns="91425" tIns="91425" rIns="91425" bIns="91425" anchor="t" anchorCtr="0">
+            <a:noAutofit/>
+          </a:bodyPr>
+          <a:lstStyle/>
+          <a:p>
+            <a:pPr lvl="0">
+              <a:lnSpc>
+                <a:spcPct val="150000"/>
+              </a:lnSpc>
+              <a:spcBef>
+                <a:spcPts val="0"/>
+              </a:spcBef>
+              <a:buFont typeface="Crimson Text"/>
+              <a:buChar char="●"/>
+            </a:pPr>
+            <a:r>
+              <a:rPr lang="en-US" dirty="0" smtClean="0"/>
+              <a:t>Z </a:t>
+            </a:r>
+            <a:r>
+              <a:rPr lang="en-US" dirty="0" err="1"/>
+              <a:t>velké</a:t>
+            </a:r>
+            <a:r>
+              <a:rPr lang="en-US" dirty="0"/>
+              <a:t> </a:t>
+            </a:r>
+            <a:r>
+              <a:rPr lang="en-US" dirty="0" err="1"/>
+              <a:t>rodiny</a:t>
+            </a:r>
+            <a:r>
+              <a:rPr lang="en-US" dirty="0"/>
+              <a:t> </a:t>
+            </a:r>
+            <a:r>
+              <a:rPr lang="en-US" dirty="0" err="1">
+                <a:solidFill>
+                  <a:schemeClr val="bg2"/>
+                </a:solidFill>
+              </a:rPr>
+              <a:t>jazyka</a:t>
+            </a:r>
+            <a:r>
+              <a:rPr lang="en-US" dirty="0">
+                <a:solidFill>
+                  <a:schemeClr val="bg2"/>
+                </a:solidFill>
+              </a:rPr>
+              <a:t> </a:t>
+            </a:r>
+            <a:r>
+              <a:rPr lang="en-US" dirty="0" smtClean="0">
+                <a:solidFill>
+                  <a:schemeClr val="bg2"/>
+                </a:solidFill>
+              </a:rPr>
+              <a:t>C</a:t>
+            </a:r>
+            <a:r>
+              <a:rPr lang="cs-CZ" dirty="0">
+                <a:solidFill>
+                  <a:schemeClr val="bg2"/>
+                </a:solidFill>
+              </a:rPr>
+              <a:t> </a:t>
+            </a:r>
+            <a:endParaRPr lang="cs-CZ" dirty="0" smtClean="0">
+              <a:solidFill>
+                <a:schemeClr val="bg2"/>
+              </a:solidFill>
+            </a:endParaRPr>
+          </a:p>
+          <a:p>
+            <a:pPr lvl="1">
+              <a:lnSpc>
+                <a:spcPct val="150000"/>
+              </a:lnSpc>
+              <a:spcBef>
+                <a:spcPts val="0"/>
+              </a:spcBef>
+              <a:buFont typeface="Courier New" panose="02070309020205020404" pitchFamily="49" charset="0"/>
+              <a:buChar char="o"/>
+            </a:pPr>
+            <a:r>
+              <a:rPr lang="en-US" dirty="0" smtClean="0"/>
+              <a:t>C</a:t>
+            </a:r>
+            <a:r>
+              <a:rPr lang="en-US" dirty="0"/>
+              <a:t>++, Java, C</a:t>
+            </a:r>
+            <a:r>
+              <a:rPr lang="en-US" dirty="0" smtClean="0"/>
+              <a:t>#,</a:t>
+            </a:r>
+            <a:endParaRPr dirty="0"/>
+          </a:p>
+          <a:p>
+            <a:pPr marL="457200" lvl="0" indent="-406400" algn="l" rtl="0">
+              <a:lnSpc>
+                <a:spcPct val="150000"/>
+              </a:lnSpc>
+              <a:spcBef>
+                <a:spcPts val="0"/>
+              </a:spcBef>
+              <a:spcAft>
+                <a:spcPts val="0"/>
+              </a:spcAft>
+              <a:buClr>
+                <a:schemeClr val="dk1"/>
+              </a:buClr>
+              <a:buSzPts val="2800"/>
+              <a:buFont typeface="Crimson Text"/>
+              <a:buChar char="●"/>
+            </a:pPr>
+            <a:r>
+              <a:rPr lang="en-US" dirty="0" err="1"/>
+              <a:t>Neplést</a:t>
+            </a:r>
+            <a:r>
+              <a:rPr lang="en-US" dirty="0"/>
+              <a:t> s </a:t>
+            </a:r>
+            <a:r>
+              <a:rPr lang="en-US" dirty="0" err="1"/>
+              <a:t>jazykem</a:t>
+            </a:r>
+            <a:r>
+              <a:rPr lang="en-US" dirty="0"/>
+              <a:t> </a:t>
+            </a:r>
+            <a:r>
+              <a:rPr lang="en-US" dirty="0" smtClean="0">
+                <a:solidFill>
+                  <a:schemeClr val="bg2"/>
+                </a:solidFill>
+              </a:rPr>
+              <a:t>Java</a:t>
+            </a:r>
+            <a:r>
+              <a:rPr lang="cs-CZ" dirty="0" smtClean="0">
+                <a:solidFill>
+                  <a:schemeClr val="bg2"/>
+                </a:solidFill>
+              </a:rPr>
+              <a:t> </a:t>
+            </a:r>
+          </a:p>
+          <a:p>
+            <a:pPr lvl="1" indent="-406400">
+              <a:lnSpc>
+                <a:spcPct val="150000"/>
+              </a:lnSpc>
+              <a:spcBef>
+                <a:spcPts val="0"/>
+              </a:spcBef>
+              <a:buSzPts val="2800"/>
+              <a:buFont typeface="Courier New" panose="02070309020205020404" pitchFamily="49" charset="0"/>
+              <a:buChar char="o"/>
+            </a:pPr>
+            <a:r>
+              <a:rPr lang="cs-CZ" dirty="0" smtClean="0"/>
+              <a:t>to </a:t>
+            </a:r>
+            <a:r>
+              <a:rPr lang="en-US" dirty="0" smtClean="0"/>
+              <a:t>je </a:t>
+            </a:r>
+            <a:r>
+              <a:rPr lang="en-US" dirty="0" err="1"/>
+              <a:t>úplně</a:t>
+            </a:r>
+            <a:r>
+              <a:rPr lang="en-US" dirty="0"/>
+              <a:t> </a:t>
+            </a:r>
+            <a:r>
+              <a:rPr lang="en-US" dirty="0" err="1"/>
+              <a:t>jiný</a:t>
+            </a:r>
+            <a:r>
+              <a:rPr lang="en-US" dirty="0"/>
+              <a:t> </a:t>
+            </a:r>
+            <a:r>
+              <a:rPr lang="en-US" dirty="0" err="1" smtClean="0"/>
+              <a:t>jazyk</a:t>
+            </a:r>
+            <a:r>
+              <a:rPr lang="cs-CZ" dirty="0" smtClean="0"/>
+              <a:t>, původně se jazyk jmenoval „</a:t>
+            </a:r>
+            <a:r>
+              <a:rPr lang="cs-CZ" dirty="0" err="1" smtClean="0"/>
+              <a:t>LiveScript</a:t>
+            </a:r>
+            <a:r>
+              <a:rPr lang="cs-CZ" dirty="0" smtClean="0"/>
+              <a:t>“</a:t>
+            </a:r>
+          </a:p>
+          <a:p>
+            <a:pPr marL="457200" lvl="0" indent="-406400" algn="l" rtl="0">
+              <a:lnSpc>
+                <a:spcPct val="150000"/>
+              </a:lnSpc>
+              <a:spcBef>
+                <a:spcPts val="0"/>
+              </a:spcBef>
+              <a:spcAft>
+                <a:spcPts val="0"/>
+              </a:spcAft>
+              <a:buClr>
+                <a:schemeClr val="dk1"/>
+              </a:buClr>
+              <a:buSzPts val="2800"/>
+              <a:buFont typeface="Crimson Text"/>
+              <a:buChar char="●"/>
+            </a:pPr>
+            <a:r>
+              <a:rPr lang="cs-CZ" dirty="0" smtClean="0"/>
+              <a:t>JS je </a:t>
+            </a:r>
+            <a:r>
+              <a:rPr lang="cs-CZ" dirty="0" smtClean="0">
+                <a:solidFill>
+                  <a:schemeClr val="bg2"/>
+                </a:solidFill>
+              </a:rPr>
+              <a:t>rychlý a jednoduchý</a:t>
+            </a:r>
+          </a:p>
+          <a:p>
+            <a:pPr lvl="1" indent="-406400">
+              <a:lnSpc>
+                <a:spcPct val="150000"/>
+              </a:lnSpc>
+              <a:spcBef>
+                <a:spcPts val="0"/>
+              </a:spcBef>
+              <a:buSzPts val="2800"/>
+              <a:buFont typeface="Courier New" panose="02070309020205020404" pitchFamily="49" charset="0"/>
+              <a:buChar char="o"/>
+            </a:pPr>
+            <a:r>
+              <a:rPr lang="cs-CZ" dirty="0" smtClean="0"/>
+              <a:t>Nicméně JS má některé (pro začátečníky) matoucí vlastnosti</a:t>
+            </a:r>
+            <a:endParaRPr dirty="0"/>
+          </a:p>
+          <a:p>
+            <a:pPr marL="0" lvl="0" indent="0" algn="l" rtl="0">
+              <a:lnSpc>
+                <a:spcPct val="115000"/>
+              </a:lnSpc>
+              <a:spcBef>
+                <a:spcPts val="1600"/>
+              </a:spcBef>
+              <a:spcAft>
+                <a:spcPts val="1600"/>
+              </a:spcAft>
+              <a:buNone/>
+            </a:pPr>
+            <a:endParaRPr dirty="0"/>
+          </a:p>
+        </p:txBody>
+      </p:sp>
+    </p:spTree>
+    <p:extLst>
+      <p:ext uri="{BB962C8B-B14F-4D97-AF65-F5344CB8AC3E}">
+        <p14:creationId xmlns:p14="http://schemas.microsoft.com/office/powerpoint/2010/main" val="1414021111"/>
+      </p:ext>
+    </p:extLst>
+  </p:cSld>
+  <p:clrMapOvr>
+    <a:masterClrMapping/>
+  </p:clrMapOvr>
+</p:sld>
+</file>
+
+<file path=ppt/slides/slide50.xml><?xml version="1.0" encoding="utf-8"?>
 <p:sld xmlns:a="http://schemas.openxmlformats.org/drawingml/2006/main" xmlns:r="http://schemas.openxmlformats.org/officeDocument/2006/relationships" xmlns:p="http://schemas.openxmlformats.org/presentationml/2006/main">
   <p:cSld>
     <p:spTree>
@@ -33960,7 +34412,7 @@
 </p:sld>
 </file>
 
-<file path=ppt/slides/slide49.xml><?xml version="1.0" encoding="utf-8"?>
+<file path=ppt/slides/slide51.xml><?xml version="1.0" encoding="utf-8"?>
 <p:sld xmlns:a="http://schemas.openxmlformats.org/drawingml/2006/main" xmlns:r="http://schemas.openxmlformats.org/officeDocument/2006/relationships" xmlns:p="http://schemas.openxmlformats.org/presentationml/2006/main">
   <p:cSld>
     <p:spTree>
@@ -34043,370 +34495,7 @@
 </p:sld>
 </file>
 
-<file path=ppt/slides/slide5.xml><?xml version="1.0" encoding="utf-8"?>
-<p:sld xmlns:a="http://schemas.openxmlformats.org/drawingml/2006/main" xmlns:r="http://schemas.openxmlformats.org/officeDocument/2006/relationships" xmlns:p="http://schemas.openxmlformats.org/presentationml/2006/main">
-  <p:cSld>
-    <p:spTree>
-      <p:nvGrpSpPr>
-        <p:cNvPr id="1" name="Shape 56"/>
-        <p:cNvGrpSpPr/>
-        <p:nvPr/>
-      </p:nvGrpSpPr>
-      <p:grpSpPr>
-        <a:xfrm>
-          <a:off x="0" y="0"/>
-          <a:ext cx="0" cy="0"/>
-          <a:chOff x="0" y="0"/>
-          <a:chExt cx="0" cy="0"/>
-        </a:xfrm>
-      </p:grpSpPr>
-      <p:sp>
-        <p:nvSpPr>
-          <p:cNvPr id="57" name="Google Shape;57;p16"/>
-          <p:cNvSpPr txBox="1">
-            <a:spLocks noGrp="1"/>
-          </p:cNvSpPr>
-          <p:nvPr>
-            <p:ph type="title" idx="4294967295"/>
-          </p:nvPr>
-        </p:nvSpPr>
-        <p:spPr>
-          <a:xfrm>
-            <a:off x="964660" y="528469"/>
-            <a:ext cx="8325300" cy="821700"/>
-          </a:xfrm>
-          <a:prstGeom prst="rect">
-            <a:avLst/>
-          </a:prstGeom>
-        </p:spPr>
-        <p:txBody>
-          <a:bodyPr spcFirstLastPara="1" wrap="square" lIns="91425" tIns="91425" rIns="91425" bIns="91425" anchor="ctr" anchorCtr="0">
-            <a:noAutofit/>
-          </a:bodyPr>
-          <a:lstStyle/>
-          <a:p>
-            <a:pPr marL="0" lvl="0" indent="0" algn="l" rtl="0">
-              <a:spcBef>
-                <a:spcPts val="0"/>
-              </a:spcBef>
-              <a:spcAft>
-                <a:spcPts val="0"/>
-              </a:spcAft>
-              <a:buNone/>
-            </a:pPr>
-            <a:r>
-              <a:rPr lang="en-US"/>
-              <a:t>Co je JavaScript?</a:t>
-            </a:r>
-            <a:endParaRPr/>
-          </a:p>
-        </p:txBody>
-      </p:sp>
-      <p:sp>
-        <p:nvSpPr>
-          <p:cNvPr id="58" name="Google Shape;58;p16"/>
-          <p:cNvSpPr txBox="1">
-            <a:spLocks noGrp="1"/>
-          </p:cNvSpPr>
-          <p:nvPr>
-            <p:ph type="body" idx="4294967295"/>
-          </p:nvPr>
-        </p:nvSpPr>
-        <p:spPr>
-          <a:xfrm>
-            <a:off x="964650" y="1378148"/>
-            <a:ext cx="10134600" cy="4992900"/>
-          </a:xfrm>
-          <a:prstGeom prst="rect">
-            <a:avLst/>
-          </a:prstGeom>
-          <a:effectLst>
-            <a:reflection dist="38100" dir="5400000" fadeDir="5400012" sy="-100000" algn="bl" rotWithShape="0"/>
-          </a:effectLst>
-        </p:spPr>
-        <p:txBody>
-          <a:bodyPr spcFirstLastPara="1" wrap="square" lIns="91425" tIns="91425" rIns="91425" bIns="91425" anchor="t" anchorCtr="0">
-            <a:noAutofit/>
-          </a:bodyPr>
-          <a:lstStyle/>
-          <a:p>
-            <a:pPr lvl="0">
-              <a:lnSpc>
-                <a:spcPct val="150000"/>
-              </a:lnSpc>
-              <a:spcBef>
-                <a:spcPts val="0"/>
-              </a:spcBef>
-              <a:buFont typeface="Crimson Text"/>
-              <a:buChar char="●"/>
-            </a:pPr>
-            <a:r>
-              <a:rPr lang="en-US" dirty="0" smtClean="0"/>
-              <a:t>Z </a:t>
-            </a:r>
-            <a:r>
-              <a:rPr lang="en-US" dirty="0" err="1"/>
-              <a:t>velké</a:t>
-            </a:r>
-            <a:r>
-              <a:rPr lang="en-US" dirty="0"/>
-              <a:t> </a:t>
-            </a:r>
-            <a:r>
-              <a:rPr lang="en-US" dirty="0" err="1"/>
-              <a:t>rodiny</a:t>
-            </a:r>
-            <a:r>
-              <a:rPr lang="en-US" dirty="0"/>
-              <a:t> </a:t>
-            </a:r>
-            <a:r>
-              <a:rPr lang="en-US" dirty="0" err="1">
-                <a:solidFill>
-                  <a:schemeClr val="bg2"/>
-                </a:solidFill>
-              </a:rPr>
-              <a:t>jazyka</a:t>
-            </a:r>
-            <a:r>
-              <a:rPr lang="en-US" dirty="0">
-                <a:solidFill>
-                  <a:schemeClr val="bg2"/>
-                </a:solidFill>
-              </a:rPr>
-              <a:t> </a:t>
-            </a:r>
-            <a:r>
-              <a:rPr lang="en-US" dirty="0" smtClean="0">
-                <a:solidFill>
-                  <a:schemeClr val="bg2"/>
-                </a:solidFill>
-              </a:rPr>
-              <a:t>C</a:t>
-            </a:r>
-            <a:r>
-              <a:rPr lang="cs-CZ" dirty="0">
-                <a:solidFill>
-                  <a:schemeClr val="bg2"/>
-                </a:solidFill>
-              </a:rPr>
-              <a:t> </a:t>
-            </a:r>
-            <a:endParaRPr lang="cs-CZ" dirty="0" smtClean="0">
-              <a:solidFill>
-                <a:schemeClr val="bg2"/>
-              </a:solidFill>
-            </a:endParaRPr>
-          </a:p>
-          <a:p>
-            <a:pPr lvl="1">
-              <a:lnSpc>
-                <a:spcPct val="150000"/>
-              </a:lnSpc>
-              <a:spcBef>
-                <a:spcPts val="0"/>
-              </a:spcBef>
-              <a:buFont typeface="Courier New" panose="02070309020205020404" pitchFamily="49" charset="0"/>
-              <a:buChar char="o"/>
-            </a:pPr>
-            <a:r>
-              <a:rPr lang="en-US" dirty="0" smtClean="0"/>
-              <a:t>C</a:t>
-            </a:r>
-            <a:r>
-              <a:rPr lang="en-US" dirty="0"/>
-              <a:t>++, Java, C</a:t>
-            </a:r>
-            <a:r>
-              <a:rPr lang="en-US" dirty="0" smtClean="0"/>
-              <a:t>#,</a:t>
-            </a:r>
-            <a:endParaRPr dirty="0"/>
-          </a:p>
-          <a:p>
-            <a:pPr marL="457200" lvl="0" indent="-406400" algn="l" rtl="0">
-              <a:lnSpc>
-                <a:spcPct val="150000"/>
-              </a:lnSpc>
-              <a:spcBef>
-                <a:spcPts val="0"/>
-              </a:spcBef>
-              <a:spcAft>
-                <a:spcPts val="0"/>
-              </a:spcAft>
-              <a:buClr>
-                <a:schemeClr val="dk1"/>
-              </a:buClr>
-              <a:buSzPts val="2800"/>
-              <a:buFont typeface="Crimson Text"/>
-              <a:buChar char="●"/>
-            </a:pPr>
-            <a:r>
-              <a:rPr lang="en-US" dirty="0" err="1"/>
-              <a:t>Neplést</a:t>
-            </a:r>
-            <a:r>
-              <a:rPr lang="en-US" dirty="0"/>
-              <a:t> s </a:t>
-            </a:r>
-            <a:r>
-              <a:rPr lang="en-US" dirty="0" err="1"/>
-              <a:t>jazykem</a:t>
-            </a:r>
-            <a:r>
-              <a:rPr lang="en-US" dirty="0"/>
-              <a:t> </a:t>
-            </a:r>
-            <a:r>
-              <a:rPr lang="en-US" dirty="0" smtClean="0">
-                <a:solidFill>
-                  <a:schemeClr val="bg2"/>
-                </a:solidFill>
-              </a:rPr>
-              <a:t>Java</a:t>
-            </a:r>
-            <a:r>
-              <a:rPr lang="cs-CZ" dirty="0" smtClean="0">
-                <a:solidFill>
-                  <a:schemeClr val="bg2"/>
-                </a:solidFill>
-              </a:rPr>
-              <a:t> </a:t>
-            </a:r>
-          </a:p>
-          <a:p>
-            <a:pPr lvl="1" indent="-406400">
-              <a:lnSpc>
-                <a:spcPct val="150000"/>
-              </a:lnSpc>
-              <a:spcBef>
-                <a:spcPts val="0"/>
-              </a:spcBef>
-              <a:buSzPts val="2800"/>
-              <a:buFont typeface="Courier New" panose="02070309020205020404" pitchFamily="49" charset="0"/>
-              <a:buChar char="o"/>
-            </a:pPr>
-            <a:r>
-              <a:rPr lang="cs-CZ" dirty="0" smtClean="0"/>
-              <a:t>to </a:t>
-            </a:r>
-            <a:r>
-              <a:rPr lang="en-US" dirty="0" smtClean="0"/>
-              <a:t>je </a:t>
-            </a:r>
-            <a:r>
-              <a:rPr lang="en-US" dirty="0" err="1"/>
-              <a:t>úplně</a:t>
-            </a:r>
-            <a:r>
-              <a:rPr lang="en-US" dirty="0"/>
-              <a:t> </a:t>
-            </a:r>
-            <a:r>
-              <a:rPr lang="en-US" dirty="0" err="1"/>
-              <a:t>jiný</a:t>
-            </a:r>
-            <a:r>
-              <a:rPr lang="en-US" dirty="0"/>
-              <a:t> </a:t>
-            </a:r>
-            <a:r>
-              <a:rPr lang="en-US" dirty="0" err="1" smtClean="0"/>
-              <a:t>jazyk</a:t>
-            </a:r>
-            <a:r>
-              <a:rPr lang="cs-CZ" dirty="0" smtClean="0"/>
-              <a:t>, původně se jazyk jmenoval „</a:t>
-            </a:r>
-            <a:r>
-              <a:rPr lang="cs-CZ" dirty="0" err="1" smtClean="0"/>
-              <a:t>LiveScript</a:t>
-            </a:r>
-            <a:r>
-              <a:rPr lang="cs-CZ" dirty="0" smtClean="0"/>
-              <a:t>“</a:t>
-            </a:r>
-          </a:p>
-          <a:p>
-            <a:pPr marL="457200" lvl="0" indent="-406400" algn="l" rtl="0">
-              <a:lnSpc>
-                <a:spcPct val="150000"/>
-              </a:lnSpc>
-              <a:spcBef>
-                <a:spcPts val="0"/>
-              </a:spcBef>
-              <a:spcAft>
-                <a:spcPts val="0"/>
-              </a:spcAft>
-              <a:buClr>
-                <a:schemeClr val="dk1"/>
-              </a:buClr>
-              <a:buSzPts val="2800"/>
-              <a:buFont typeface="Crimson Text"/>
-              <a:buChar char="●"/>
-            </a:pPr>
-            <a:r>
-              <a:rPr lang="cs-CZ" dirty="0" smtClean="0"/>
-              <a:t>JS je </a:t>
-            </a:r>
-            <a:r>
-              <a:rPr lang="cs-CZ" dirty="0" smtClean="0">
-                <a:solidFill>
-                  <a:schemeClr val="bg2"/>
-                </a:solidFill>
-              </a:rPr>
-              <a:t>rychlý a jednoduchý</a:t>
-            </a:r>
-          </a:p>
-          <a:p>
-            <a:pPr lvl="1" indent="-406400">
-              <a:lnSpc>
-                <a:spcPct val="150000"/>
-              </a:lnSpc>
-              <a:spcBef>
-                <a:spcPts val="0"/>
-              </a:spcBef>
-              <a:buSzPts val="2800"/>
-              <a:buFont typeface="Courier New" panose="02070309020205020404" pitchFamily="49" charset="0"/>
-              <a:buChar char="o"/>
-            </a:pPr>
-            <a:r>
-              <a:rPr lang="cs-CZ" dirty="0" smtClean="0"/>
-              <a:t>Nicméně JS má některé (pro začátečníky) matoucí vlastnosti</a:t>
-            </a:r>
-            <a:endParaRPr dirty="0"/>
-          </a:p>
-          <a:p>
-            <a:pPr marL="0" lvl="0" indent="0" algn="l" rtl="0">
-              <a:lnSpc>
-                <a:spcPct val="115000"/>
-              </a:lnSpc>
-              <a:spcBef>
-                <a:spcPts val="1600"/>
-              </a:spcBef>
-              <a:spcAft>
-                <a:spcPts val="1600"/>
-              </a:spcAft>
-              <a:buNone/>
-            </a:pPr>
-            <a:endParaRPr dirty="0"/>
-          </a:p>
-        </p:txBody>
-      </p:sp>
-    </p:spTree>
-    <p:extLst>
-      <p:ext uri="{BB962C8B-B14F-4D97-AF65-F5344CB8AC3E}">
-        <p14:creationId xmlns:p14="http://schemas.microsoft.com/office/powerpoint/2010/main" val="1414021111"/>
-      </p:ext>
-    </p:extLst>
-  </p:cSld>
-  <p:clrMapOvr>
-    <a:masterClrMapping/>
-  </p:clrMapOvr>
-</p:sld>
-</file>
-
-<file path=ppt/slides/slide50.xml><?xml version="1.0" encoding="utf-8"?>
+<file path=ppt/slides/slide52.xml><?xml version="1.0" encoding="utf-8"?>
 <p:sld xmlns:a="http://schemas.openxmlformats.org/drawingml/2006/main" xmlns:r="http://schemas.openxmlformats.org/officeDocument/2006/relationships" xmlns:p="http://schemas.openxmlformats.org/presentationml/2006/main">
   <p:cSld>
     <p:spTree>
@@ -34763,7 +34852,7 @@
 </p:sld>
 </file>
 
-<file path=ppt/slides/slide51.xml><?xml version="1.0" encoding="utf-8"?>
+<file path=ppt/slides/slide53.xml><?xml version="1.0" encoding="utf-8"?>
 <p:sld xmlns:a="http://schemas.openxmlformats.org/drawingml/2006/main" xmlns:r="http://schemas.openxmlformats.org/officeDocument/2006/relationships" xmlns:p="http://schemas.openxmlformats.org/presentationml/2006/main">
   <p:cSld>
     <p:spTree>
@@ -35253,7 +35342,7 @@
 </p:sld>
 </file>
 
-<file path=ppt/slides/slide52.xml><?xml version="1.0" encoding="utf-8"?>
+<file path=ppt/slides/slide54.xml><?xml version="1.0" encoding="utf-8"?>
 <p:sld xmlns:a="http://schemas.openxmlformats.org/drawingml/2006/main" xmlns:r="http://schemas.openxmlformats.org/officeDocument/2006/relationships" xmlns:p="http://schemas.openxmlformats.org/presentationml/2006/main">
   <p:cSld>
     <p:spTree>
@@ -35868,7 +35957,7 @@
 </p:sld>
 </file>
 
-<file path=ppt/slides/slide53.xml><?xml version="1.0" encoding="utf-8"?>
+<file path=ppt/slides/slide55.xml><?xml version="1.0" encoding="utf-8"?>
 <p:sld xmlns:a="http://schemas.openxmlformats.org/drawingml/2006/main" xmlns:r="http://schemas.openxmlformats.org/officeDocument/2006/relationships" xmlns:p="http://schemas.openxmlformats.org/presentationml/2006/main">
   <p:cSld>
     <p:spTree>
@@ -35951,7 +36040,7 @@
 </p:sld>
 </file>
 
-<file path=ppt/slides/slide54.xml><?xml version="1.0" encoding="utf-8"?>
+<file path=ppt/slides/slide56.xml><?xml version="1.0" encoding="utf-8"?>
 <p:sld xmlns:a="http://schemas.openxmlformats.org/drawingml/2006/main" xmlns:r="http://schemas.openxmlformats.org/officeDocument/2006/relationships" xmlns:p="http://schemas.openxmlformats.org/presentationml/2006/main">
   <p:cSld>
     <p:spTree>
@@ -36531,7 +36620,7 @@
 </p:sld>
 </file>
 
-<file path=ppt/slides/slide55.xml><?xml version="1.0" encoding="utf-8"?>
+<file path=ppt/slides/slide57.xml><?xml version="1.0" encoding="utf-8"?>
 <p:sld xmlns:a="http://schemas.openxmlformats.org/drawingml/2006/main" xmlns:r="http://schemas.openxmlformats.org/officeDocument/2006/relationships" xmlns:p="http://schemas.openxmlformats.org/presentationml/2006/main">
   <p:cSld>
     <p:spTree>
@@ -37122,7 +37211,7 @@
 </p:sld>
 </file>
 
-<file path=ppt/slides/slide56.xml><?xml version="1.0" encoding="utf-8"?>
+<file path=ppt/slides/slide58.xml><?xml version="1.0" encoding="utf-8"?>
 <p:sld xmlns:a="http://schemas.openxmlformats.org/drawingml/2006/main" xmlns:r="http://schemas.openxmlformats.org/officeDocument/2006/relationships" xmlns:p="http://schemas.openxmlformats.org/presentationml/2006/main">
   <p:cSld>
     <p:spTree>
@@ -37205,7 +37294,7 @@
 </p:sld>
 </file>
 
-<file path=ppt/slides/slide57.xml><?xml version="1.0" encoding="utf-8"?>
+<file path=ppt/slides/slide59.xml><?xml version="1.0" encoding="utf-8"?>
 <p:sld xmlns:a="http://schemas.openxmlformats.org/drawingml/2006/main" xmlns:r="http://schemas.openxmlformats.org/officeDocument/2006/relationships" xmlns:p="http://schemas.openxmlformats.org/presentationml/2006/main">
   <p:cSld>
     <p:spTree>
@@ -37440,7 +37529,122 @@
 </p:sld>
 </file>
 
-<file path=ppt/slides/slide58.xml><?xml version="1.0" encoding="utf-8"?>
+<file path=ppt/slides/slide6.xml><?xml version="1.0" encoding="utf-8"?>
+<p:sld xmlns:a="http://schemas.openxmlformats.org/drawingml/2006/main" xmlns:r="http://schemas.openxmlformats.org/officeDocument/2006/relationships" xmlns:p="http://schemas.openxmlformats.org/presentationml/2006/main">
+  <p:cSld>
+    <p:spTree>
+      <p:nvGrpSpPr>
+        <p:cNvPr id="1" name="Shape 62"/>
+        <p:cNvGrpSpPr/>
+        <p:nvPr/>
+      </p:nvGrpSpPr>
+      <p:grpSpPr>
+        <a:xfrm>
+          <a:off x="0" y="0"/>
+          <a:ext cx="0" cy="0"/>
+          <a:chOff x="0" y="0"/>
+          <a:chExt cx="0" cy="0"/>
+        </a:xfrm>
+      </p:grpSpPr>
+      <p:sp>
+        <p:nvSpPr>
+          <p:cNvPr id="63" name="Google Shape;63;p17"/>
+          <p:cNvSpPr txBox="1">
+            <a:spLocks noGrp="1"/>
+          </p:cNvSpPr>
+          <p:nvPr>
+            <p:ph type="title" idx="4294967295"/>
+          </p:nvPr>
+        </p:nvSpPr>
+        <p:spPr>
+          <a:xfrm>
+            <a:off x="964660" y="528469"/>
+            <a:ext cx="8325300" cy="821700"/>
+          </a:xfrm>
+          <a:prstGeom prst="rect">
+            <a:avLst/>
+          </a:prstGeom>
+        </p:spPr>
+        <p:txBody>
+          <a:bodyPr spcFirstLastPara="1" wrap="square" lIns="91425" tIns="91425" rIns="91425" bIns="91425" anchor="ctr" anchorCtr="0">
+            <a:noAutofit/>
+          </a:bodyPr>
+          <a:lstStyle/>
+          <a:p>
+            <a:pPr marL="0" lvl="0" indent="0" algn="l" rtl="0">
+              <a:spcBef>
+                <a:spcPts val="0"/>
+              </a:spcBef>
+              <a:spcAft>
+                <a:spcPts val="0"/>
+              </a:spcAft>
+              <a:buNone/>
+            </a:pPr>
+            <a:r>
+              <a:rPr lang="en-US"/>
+              <a:t>Proč HTML + CSS + </a:t>
+            </a:r>
+            <a:r>
+              <a:rPr lang="en-US">
+                <a:solidFill>
+                  <a:schemeClr val="accent1"/>
+                </a:solidFill>
+                <a:latin typeface="Open Sans"/>
+                <a:ea typeface="Open Sans"/>
+                <a:cs typeface="Open Sans"/>
+                <a:sym typeface="Open Sans"/>
+              </a:rPr>
+              <a:t>JavaScript?</a:t>
+            </a:r>
+            <a:endParaRPr>
+              <a:solidFill>
+                <a:schemeClr val="accent1"/>
+              </a:solidFill>
+              <a:latin typeface="Open Sans"/>
+              <a:ea typeface="Open Sans"/>
+              <a:cs typeface="Open Sans"/>
+              <a:sym typeface="Open Sans"/>
+            </a:endParaRPr>
+          </a:p>
+        </p:txBody>
+      </p:sp>
+      <p:pic>
+        <p:nvPicPr>
+          <p:cNvPr id="64" name="Google Shape;64;p17"/>
+          <p:cNvPicPr preferRelativeResize="0"/>
+          <p:nvPr/>
+        </p:nvPicPr>
+        <p:blipFill>
+          <a:blip r:embed="rId3">
+            <a:alphaModFix/>
+          </a:blip>
+          <a:stretch>
+            <a:fillRect/>
+          </a:stretch>
+        </p:blipFill>
+        <p:spPr>
+          <a:xfrm>
+            <a:off x="2551576" y="1572050"/>
+            <a:ext cx="6784047" cy="4666249"/>
+          </a:xfrm>
+          <a:prstGeom prst="rect">
+            <a:avLst/>
+          </a:prstGeom>
+          <a:noFill/>
+          <a:ln>
+            <a:noFill/>
+          </a:ln>
+        </p:spPr>
+      </p:pic>
+    </p:spTree>
+  </p:cSld>
+  <p:clrMapOvr>
+    <a:masterClrMapping/>
+  </p:clrMapOvr>
+</p:sld>
+</file>
+
+<file path=ppt/slides/slide60.xml><?xml version="1.0" encoding="utf-8"?>
 <p:sld xmlns:a="http://schemas.openxmlformats.org/drawingml/2006/main" xmlns:r="http://schemas.openxmlformats.org/officeDocument/2006/relationships" xmlns:p="http://schemas.openxmlformats.org/presentationml/2006/main">
   <p:cSld>
     <p:spTree>
@@ -38108,7 +38312,7 @@
 </p:sld>
 </file>
 
-<file path=ppt/slides/slide59.xml><?xml version="1.0" encoding="utf-8"?>
+<file path=ppt/slides/slide61.xml><?xml version="1.0" encoding="utf-8"?>
 <p:sld xmlns:a="http://schemas.openxmlformats.org/drawingml/2006/main" xmlns:r="http://schemas.openxmlformats.org/officeDocument/2006/relationships" xmlns:p="http://schemas.openxmlformats.org/presentationml/2006/main">
   <p:cSld>
     <p:spTree>
@@ -38586,122 +38790,7 @@
 </p:sld>
 </file>
 
-<file path=ppt/slides/slide6.xml><?xml version="1.0" encoding="utf-8"?>
-<p:sld xmlns:a="http://schemas.openxmlformats.org/drawingml/2006/main" xmlns:r="http://schemas.openxmlformats.org/officeDocument/2006/relationships" xmlns:p="http://schemas.openxmlformats.org/presentationml/2006/main">
-  <p:cSld>
-    <p:spTree>
-      <p:nvGrpSpPr>
-        <p:cNvPr id="1" name="Shape 62"/>
-        <p:cNvGrpSpPr/>
-        <p:nvPr/>
-      </p:nvGrpSpPr>
-      <p:grpSpPr>
-        <a:xfrm>
-          <a:off x="0" y="0"/>
-          <a:ext cx="0" cy="0"/>
-          <a:chOff x="0" y="0"/>
-          <a:chExt cx="0" cy="0"/>
-        </a:xfrm>
-      </p:grpSpPr>
-      <p:sp>
-        <p:nvSpPr>
-          <p:cNvPr id="63" name="Google Shape;63;p17"/>
-          <p:cNvSpPr txBox="1">
-            <a:spLocks noGrp="1"/>
-          </p:cNvSpPr>
-          <p:nvPr>
-            <p:ph type="title" idx="4294967295"/>
-          </p:nvPr>
-        </p:nvSpPr>
-        <p:spPr>
-          <a:xfrm>
-            <a:off x="964660" y="528469"/>
-            <a:ext cx="8325300" cy="821700"/>
-          </a:xfrm>
-          <a:prstGeom prst="rect">
-            <a:avLst/>
-          </a:prstGeom>
-        </p:spPr>
-        <p:txBody>
-          <a:bodyPr spcFirstLastPara="1" wrap="square" lIns="91425" tIns="91425" rIns="91425" bIns="91425" anchor="ctr" anchorCtr="0">
-            <a:noAutofit/>
-          </a:bodyPr>
-          <a:lstStyle/>
-          <a:p>
-            <a:pPr marL="0" lvl="0" indent="0" algn="l" rtl="0">
-              <a:spcBef>
-                <a:spcPts val="0"/>
-              </a:spcBef>
-              <a:spcAft>
-                <a:spcPts val="0"/>
-              </a:spcAft>
-              <a:buNone/>
-            </a:pPr>
-            <a:r>
-              <a:rPr lang="en-US"/>
-              <a:t>Proč HTML + CSS + </a:t>
-            </a:r>
-            <a:r>
-              <a:rPr lang="en-US">
-                <a:solidFill>
-                  <a:schemeClr val="accent1"/>
-                </a:solidFill>
-                <a:latin typeface="Open Sans"/>
-                <a:ea typeface="Open Sans"/>
-                <a:cs typeface="Open Sans"/>
-                <a:sym typeface="Open Sans"/>
-              </a:rPr>
-              <a:t>JavaScript?</a:t>
-            </a:r>
-            <a:endParaRPr>
-              <a:solidFill>
-                <a:schemeClr val="accent1"/>
-              </a:solidFill>
-              <a:latin typeface="Open Sans"/>
-              <a:ea typeface="Open Sans"/>
-              <a:cs typeface="Open Sans"/>
-              <a:sym typeface="Open Sans"/>
-            </a:endParaRPr>
-          </a:p>
-        </p:txBody>
-      </p:sp>
-      <p:pic>
-        <p:nvPicPr>
-          <p:cNvPr id="64" name="Google Shape;64;p17"/>
-          <p:cNvPicPr preferRelativeResize="0"/>
-          <p:nvPr/>
-        </p:nvPicPr>
-        <p:blipFill>
-          <a:blip r:embed="rId3">
-            <a:alphaModFix/>
-          </a:blip>
-          <a:stretch>
-            <a:fillRect/>
-          </a:stretch>
-        </p:blipFill>
-        <p:spPr>
-          <a:xfrm>
-            <a:off x="2551576" y="1572050"/>
-            <a:ext cx="6784047" cy="4666249"/>
-          </a:xfrm>
-          <a:prstGeom prst="rect">
-            <a:avLst/>
-          </a:prstGeom>
-          <a:noFill/>
-          <a:ln>
-            <a:noFill/>
-          </a:ln>
-        </p:spPr>
-      </p:pic>
-    </p:spTree>
-  </p:cSld>
-  <p:clrMapOvr>
-    <a:masterClrMapping/>
-  </p:clrMapOvr>
-</p:sld>
-</file>
-
-<file path=ppt/slides/slide60.xml><?xml version="1.0" encoding="utf-8"?>
+<file path=ppt/slides/slide62.xml><?xml version="1.0" encoding="utf-8"?>
 <p:sld xmlns:a="http://schemas.openxmlformats.org/drawingml/2006/main" xmlns:r="http://schemas.openxmlformats.org/officeDocument/2006/relationships" xmlns:p="http://schemas.openxmlformats.org/presentationml/2006/main">
   <p:cSld>
     <p:spTree>
@@ -39275,7 +39364,7 @@
 </p:sld>
 </file>
 
-<file path=ppt/slides/slide61.xml><?xml version="1.0" encoding="utf-8"?>
+<file path=ppt/slides/slide63.xml><?xml version="1.0" encoding="utf-8"?>
 <p:sld xmlns:a="http://schemas.openxmlformats.org/drawingml/2006/main" xmlns:r="http://schemas.openxmlformats.org/officeDocument/2006/relationships" xmlns:p="http://schemas.openxmlformats.org/presentationml/2006/main">
   <p:cSld>
     <p:spTree>
@@ -39616,7 +39705,7 @@
 </p:sld>
 </file>
 
-<file path=ppt/slides/slide62.xml><?xml version="1.0" encoding="utf-8"?>
+<file path=ppt/slides/slide64.xml><?xml version="1.0" encoding="utf-8"?>
 <p:sld xmlns:a="http://schemas.openxmlformats.org/drawingml/2006/main" xmlns:r="http://schemas.openxmlformats.org/officeDocument/2006/relationships" xmlns:p="http://schemas.openxmlformats.org/presentationml/2006/main">
   <p:cSld>
     <p:spTree>
@@ -39683,7 +39772,7 @@
 </p:sld>
 </file>
 
-<file path=ppt/slides/slide63.xml><?xml version="1.0" encoding="utf-8"?>
+<file path=ppt/slides/slide65.xml><?xml version="1.0" encoding="utf-8"?>
 <p:sld xmlns:a="http://schemas.openxmlformats.org/drawingml/2006/main" xmlns:r="http://schemas.openxmlformats.org/officeDocument/2006/relationships" xmlns:p="http://schemas.openxmlformats.org/presentationml/2006/main">
   <p:cSld>
     <p:spTree>
@@ -39926,7 +40015,7 @@
 </p:sld>
 </file>
 
-<file path=ppt/slides/slide64.xml><?xml version="1.0" encoding="utf-8"?>
+<file path=ppt/slides/slide66.xml><?xml version="1.0" encoding="utf-8"?>
 <p:sld xmlns:a="http://schemas.openxmlformats.org/drawingml/2006/main" xmlns:r="http://schemas.openxmlformats.org/officeDocument/2006/relationships" xmlns:p="http://schemas.openxmlformats.org/presentationml/2006/main">
   <p:cSld>
     <p:spTree>
@@ -39993,7 +40082,7 @@
 </p:sld>
 </file>
 
-<file path=ppt/slides/slide65.xml><?xml version="1.0" encoding="utf-8"?>
+<file path=ppt/slides/slide67.xml><?xml version="1.0" encoding="utf-8"?>
 <p:sld xmlns:a="http://schemas.openxmlformats.org/drawingml/2006/main" xmlns:r="http://schemas.openxmlformats.org/officeDocument/2006/relationships" xmlns:p="http://schemas.openxmlformats.org/presentationml/2006/main">
   <p:cSld>
     <p:spTree>
